--- a/documentation/presentation/Project Onslaught.pptx
+++ b/documentation/presentation/Project Onslaught.pptx
@@ -2,19 +2,23 @@
 <file path=ppt/presentation.xml><?xml version="1.0" encoding="utf-8"?>
 <p:presentation xmlns:a="http://schemas.openxmlformats.org/drawingml/2006/main" xmlns:r="http://schemas.openxmlformats.org/officeDocument/2006/relationships" xmlns:p="http://schemas.openxmlformats.org/presentationml/2006/main" saveSubsetFonts="1">
   <p:sldMasterIdLst>
-    <p:sldMasterId id="2147483648" r:id="rId1"/>
+    <p:sldMasterId id="2147483696" r:id="rId1"/>
   </p:sldMasterIdLst>
+  <p:notesMasterIdLst>
+    <p:notesMasterId r:id="rId13"/>
+  </p:notesMasterIdLst>
   <p:sldIdLst>
     <p:sldId id="256" r:id="rId2"/>
     <p:sldId id="257" r:id="rId3"/>
     <p:sldId id="264" r:id="rId4"/>
     <p:sldId id="262" r:id="rId5"/>
-    <p:sldId id="258" r:id="rId6"/>
-    <p:sldId id="263" r:id="rId7"/>
-    <p:sldId id="259" r:id="rId8"/>
-    <p:sldId id="265" r:id="rId9"/>
-    <p:sldId id="260" r:id="rId10"/>
-    <p:sldId id="261" r:id="rId11"/>
+    <p:sldId id="263" r:id="rId6"/>
+    <p:sldId id="265" r:id="rId7"/>
+    <p:sldId id="260" r:id="rId8"/>
+    <p:sldId id="266" r:id="rId9"/>
+    <p:sldId id="261" r:id="rId10"/>
+    <p:sldId id="267" r:id="rId11"/>
+    <p:sldId id="268" r:id="rId12"/>
   </p:sldIdLst>
   <p:sldSz cx="12192000" cy="6858000"/>
   <p:notesSz cx="6858000" cy="9144000"/>
@@ -22,7 +26,7 @@
     <a:defPPr>
       <a:defRPr lang="en-US"/>
     </a:defPPr>
-    <a:lvl1pPr marL="0" algn="l" defTabSz="914400" rtl="0" eaLnBrk="1" latinLnBrk="0" hangingPunct="1">
+    <a:lvl1pPr marL="0" algn="l" defTabSz="457200" rtl="0" eaLnBrk="1" latinLnBrk="0" hangingPunct="1">
       <a:defRPr sz="1800" kern="1200">
         <a:solidFill>
           <a:schemeClr val="tx1"/>
@@ -32,7 +36,7 @@
         <a:cs typeface="+mn-cs"/>
       </a:defRPr>
     </a:lvl1pPr>
-    <a:lvl2pPr marL="457200" algn="l" defTabSz="914400" rtl="0" eaLnBrk="1" latinLnBrk="0" hangingPunct="1">
+    <a:lvl2pPr marL="457200" algn="l" defTabSz="457200" rtl="0" eaLnBrk="1" latinLnBrk="0" hangingPunct="1">
       <a:defRPr sz="1800" kern="1200">
         <a:solidFill>
           <a:schemeClr val="tx1"/>
@@ -42,7 +46,7 @@
         <a:cs typeface="+mn-cs"/>
       </a:defRPr>
     </a:lvl2pPr>
-    <a:lvl3pPr marL="914400" algn="l" defTabSz="914400" rtl="0" eaLnBrk="1" latinLnBrk="0" hangingPunct="1">
+    <a:lvl3pPr marL="914400" algn="l" defTabSz="457200" rtl="0" eaLnBrk="1" latinLnBrk="0" hangingPunct="1">
       <a:defRPr sz="1800" kern="1200">
         <a:solidFill>
           <a:schemeClr val="tx1"/>
@@ -52,7 +56,7 @@
         <a:cs typeface="+mn-cs"/>
       </a:defRPr>
     </a:lvl3pPr>
-    <a:lvl4pPr marL="1371600" algn="l" defTabSz="914400" rtl="0" eaLnBrk="1" latinLnBrk="0" hangingPunct="1">
+    <a:lvl4pPr marL="1371600" algn="l" defTabSz="457200" rtl="0" eaLnBrk="1" latinLnBrk="0" hangingPunct="1">
       <a:defRPr sz="1800" kern="1200">
         <a:solidFill>
           <a:schemeClr val="tx1"/>
@@ -62,7 +66,7 @@
         <a:cs typeface="+mn-cs"/>
       </a:defRPr>
     </a:lvl4pPr>
-    <a:lvl5pPr marL="1828800" algn="l" defTabSz="914400" rtl="0" eaLnBrk="1" latinLnBrk="0" hangingPunct="1">
+    <a:lvl5pPr marL="1828800" algn="l" defTabSz="457200" rtl="0" eaLnBrk="1" latinLnBrk="0" hangingPunct="1">
       <a:defRPr sz="1800" kern="1200">
         <a:solidFill>
           <a:schemeClr val="tx1"/>
@@ -72,7 +76,7 @@
         <a:cs typeface="+mn-cs"/>
       </a:defRPr>
     </a:lvl5pPr>
-    <a:lvl6pPr marL="2286000" algn="l" defTabSz="914400" rtl="0" eaLnBrk="1" latinLnBrk="0" hangingPunct="1">
+    <a:lvl6pPr marL="2286000" algn="l" defTabSz="457200" rtl="0" eaLnBrk="1" latinLnBrk="0" hangingPunct="1">
       <a:defRPr sz="1800" kern="1200">
         <a:solidFill>
           <a:schemeClr val="tx1"/>
@@ -82,7 +86,7 @@
         <a:cs typeface="+mn-cs"/>
       </a:defRPr>
     </a:lvl6pPr>
-    <a:lvl7pPr marL="2743200" algn="l" defTabSz="914400" rtl="0" eaLnBrk="1" latinLnBrk="0" hangingPunct="1">
+    <a:lvl7pPr marL="2743200" algn="l" defTabSz="457200" rtl="0" eaLnBrk="1" latinLnBrk="0" hangingPunct="1">
       <a:defRPr sz="1800" kern="1200">
         <a:solidFill>
           <a:schemeClr val="tx1"/>
@@ -92,7 +96,7 @@
         <a:cs typeface="+mn-cs"/>
       </a:defRPr>
     </a:lvl7pPr>
-    <a:lvl8pPr marL="3200400" algn="l" defTabSz="914400" rtl="0" eaLnBrk="1" latinLnBrk="0" hangingPunct="1">
+    <a:lvl8pPr marL="3200400" algn="l" defTabSz="457200" rtl="0" eaLnBrk="1" latinLnBrk="0" hangingPunct="1">
       <a:defRPr sz="1800" kern="1200">
         <a:solidFill>
           <a:schemeClr val="tx1"/>
@@ -102,7 +106,7 @@
         <a:cs typeface="+mn-cs"/>
       </a:defRPr>
     </a:lvl8pPr>
-    <a:lvl9pPr marL="3657600" algn="l" defTabSz="914400" rtl="0" eaLnBrk="1" latinLnBrk="0" hangingPunct="1">
+    <a:lvl9pPr marL="3657600" algn="l" defTabSz="457200" rtl="0" eaLnBrk="1" latinLnBrk="0" hangingPunct="1">
       <a:defRPr sz="1800" kern="1200">
         <a:solidFill>
           <a:schemeClr val="tx1"/>
@@ -113,7 +117,544 @@
       </a:defRPr>
     </a:lvl9pPr>
   </p:defaultTextStyle>
+  <p:extLst>
+    <p:ext uri="{EFAFB233-063F-42B5-8137-9DF3F51BA10A}">
+      <p15:sldGuideLst xmlns:p15="http://schemas.microsoft.com/office/powerpoint/2012/main"/>
+    </p:ext>
+  </p:extLst>
 </p:presentation>
+</file>
+
+<file path=ppt/revisionInfo.xml><?xml version="1.0" encoding="utf-8"?>
+<p1510:revInfo xmlns:a="http://schemas.openxmlformats.org/drawingml/2006/main" xmlns:r="http://schemas.openxmlformats.org/officeDocument/2006/relationships" xmlns:p1510="http://schemas.microsoft.com/office/powerpoint/2015/10/main"/>
+</file>
+
+<file path=ppt/notesMasters/notesMaster1.xml><?xml version="1.0" encoding="utf-8"?>
+<p:notesMaster xmlns:a="http://schemas.openxmlformats.org/drawingml/2006/main" xmlns:r="http://schemas.openxmlformats.org/officeDocument/2006/relationships" xmlns:p="http://schemas.openxmlformats.org/presentationml/2006/main">
+  <p:cSld>
+    <p:bg>
+      <p:bgRef idx="1001">
+        <a:schemeClr val="bg1"/>
+      </p:bgRef>
+    </p:bg>
+    <p:spTree>
+      <p:nvGrpSpPr>
+        <p:cNvPr id="1" name=""/>
+        <p:cNvGrpSpPr/>
+        <p:nvPr/>
+      </p:nvGrpSpPr>
+      <p:grpSpPr>
+        <a:xfrm>
+          <a:off x="0" y="0"/>
+          <a:ext cx="0" cy="0"/>
+          <a:chOff x="0" y="0"/>
+          <a:chExt cx="0" cy="0"/>
+        </a:xfrm>
+      </p:grpSpPr>
+      <p:sp>
+        <p:nvSpPr>
+          <p:cNvPr id="2" name="Header Placeholder 1"/>
+          <p:cNvSpPr>
+            <a:spLocks noGrp="1"/>
+          </p:cNvSpPr>
+          <p:nvPr>
+            <p:ph type="hdr" sz="quarter"/>
+          </p:nvPr>
+        </p:nvSpPr>
+        <p:spPr>
+          <a:xfrm>
+            <a:off x="0" y="0"/>
+            <a:ext cx="2971800" cy="458788"/>
+          </a:xfrm>
+          <a:prstGeom prst="rect">
+            <a:avLst/>
+          </a:prstGeom>
+        </p:spPr>
+        <p:txBody>
+          <a:bodyPr vert="horz" lIns="91440" tIns="45720" rIns="91440" bIns="45720" rtlCol="0"/>
+          <a:lstStyle>
+            <a:lvl1pPr algn="l">
+              <a:defRPr sz="1200"/>
+            </a:lvl1pPr>
+          </a:lstStyle>
+          <a:p>
+            <a:endParaRPr lang="fi-FI"/>
+          </a:p>
+        </p:txBody>
+      </p:sp>
+      <p:sp>
+        <p:nvSpPr>
+          <p:cNvPr id="3" name="Date Placeholder 2"/>
+          <p:cNvSpPr>
+            <a:spLocks noGrp="1"/>
+          </p:cNvSpPr>
+          <p:nvPr>
+            <p:ph type="dt" idx="1"/>
+          </p:nvPr>
+        </p:nvSpPr>
+        <p:spPr>
+          <a:xfrm>
+            <a:off x="3884613" y="0"/>
+            <a:ext cx="2971800" cy="458788"/>
+          </a:xfrm>
+          <a:prstGeom prst="rect">
+            <a:avLst/>
+          </a:prstGeom>
+        </p:spPr>
+        <p:txBody>
+          <a:bodyPr vert="horz" lIns="91440" tIns="45720" rIns="91440" bIns="45720" rtlCol="0"/>
+          <a:lstStyle>
+            <a:lvl1pPr algn="r">
+              <a:defRPr sz="1200"/>
+            </a:lvl1pPr>
+          </a:lstStyle>
+          <a:p>
+            <a:fld id="{860F9927-5ABD-4BF5-B525-DA5C66DEA476}" type="datetimeFigureOut">
+              <a:rPr lang="fi-FI" smtClean="0"/>
+              <a:t>13.12.2017</a:t>
+            </a:fld>
+            <a:endParaRPr lang="fi-FI"/>
+          </a:p>
+        </p:txBody>
+      </p:sp>
+      <p:sp>
+        <p:nvSpPr>
+          <p:cNvPr id="4" name="Slide Image Placeholder 3"/>
+          <p:cNvSpPr>
+            <a:spLocks noGrp="1" noRot="1" noChangeAspect="1"/>
+          </p:cNvSpPr>
+          <p:nvPr>
+            <p:ph type="sldImg" idx="2"/>
+          </p:nvPr>
+        </p:nvSpPr>
+        <p:spPr>
+          <a:xfrm>
+            <a:off x="685800" y="1143000"/>
+            <a:ext cx="5486400" cy="3086100"/>
+          </a:xfrm>
+          <a:prstGeom prst="rect">
+            <a:avLst/>
+          </a:prstGeom>
+          <a:noFill/>
+          <a:ln w="12700">
+            <a:solidFill>
+              <a:prstClr val="black"/>
+            </a:solidFill>
+          </a:ln>
+        </p:spPr>
+        <p:txBody>
+          <a:bodyPr vert="horz" lIns="91440" tIns="45720" rIns="91440" bIns="45720" rtlCol="0" anchor="ctr"/>
+          <a:lstStyle/>
+          <a:p>
+            <a:endParaRPr lang="fi-FI"/>
+          </a:p>
+        </p:txBody>
+      </p:sp>
+      <p:sp>
+        <p:nvSpPr>
+          <p:cNvPr id="5" name="Notes Placeholder 4"/>
+          <p:cNvSpPr>
+            <a:spLocks noGrp="1"/>
+          </p:cNvSpPr>
+          <p:nvPr>
+            <p:ph type="body" sz="quarter" idx="3"/>
+          </p:nvPr>
+        </p:nvSpPr>
+        <p:spPr>
+          <a:xfrm>
+            <a:off x="685800" y="4400550"/>
+            <a:ext cx="5486400" cy="3600450"/>
+          </a:xfrm>
+          <a:prstGeom prst="rect">
+            <a:avLst/>
+          </a:prstGeom>
+        </p:spPr>
+        <p:txBody>
+          <a:bodyPr vert="horz" lIns="91440" tIns="45720" rIns="91440" bIns="45720" rtlCol="0"/>
+          <a:lstStyle/>
+          <a:p>
+            <a:pPr lvl="0"/>
+            <a:r>
+              <a:rPr lang="en-US"/>
+              <a:t>Edit Master text styles</a:t>
+            </a:r>
+          </a:p>
+          <a:p>
+            <a:pPr lvl="1"/>
+            <a:r>
+              <a:rPr lang="en-US"/>
+              <a:t>Second level</a:t>
+            </a:r>
+          </a:p>
+          <a:p>
+            <a:pPr lvl="2"/>
+            <a:r>
+              <a:rPr lang="en-US"/>
+              <a:t>Third level</a:t>
+            </a:r>
+          </a:p>
+          <a:p>
+            <a:pPr lvl="3"/>
+            <a:r>
+              <a:rPr lang="en-US"/>
+              <a:t>Fourth level</a:t>
+            </a:r>
+          </a:p>
+          <a:p>
+            <a:pPr lvl="4"/>
+            <a:r>
+              <a:rPr lang="en-US"/>
+              <a:t>Fifth level</a:t>
+            </a:r>
+            <a:endParaRPr lang="fi-FI"/>
+          </a:p>
+        </p:txBody>
+      </p:sp>
+      <p:sp>
+        <p:nvSpPr>
+          <p:cNvPr id="6" name="Footer Placeholder 5"/>
+          <p:cNvSpPr>
+            <a:spLocks noGrp="1"/>
+          </p:cNvSpPr>
+          <p:nvPr>
+            <p:ph type="ftr" sz="quarter" idx="4"/>
+          </p:nvPr>
+        </p:nvSpPr>
+        <p:spPr>
+          <a:xfrm>
+            <a:off x="0" y="8685213"/>
+            <a:ext cx="2971800" cy="458787"/>
+          </a:xfrm>
+          <a:prstGeom prst="rect">
+            <a:avLst/>
+          </a:prstGeom>
+        </p:spPr>
+        <p:txBody>
+          <a:bodyPr vert="horz" lIns="91440" tIns="45720" rIns="91440" bIns="45720" rtlCol="0" anchor="b"/>
+          <a:lstStyle>
+            <a:lvl1pPr algn="l">
+              <a:defRPr sz="1200"/>
+            </a:lvl1pPr>
+          </a:lstStyle>
+          <a:p>
+            <a:endParaRPr lang="fi-FI"/>
+          </a:p>
+        </p:txBody>
+      </p:sp>
+      <p:sp>
+        <p:nvSpPr>
+          <p:cNvPr id="7" name="Slide Number Placeholder 6"/>
+          <p:cNvSpPr>
+            <a:spLocks noGrp="1"/>
+          </p:cNvSpPr>
+          <p:nvPr>
+            <p:ph type="sldNum" sz="quarter" idx="5"/>
+          </p:nvPr>
+        </p:nvSpPr>
+        <p:spPr>
+          <a:xfrm>
+            <a:off x="3884613" y="8685213"/>
+            <a:ext cx="2971800" cy="458787"/>
+          </a:xfrm>
+          <a:prstGeom prst="rect">
+            <a:avLst/>
+          </a:prstGeom>
+        </p:spPr>
+        <p:txBody>
+          <a:bodyPr vert="horz" lIns="91440" tIns="45720" rIns="91440" bIns="45720" rtlCol="0" anchor="b"/>
+          <a:lstStyle>
+            <a:lvl1pPr algn="r">
+              <a:defRPr sz="1200"/>
+            </a:lvl1pPr>
+          </a:lstStyle>
+          <a:p>
+            <a:fld id="{02CFBDFD-C654-41C6-9C00-93D1C5C0EE4A}" type="slidenum">
+              <a:rPr lang="fi-FI" smtClean="0"/>
+              <a:t>‹#›</a:t>
+            </a:fld>
+            <a:endParaRPr lang="fi-FI"/>
+          </a:p>
+        </p:txBody>
+      </p:sp>
+    </p:spTree>
+    <p:extLst>
+      <p:ext uri="{BB962C8B-B14F-4D97-AF65-F5344CB8AC3E}">
+        <p14:creationId xmlns:p14="http://schemas.microsoft.com/office/powerpoint/2010/main" val="1312733373"/>
+      </p:ext>
+    </p:extLst>
+  </p:cSld>
+  <p:clrMap bg1="lt1" tx1="dk1" bg2="lt2" tx2="dk2" accent1="accent1" accent2="accent2" accent3="accent3" accent4="accent4" accent5="accent5" accent6="accent6" hlink="hlink" folHlink="folHlink"/>
+  <p:notesStyle>
+    <a:lvl1pPr marL="0" algn="l" defTabSz="914400" rtl="0" eaLnBrk="1" latinLnBrk="0" hangingPunct="1">
+      <a:defRPr sz="1200" kern="1200">
+        <a:solidFill>
+          <a:schemeClr val="tx1"/>
+        </a:solidFill>
+        <a:latin typeface="+mn-lt"/>
+        <a:ea typeface="+mn-ea"/>
+        <a:cs typeface="+mn-cs"/>
+      </a:defRPr>
+    </a:lvl1pPr>
+    <a:lvl2pPr marL="457200" algn="l" defTabSz="914400" rtl="0" eaLnBrk="1" latinLnBrk="0" hangingPunct="1">
+      <a:defRPr sz="1200" kern="1200">
+        <a:solidFill>
+          <a:schemeClr val="tx1"/>
+        </a:solidFill>
+        <a:latin typeface="+mn-lt"/>
+        <a:ea typeface="+mn-ea"/>
+        <a:cs typeface="+mn-cs"/>
+      </a:defRPr>
+    </a:lvl2pPr>
+    <a:lvl3pPr marL="914400" algn="l" defTabSz="914400" rtl="0" eaLnBrk="1" latinLnBrk="0" hangingPunct="1">
+      <a:defRPr sz="1200" kern="1200">
+        <a:solidFill>
+          <a:schemeClr val="tx1"/>
+        </a:solidFill>
+        <a:latin typeface="+mn-lt"/>
+        <a:ea typeface="+mn-ea"/>
+        <a:cs typeface="+mn-cs"/>
+      </a:defRPr>
+    </a:lvl3pPr>
+    <a:lvl4pPr marL="1371600" algn="l" defTabSz="914400" rtl="0" eaLnBrk="1" latinLnBrk="0" hangingPunct="1">
+      <a:defRPr sz="1200" kern="1200">
+        <a:solidFill>
+          <a:schemeClr val="tx1"/>
+        </a:solidFill>
+        <a:latin typeface="+mn-lt"/>
+        <a:ea typeface="+mn-ea"/>
+        <a:cs typeface="+mn-cs"/>
+      </a:defRPr>
+    </a:lvl4pPr>
+    <a:lvl5pPr marL="1828800" algn="l" defTabSz="914400" rtl="0" eaLnBrk="1" latinLnBrk="0" hangingPunct="1">
+      <a:defRPr sz="1200" kern="1200">
+        <a:solidFill>
+          <a:schemeClr val="tx1"/>
+        </a:solidFill>
+        <a:latin typeface="+mn-lt"/>
+        <a:ea typeface="+mn-ea"/>
+        <a:cs typeface="+mn-cs"/>
+      </a:defRPr>
+    </a:lvl5pPr>
+    <a:lvl6pPr marL="2286000" algn="l" defTabSz="914400" rtl="0" eaLnBrk="1" latinLnBrk="0" hangingPunct="1">
+      <a:defRPr sz="1200" kern="1200">
+        <a:solidFill>
+          <a:schemeClr val="tx1"/>
+        </a:solidFill>
+        <a:latin typeface="+mn-lt"/>
+        <a:ea typeface="+mn-ea"/>
+        <a:cs typeface="+mn-cs"/>
+      </a:defRPr>
+    </a:lvl6pPr>
+    <a:lvl7pPr marL="2743200" algn="l" defTabSz="914400" rtl="0" eaLnBrk="1" latinLnBrk="0" hangingPunct="1">
+      <a:defRPr sz="1200" kern="1200">
+        <a:solidFill>
+          <a:schemeClr val="tx1"/>
+        </a:solidFill>
+        <a:latin typeface="+mn-lt"/>
+        <a:ea typeface="+mn-ea"/>
+        <a:cs typeface="+mn-cs"/>
+      </a:defRPr>
+    </a:lvl7pPr>
+    <a:lvl8pPr marL="3200400" algn="l" defTabSz="914400" rtl="0" eaLnBrk="1" latinLnBrk="0" hangingPunct="1">
+      <a:defRPr sz="1200" kern="1200">
+        <a:solidFill>
+          <a:schemeClr val="tx1"/>
+        </a:solidFill>
+        <a:latin typeface="+mn-lt"/>
+        <a:ea typeface="+mn-ea"/>
+        <a:cs typeface="+mn-cs"/>
+      </a:defRPr>
+    </a:lvl8pPr>
+    <a:lvl9pPr marL="3657600" algn="l" defTabSz="914400" rtl="0" eaLnBrk="1" latinLnBrk="0" hangingPunct="1">
+      <a:defRPr sz="1200" kern="1200">
+        <a:solidFill>
+          <a:schemeClr val="tx1"/>
+        </a:solidFill>
+        <a:latin typeface="+mn-lt"/>
+        <a:ea typeface="+mn-ea"/>
+        <a:cs typeface="+mn-cs"/>
+      </a:defRPr>
+    </a:lvl9pPr>
+  </p:notesStyle>
+</p:notesMaster>
+</file>
+
+<file path=ppt/notesSlides/notesSlide1.xml><?xml version="1.0" encoding="utf-8"?>
+<p:notes xmlns:a="http://schemas.openxmlformats.org/drawingml/2006/main" xmlns:r="http://schemas.openxmlformats.org/officeDocument/2006/relationships" xmlns:p="http://schemas.openxmlformats.org/presentationml/2006/main">
+  <p:cSld>
+    <p:spTree>
+      <p:nvGrpSpPr>
+        <p:cNvPr id="1" name=""/>
+        <p:cNvGrpSpPr/>
+        <p:nvPr/>
+      </p:nvGrpSpPr>
+      <p:grpSpPr>
+        <a:xfrm>
+          <a:off x="0" y="0"/>
+          <a:ext cx="0" cy="0"/>
+          <a:chOff x="0" y="0"/>
+          <a:chExt cx="0" cy="0"/>
+        </a:xfrm>
+      </p:grpSpPr>
+      <p:sp>
+        <p:nvSpPr>
+          <p:cNvPr id="2" name="Slide Image Placeholder 1"/>
+          <p:cNvSpPr>
+            <a:spLocks noGrp="1" noRot="1" noChangeAspect="1"/>
+          </p:cNvSpPr>
+          <p:nvPr>
+            <p:ph type="sldImg"/>
+          </p:nvPr>
+        </p:nvSpPr>
+        <p:spPr/>
+      </p:sp>
+      <p:sp>
+        <p:nvSpPr>
+          <p:cNvPr id="3" name="Notes Placeholder 2"/>
+          <p:cNvSpPr>
+            <a:spLocks noGrp="1"/>
+          </p:cNvSpPr>
+          <p:nvPr>
+            <p:ph type="body" idx="1"/>
+          </p:nvPr>
+        </p:nvSpPr>
+        <p:spPr/>
+        <p:txBody>
+          <a:bodyPr/>
+          <a:lstStyle/>
+          <a:p>
+            <a:endParaRPr lang="fi-FI" dirty="0"/>
+          </a:p>
+        </p:txBody>
+      </p:sp>
+      <p:sp>
+        <p:nvSpPr>
+          <p:cNvPr id="4" name="Slide Number Placeholder 3"/>
+          <p:cNvSpPr>
+            <a:spLocks noGrp="1"/>
+          </p:cNvSpPr>
+          <p:nvPr>
+            <p:ph type="sldNum" sz="quarter" idx="10"/>
+          </p:nvPr>
+        </p:nvSpPr>
+        <p:spPr/>
+        <p:txBody>
+          <a:bodyPr/>
+          <a:lstStyle/>
+          <a:p>
+            <a:fld id="{02CFBDFD-C654-41C6-9C00-93D1C5C0EE4A}" type="slidenum">
+              <a:rPr lang="fi-FI" smtClean="0"/>
+              <a:t>1</a:t>
+            </a:fld>
+            <a:endParaRPr lang="fi-FI"/>
+          </a:p>
+        </p:txBody>
+      </p:sp>
+    </p:spTree>
+    <p:extLst>
+      <p:ext uri="{BB962C8B-B14F-4D97-AF65-F5344CB8AC3E}">
+        <p14:creationId xmlns:p14="http://schemas.microsoft.com/office/powerpoint/2010/main" val="190596421"/>
+      </p:ext>
+    </p:extLst>
+  </p:cSld>
+  <p:clrMapOvr>
+    <a:masterClrMapping/>
+  </p:clrMapOvr>
+</p:notes>
+</file>
+
+<file path=ppt/notesSlides/notesSlide2.xml><?xml version="1.0" encoding="utf-8"?>
+<p:notes xmlns:a="http://schemas.openxmlformats.org/drawingml/2006/main" xmlns:r="http://schemas.openxmlformats.org/officeDocument/2006/relationships" xmlns:p="http://schemas.openxmlformats.org/presentationml/2006/main">
+  <p:cSld>
+    <p:spTree>
+      <p:nvGrpSpPr>
+        <p:cNvPr id="1" name=""/>
+        <p:cNvGrpSpPr/>
+        <p:nvPr/>
+      </p:nvGrpSpPr>
+      <p:grpSpPr>
+        <a:xfrm>
+          <a:off x="0" y="0"/>
+          <a:ext cx="0" cy="0"/>
+          <a:chOff x="0" y="0"/>
+          <a:chExt cx="0" cy="0"/>
+        </a:xfrm>
+      </p:grpSpPr>
+      <p:sp>
+        <p:nvSpPr>
+          <p:cNvPr id="2" name="Slide Image Placeholder 1"/>
+          <p:cNvSpPr>
+            <a:spLocks noGrp="1" noRot="1" noChangeAspect="1"/>
+          </p:cNvSpPr>
+          <p:nvPr>
+            <p:ph type="sldImg"/>
+          </p:nvPr>
+        </p:nvSpPr>
+        <p:spPr/>
+      </p:sp>
+      <p:sp>
+        <p:nvSpPr>
+          <p:cNvPr id="3" name="Notes Placeholder 2"/>
+          <p:cNvSpPr>
+            <a:spLocks noGrp="1"/>
+          </p:cNvSpPr>
+          <p:nvPr>
+            <p:ph type="body" idx="1"/>
+          </p:nvPr>
+        </p:nvSpPr>
+        <p:spPr/>
+        <p:txBody>
+          <a:bodyPr/>
+          <a:lstStyle/>
+          <a:p>
+            <a:r>
+              <a:rPr lang="fi-FI" dirty="0"/>
+              <a:t>Puhelineroavaisuuksista mm vertexshaderin toiminta ja truetype</a:t>
+            </a:r>
+            <a:r>
+              <a:rPr lang="fi-FI"/>
+              <a:t>, toimii toisella laitteella muttei toisella</a:t>
+            </a:r>
+          </a:p>
+          <a:p>
+            <a:endParaRPr lang="fi-FI" dirty="0"/>
+          </a:p>
+        </p:txBody>
+      </p:sp>
+      <p:sp>
+        <p:nvSpPr>
+          <p:cNvPr id="4" name="Slide Number Placeholder 3"/>
+          <p:cNvSpPr>
+            <a:spLocks noGrp="1"/>
+          </p:cNvSpPr>
+          <p:nvPr>
+            <p:ph type="sldNum" sz="quarter" idx="10"/>
+          </p:nvPr>
+        </p:nvSpPr>
+        <p:spPr/>
+        <p:txBody>
+          <a:bodyPr/>
+          <a:lstStyle/>
+          <a:p>
+            <a:fld id="{02CFBDFD-C654-41C6-9C00-93D1C5C0EE4A}" type="slidenum">
+              <a:rPr lang="fi-FI" smtClean="0"/>
+              <a:t>9</a:t>
+            </a:fld>
+            <a:endParaRPr lang="fi-FI"/>
+          </a:p>
+        </p:txBody>
+      </p:sp>
+    </p:spTree>
+    <p:extLst>
+      <p:ext uri="{BB962C8B-B14F-4D97-AF65-F5344CB8AC3E}">
+        <p14:creationId xmlns:p14="http://schemas.microsoft.com/office/powerpoint/2010/main" val="1284450124"/>
+      </p:ext>
+    </p:extLst>
+  </p:cSld>
+  <p:clrMapOvr>
+    <a:masterClrMapping/>
+  </p:clrMapOvr>
+</p:notes>
 </file>
 
 <file path=ppt/slideLayouts/slideLayout1.xml><?xml version="1.0" encoding="utf-8"?>
@@ -133,6 +674,36 @@
           <a:chExt cx="0" cy="0"/>
         </a:xfrm>
       </p:grpSpPr>
+      <p:pic>
+        <p:nvPicPr>
+          <p:cNvPr id="8" name="Picture 7" descr="C1-HD-BTM.png"/>
+          <p:cNvPicPr>
+            <a:picLocks noChangeAspect="1"/>
+          </p:cNvPicPr>
+          <p:nvPr/>
+        </p:nvPicPr>
+        <p:blipFill>
+          <a:blip r:embed="rId2">
+            <a:extLst>
+              <a:ext uri="{28A0092B-C50C-407E-A947-70E740481C1C}">
+                <a14:useLocalDpi xmlns:a14="http://schemas.microsoft.com/office/drawing/2010/main" val="0"/>
+              </a:ext>
+            </a:extLst>
+          </a:blip>
+          <a:stretch>
+            <a:fillRect/>
+          </a:stretch>
+        </p:blipFill>
+        <p:spPr>
+          <a:xfrm>
+            <a:off x="0" y="4375150"/>
+            <a:ext cx="12192000" cy="2482850"/>
+          </a:xfrm>
+          <a:prstGeom prst="rect">
+            <a:avLst/>
+          </a:prstGeom>
+        </p:spPr>
+      </p:pic>
       <p:sp>
         <p:nvSpPr>
           <p:cNvPr id="2" name="Title 1"/>
@@ -145,23 +716,25 @@
         </p:nvSpPr>
         <p:spPr>
           <a:xfrm>
-            <a:off x="1524000" y="1122363"/>
-            <a:ext cx="9144000" cy="2387600"/>
-          </a:xfrm>
-        </p:spPr>
-        <p:txBody>
-          <a:bodyPr anchor="b"/>
+            <a:off x="1371600" y="1803405"/>
+            <a:ext cx="9448800" cy="1825096"/>
+          </a:xfrm>
+        </p:spPr>
+        <p:txBody>
+          <a:bodyPr anchor="b">
+            <a:normAutofit/>
+          </a:bodyPr>
           <a:lstStyle>
-            <a:lvl1pPr algn="ctr">
+            <a:lvl1pPr algn="l">
               <a:defRPr sz="6000"/>
             </a:lvl1pPr>
           </a:lstStyle>
           <a:p>
             <a:r>
-              <a:rPr lang="en-US" smtClean="0"/>
+              <a:rPr lang="en-US"/>
               <a:t>Click to edit Master title style</a:t>
             </a:r>
-            <a:endParaRPr lang="en-US"/>
+            <a:endParaRPr lang="en-US" dirty="0"/>
           </a:p>
         </p:txBody>
       </p:sp>
@@ -177,16 +750,18 @@
         </p:nvSpPr>
         <p:spPr>
           <a:xfrm>
-            <a:off x="1524000" y="3602038"/>
-            <a:ext cx="9144000" cy="1655762"/>
-          </a:xfrm>
-        </p:spPr>
-        <p:txBody>
-          <a:bodyPr/>
+            <a:off x="1371600" y="3632201"/>
+            <a:ext cx="9448800" cy="685800"/>
+          </a:xfrm>
+        </p:spPr>
+        <p:txBody>
+          <a:bodyPr>
+            <a:normAutofit/>
+          </a:bodyPr>
           <a:lstStyle>
-            <a:lvl1pPr marL="0" indent="0" algn="ctr">
-              <a:buNone/>
-              <a:defRPr sz="2400"/>
+            <a:lvl1pPr marL="0" indent="0" algn="l">
+              <a:buNone/>
+              <a:defRPr sz="2000"/>
             </a:lvl1pPr>
             <a:lvl2pPr marL="457200" indent="0" algn="ctr">
               <a:buNone/>
@@ -223,10 +798,10 @@
           </a:lstStyle>
           <a:p>
             <a:r>
-              <a:rPr lang="en-US" smtClean="0"/>
+              <a:rPr lang="en-US"/>
               <a:t>Click to edit Master subtitle style</a:t>
             </a:r>
-            <a:endParaRPr lang="en-US"/>
+            <a:endParaRPr lang="en-US" dirty="0"/>
           </a:p>
         </p:txBody>
       </p:sp>
@@ -240,7 +815,12 @@
             <p:ph type="dt" sz="half" idx="10"/>
           </p:nvPr>
         </p:nvSpPr>
-        <p:spPr/>
+        <p:spPr>
+          <a:xfrm>
+            <a:off x="7909561" y="4314328"/>
+            <a:ext cx="2910840" cy="374642"/>
+          </a:xfrm>
+        </p:spPr>
         <p:txBody>
           <a:bodyPr/>
           <a:lstStyle/>
@@ -263,7 +843,12 @@
             <p:ph type="ftr" sz="quarter" idx="11"/>
           </p:nvPr>
         </p:nvSpPr>
-        <p:spPr/>
+        <p:spPr>
+          <a:xfrm>
+            <a:off x="1371600" y="4323845"/>
+            <a:ext cx="6400800" cy="365125"/>
+          </a:xfrm>
+        </p:spPr>
         <p:txBody>
           <a:bodyPr/>
           <a:lstStyle/>
@@ -282,7 +867,12 @@
             <p:ph type="sldNum" sz="quarter" idx="12"/>
           </p:nvPr>
         </p:nvSpPr>
-        <p:spPr/>
+        <p:spPr>
+          <a:xfrm>
+            <a:off x="8077200" y="1430866"/>
+            <a:ext cx="2743200" cy="365125"/>
+          </a:xfrm>
+        </p:spPr>
         <p:txBody>
           <a:bodyPr/>
           <a:lstStyle/>
@@ -298,7 +888,7 @@
     </p:spTree>
     <p:extLst>
       <p:ext uri="{BB962C8B-B14F-4D97-AF65-F5344CB8AC3E}">
-        <p14:creationId xmlns:p14="http://schemas.microsoft.com/office/powerpoint/2010/main" val="2335999678"/>
+        <p14:creationId xmlns:p14="http://schemas.microsoft.com/office/powerpoint/2010/main" val="1498831495"/>
       </p:ext>
     </p:extLst>
   </p:cSld>
@@ -309,6 +899,2598 @@
 </file>
 
 <file path=ppt/slideLayouts/slideLayout10.xml><?xml version="1.0" encoding="utf-8"?>
+<p:sldLayout xmlns:a="http://schemas.openxmlformats.org/drawingml/2006/main" xmlns:r="http://schemas.openxmlformats.org/officeDocument/2006/relationships" xmlns:p="http://schemas.openxmlformats.org/presentationml/2006/main" preserve="1">
+  <p:cSld name="Panoramic Picture with Caption">
+    <p:spTree>
+      <p:nvGrpSpPr>
+        <p:cNvPr id="1" name=""/>
+        <p:cNvGrpSpPr/>
+        <p:nvPr/>
+      </p:nvGrpSpPr>
+      <p:grpSpPr>
+        <a:xfrm>
+          <a:off x="0" y="0"/>
+          <a:ext cx="0" cy="0"/>
+          <a:chOff x="0" y="0"/>
+          <a:chExt cx="0" cy="0"/>
+        </a:xfrm>
+      </p:grpSpPr>
+      <p:sp>
+        <p:nvSpPr>
+          <p:cNvPr id="2" name="Title 1"/>
+          <p:cNvSpPr>
+            <a:spLocks noGrp="1"/>
+          </p:cNvSpPr>
+          <p:nvPr>
+            <p:ph type="title"/>
+          </p:nvPr>
+        </p:nvSpPr>
+        <p:spPr>
+          <a:xfrm>
+            <a:off x="685777" y="4697360"/>
+            <a:ext cx="10822034" cy="819355"/>
+          </a:xfrm>
+        </p:spPr>
+        <p:txBody>
+          <a:bodyPr anchor="b"/>
+          <a:lstStyle>
+            <a:lvl1pPr algn="l">
+              <a:defRPr sz="3200"/>
+            </a:lvl1pPr>
+          </a:lstStyle>
+          <a:p>
+            <a:r>
+              <a:rPr lang="en-US"/>
+              <a:t>Click to edit Master title style</a:t>
+            </a:r>
+            <a:endParaRPr lang="en-US" dirty="0"/>
+          </a:p>
+        </p:txBody>
+      </p:sp>
+      <p:sp>
+        <p:nvSpPr>
+          <p:cNvPr id="3" name="Picture Placeholder 2"/>
+          <p:cNvSpPr>
+            <a:spLocks noGrp="1" noChangeAspect="1"/>
+          </p:cNvSpPr>
+          <p:nvPr>
+            <p:ph type="pic" idx="1"/>
+          </p:nvPr>
+        </p:nvSpPr>
+        <p:spPr>
+          <a:xfrm>
+            <a:off x="681727" y="941439"/>
+            <a:ext cx="10821840" cy="3478161"/>
+          </a:xfrm>
+        </p:spPr>
+        <p:txBody>
+          <a:bodyPr anchor="t"/>
+          <a:lstStyle>
+            <a:lvl1pPr marL="0" indent="0">
+              <a:buNone/>
+              <a:defRPr sz="3200"/>
+            </a:lvl1pPr>
+            <a:lvl2pPr marL="457200" indent="0">
+              <a:buNone/>
+              <a:defRPr sz="2800"/>
+            </a:lvl2pPr>
+            <a:lvl3pPr marL="914400" indent="0">
+              <a:buNone/>
+              <a:defRPr sz="2400"/>
+            </a:lvl3pPr>
+            <a:lvl4pPr marL="1371600" indent="0">
+              <a:buNone/>
+              <a:defRPr sz="2000"/>
+            </a:lvl4pPr>
+            <a:lvl5pPr marL="1828800" indent="0">
+              <a:buNone/>
+              <a:defRPr sz="2000"/>
+            </a:lvl5pPr>
+            <a:lvl6pPr marL="2286000" indent="0">
+              <a:buNone/>
+              <a:defRPr sz="2000"/>
+            </a:lvl6pPr>
+            <a:lvl7pPr marL="2743200" indent="0">
+              <a:buNone/>
+              <a:defRPr sz="2000"/>
+            </a:lvl7pPr>
+            <a:lvl8pPr marL="3200400" indent="0">
+              <a:buNone/>
+              <a:defRPr sz="2000"/>
+            </a:lvl8pPr>
+            <a:lvl9pPr marL="3657600" indent="0">
+              <a:buNone/>
+              <a:defRPr sz="2000"/>
+            </a:lvl9pPr>
+          </a:lstStyle>
+          <a:p>
+            <a:r>
+              <a:rPr lang="en-US"/>
+              <a:t>Click icon to add picture</a:t>
+            </a:r>
+            <a:endParaRPr lang="en-US" dirty="0"/>
+          </a:p>
+        </p:txBody>
+      </p:sp>
+      <p:sp>
+        <p:nvSpPr>
+          <p:cNvPr id="4" name="Text Placeholder 3"/>
+          <p:cNvSpPr>
+            <a:spLocks noGrp="1"/>
+          </p:cNvSpPr>
+          <p:nvPr>
+            <p:ph type="body" sz="half" idx="2"/>
+          </p:nvPr>
+        </p:nvSpPr>
+        <p:spPr>
+          <a:xfrm>
+            <a:off x="685800" y="5516715"/>
+            <a:ext cx="10820400" cy="701969"/>
+          </a:xfrm>
+        </p:spPr>
+        <p:txBody>
+          <a:bodyPr/>
+          <a:lstStyle>
+            <a:lvl1pPr marL="0" indent="0" algn="l">
+              <a:buNone/>
+              <a:defRPr sz="1600"/>
+            </a:lvl1pPr>
+            <a:lvl2pPr marL="457200" indent="0">
+              <a:buNone/>
+              <a:defRPr sz="1400"/>
+            </a:lvl2pPr>
+            <a:lvl3pPr marL="914400" indent="0">
+              <a:buNone/>
+              <a:defRPr sz="1200"/>
+            </a:lvl3pPr>
+            <a:lvl4pPr marL="1371600" indent="0">
+              <a:buNone/>
+              <a:defRPr sz="1000"/>
+            </a:lvl4pPr>
+            <a:lvl5pPr marL="1828800" indent="0">
+              <a:buNone/>
+              <a:defRPr sz="1000"/>
+            </a:lvl5pPr>
+            <a:lvl6pPr marL="2286000" indent="0">
+              <a:buNone/>
+              <a:defRPr sz="1000"/>
+            </a:lvl6pPr>
+            <a:lvl7pPr marL="2743200" indent="0">
+              <a:buNone/>
+              <a:defRPr sz="1000"/>
+            </a:lvl7pPr>
+            <a:lvl8pPr marL="3200400" indent="0">
+              <a:buNone/>
+              <a:defRPr sz="1000"/>
+            </a:lvl8pPr>
+            <a:lvl9pPr marL="3657600" indent="0">
+              <a:buNone/>
+              <a:defRPr sz="1000"/>
+            </a:lvl9pPr>
+          </a:lstStyle>
+          <a:p>
+            <a:pPr lvl="0"/>
+            <a:r>
+              <a:rPr lang="en-US"/>
+              <a:t>Edit Master text styles</a:t>
+            </a:r>
+          </a:p>
+        </p:txBody>
+      </p:sp>
+      <p:sp>
+        <p:nvSpPr>
+          <p:cNvPr id="5" name="Date Placeholder 4"/>
+          <p:cNvSpPr>
+            <a:spLocks noGrp="1"/>
+          </p:cNvSpPr>
+          <p:nvPr>
+            <p:ph type="dt" sz="half" idx="10"/>
+          </p:nvPr>
+        </p:nvSpPr>
+        <p:spPr/>
+        <p:txBody>
+          <a:bodyPr/>
+          <a:lstStyle/>
+          <a:p>
+            <a:fld id="{89526FFA-F7FC-4389-A6FC-2493F8B7F012}" type="datetimeFigureOut">
+              <a:rPr lang="en-US" smtClean="0"/>
+              <a:t>12/12/2017</a:t>
+            </a:fld>
+            <a:endParaRPr lang="en-US"/>
+          </a:p>
+        </p:txBody>
+      </p:sp>
+      <p:sp>
+        <p:nvSpPr>
+          <p:cNvPr id="6" name="Footer Placeholder 5"/>
+          <p:cNvSpPr>
+            <a:spLocks noGrp="1"/>
+          </p:cNvSpPr>
+          <p:nvPr>
+            <p:ph type="ftr" sz="quarter" idx="11"/>
+          </p:nvPr>
+        </p:nvSpPr>
+        <p:spPr/>
+        <p:txBody>
+          <a:bodyPr/>
+          <a:lstStyle/>
+          <a:p>
+            <a:endParaRPr lang="en-US"/>
+          </a:p>
+        </p:txBody>
+      </p:sp>
+      <p:sp>
+        <p:nvSpPr>
+          <p:cNvPr id="7" name="Slide Number Placeholder 6"/>
+          <p:cNvSpPr>
+            <a:spLocks noGrp="1"/>
+          </p:cNvSpPr>
+          <p:nvPr>
+            <p:ph type="sldNum" sz="quarter" idx="12"/>
+          </p:nvPr>
+        </p:nvSpPr>
+        <p:spPr/>
+        <p:txBody>
+          <a:bodyPr/>
+          <a:lstStyle/>
+          <a:p>
+            <a:fld id="{F995D58C-593C-4557-992A-DBAB8220202E}" type="slidenum">
+              <a:rPr lang="en-US" smtClean="0"/>
+              <a:t>‹#›</a:t>
+            </a:fld>
+            <a:endParaRPr lang="en-US"/>
+          </a:p>
+        </p:txBody>
+      </p:sp>
+    </p:spTree>
+    <p:extLst>
+      <p:ext uri="{BB962C8B-B14F-4D97-AF65-F5344CB8AC3E}">
+        <p14:creationId xmlns:p14="http://schemas.microsoft.com/office/powerpoint/2010/main" val="3110384422"/>
+      </p:ext>
+    </p:extLst>
+  </p:cSld>
+  <p:clrMapOvr>
+    <a:masterClrMapping/>
+  </p:clrMapOvr>
+</p:sldLayout>
+</file>
+
+<file path=ppt/slideLayouts/slideLayout11.xml><?xml version="1.0" encoding="utf-8"?>
+<p:sldLayout xmlns:a="http://schemas.openxmlformats.org/drawingml/2006/main" xmlns:r="http://schemas.openxmlformats.org/officeDocument/2006/relationships" xmlns:p="http://schemas.openxmlformats.org/presentationml/2006/main" showMasterSp="0" preserve="1">
+  <p:cSld name="Title and Caption">
+    <p:spTree>
+      <p:nvGrpSpPr>
+        <p:cNvPr id="1" name=""/>
+        <p:cNvGrpSpPr/>
+        <p:nvPr/>
+      </p:nvGrpSpPr>
+      <p:grpSpPr>
+        <a:xfrm>
+          <a:off x="0" y="0"/>
+          <a:ext cx="0" cy="0"/>
+          <a:chOff x="0" y="0"/>
+          <a:chExt cx="0" cy="0"/>
+        </a:xfrm>
+      </p:grpSpPr>
+      <p:pic>
+        <p:nvPicPr>
+          <p:cNvPr id="9" name="Picture 8" descr="C1-HD-BTM.png"/>
+          <p:cNvPicPr>
+            <a:picLocks noChangeAspect="1"/>
+          </p:cNvPicPr>
+          <p:nvPr/>
+        </p:nvPicPr>
+        <p:blipFill>
+          <a:blip r:embed="rId2">
+            <a:extLst>
+              <a:ext uri="{28A0092B-C50C-407E-A947-70E740481C1C}">
+                <a14:useLocalDpi xmlns:a14="http://schemas.microsoft.com/office/drawing/2010/main" val="0"/>
+              </a:ext>
+            </a:extLst>
+          </a:blip>
+          <a:stretch>
+            <a:fillRect/>
+          </a:stretch>
+        </p:blipFill>
+        <p:spPr>
+          <a:xfrm>
+            <a:off x="0" y="4375150"/>
+            <a:ext cx="12192000" cy="2482850"/>
+          </a:xfrm>
+          <a:prstGeom prst="rect">
+            <a:avLst/>
+          </a:prstGeom>
+        </p:spPr>
+      </p:pic>
+      <p:sp>
+        <p:nvSpPr>
+          <p:cNvPr id="2" name="Title 1"/>
+          <p:cNvSpPr>
+            <a:spLocks noGrp="1"/>
+          </p:cNvSpPr>
+          <p:nvPr>
+            <p:ph type="title"/>
+          </p:nvPr>
+        </p:nvSpPr>
+        <p:spPr>
+          <a:xfrm>
+            <a:off x="685800" y="753532"/>
+            <a:ext cx="10820400" cy="2802467"/>
+          </a:xfrm>
+        </p:spPr>
+        <p:txBody>
+          <a:bodyPr anchor="ctr"/>
+          <a:lstStyle>
+            <a:lvl1pPr algn="l">
+              <a:defRPr sz="3200"/>
+            </a:lvl1pPr>
+          </a:lstStyle>
+          <a:p>
+            <a:r>
+              <a:rPr lang="en-US"/>
+              <a:t>Click to edit Master title style</a:t>
+            </a:r>
+            <a:endParaRPr lang="en-US" dirty="0"/>
+          </a:p>
+        </p:txBody>
+      </p:sp>
+      <p:sp>
+        <p:nvSpPr>
+          <p:cNvPr id="4" name="Text Placeholder 3"/>
+          <p:cNvSpPr>
+            <a:spLocks noGrp="1"/>
+          </p:cNvSpPr>
+          <p:nvPr>
+            <p:ph type="body" sz="half" idx="2"/>
+          </p:nvPr>
+        </p:nvSpPr>
+        <p:spPr>
+          <a:xfrm>
+            <a:off x="1024467" y="3649133"/>
+            <a:ext cx="10130516" cy="999067"/>
+          </a:xfrm>
+        </p:spPr>
+        <p:txBody>
+          <a:bodyPr anchor="ctr"/>
+          <a:lstStyle>
+            <a:lvl1pPr marL="0" indent="0">
+              <a:buNone/>
+              <a:defRPr sz="1600"/>
+            </a:lvl1pPr>
+            <a:lvl2pPr marL="457200" indent="0">
+              <a:buNone/>
+              <a:defRPr sz="1400"/>
+            </a:lvl2pPr>
+            <a:lvl3pPr marL="914400" indent="0">
+              <a:buNone/>
+              <a:defRPr sz="1200"/>
+            </a:lvl3pPr>
+            <a:lvl4pPr marL="1371600" indent="0">
+              <a:buNone/>
+              <a:defRPr sz="1000"/>
+            </a:lvl4pPr>
+            <a:lvl5pPr marL="1828800" indent="0">
+              <a:buNone/>
+              <a:defRPr sz="1000"/>
+            </a:lvl5pPr>
+            <a:lvl6pPr marL="2286000" indent="0">
+              <a:buNone/>
+              <a:defRPr sz="1000"/>
+            </a:lvl6pPr>
+            <a:lvl7pPr marL="2743200" indent="0">
+              <a:buNone/>
+              <a:defRPr sz="1000"/>
+            </a:lvl7pPr>
+            <a:lvl8pPr marL="3200400" indent="0">
+              <a:buNone/>
+              <a:defRPr sz="1000"/>
+            </a:lvl8pPr>
+            <a:lvl9pPr marL="3657600" indent="0">
+              <a:buNone/>
+              <a:defRPr sz="1000"/>
+            </a:lvl9pPr>
+          </a:lstStyle>
+          <a:p>
+            <a:pPr lvl="0"/>
+            <a:r>
+              <a:rPr lang="en-US"/>
+              <a:t>Edit Master text styles</a:t>
+            </a:r>
+          </a:p>
+        </p:txBody>
+      </p:sp>
+      <p:sp>
+        <p:nvSpPr>
+          <p:cNvPr id="5" name="Date Placeholder 4"/>
+          <p:cNvSpPr>
+            <a:spLocks noGrp="1"/>
+          </p:cNvSpPr>
+          <p:nvPr>
+            <p:ph type="dt" sz="half" idx="10"/>
+          </p:nvPr>
+        </p:nvSpPr>
+        <p:spPr>
+          <a:xfrm>
+            <a:off x="7814452" y="381000"/>
+            <a:ext cx="2910840" cy="365125"/>
+          </a:xfrm>
+        </p:spPr>
+        <p:txBody>
+          <a:bodyPr/>
+          <a:lstStyle>
+            <a:lvl1pPr algn="r">
+              <a:defRPr/>
+            </a:lvl1pPr>
+          </a:lstStyle>
+          <a:p>
+            <a:fld id="{89526FFA-F7FC-4389-A6FC-2493F8B7F012}" type="datetimeFigureOut">
+              <a:rPr lang="en-US" smtClean="0"/>
+              <a:t>12/12/2017</a:t>
+            </a:fld>
+            <a:endParaRPr lang="en-US"/>
+          </a:p>
+        </p:txBody>
+      </p:sp>
+      <p:sp>
+        <p:nvSpPr>
+          <p:cNvPr id="6" name="Footer Placeholder 5"/>
+          <p:cNvSpPr>
+            <a:spLocks noGrp="1"/>
+          </p:cNvSpPr>
+          <p:nvPr>
+            <p:ph type="ftr" sz="quarter" idx="11"/>
+          </p:nvPr>
+        </p:nvSpPr>
+        <p:spPr>
+          <a:xfrm>
+            <a:off x="685800" y="379941"/>
+            <a:ext cx="6991492" cy="365125"/>
+          </a:xfrm>
+        </p:spPr>
+        <p:txBody>
+          <a:bodyPr/>
+          <a:lstStyle/>
+          <a:p>
+            <a:endParaRPr lang="en-US"/>
+          </a:p>
+        </p:txBody>
+      </p:sp>
+      <p:sp>
+        <p:nvSpPr>
+          <p:cNvPr id="7" name="Slide Number Placeholder 6"/>
+          <p:cNvSpPr>
+            <a:spLocks noGrp="1"/>
+          </p:cNvSpPr>
+          <p:nvPr>
+            <p:ph type="sldNum" sz="quarter" idx="12"/>
+          </p:nvPr>
+        </p:nvSpPr>
+        <p:spPr>
+          <a:xfrm>
+            <a:off x="10862452" y="381000"/>
+            <a:ext cx="643748" cy="365125"/>
+          </a:xfrm>
+        </p:spPr>
+        <p:txBody>
+          <a:bodyPr/>
+          <a:lstStyle/>
+          <a:p>
+            <a:fld id="{F995D58C-593C-4557-992A-DBAB8220202E}" type="slidenum">
+              <a:rPr lang="en-US" smtClean="0"/>
+              <a:t>‹#›</a:t>
+            </a:fld>
+            <a:endParaRPr lang="en-US"/>
+          </a:p>
+        </p:txBody>
+      </p:sp>
+    </p:spTree>
+    <p:extLst>
+      <p:ext uri="{BB962C8B-B14F-4D97-AF65-F5344CB8AC3E}">
+        <p14:creationId xmlns:p14="http://schemas.microsoft.com/office/powerpoint/2010/main" val="7225002"/>
+      </p:ext>
+    </p:extLst>
+  </p:cSld>
+  <p:clrMapOvr>
+    <a:masterClrMapping/>
+  </p:clrMapOvr>
+</p:sldLayout>
+</file>
+
+<file path=ppt/slideLayouts/slideLayout12.xml><?xml version="1.0" encoding="utf-8"?>
+<p:sldLayout xmlns:a="http://schemas.openxmlformats.org/drawingml/2006/main" xmlns:r="http://schemas.openxmlformats.org/officeDocument/2006/relationships" xmlns:p="http://schemas.openxmlformats.org/presentationml/2006/main" showMasterSp="0" preserve="1">
+  <p:cSld name="Quote with Caption">
+    <p:spTree>
+      <p:nvGrpSpPr>
+        <p:cNvPr id="1" name=""/>
+        <p:cNvGrpSpPr/>
+        <p:nvPr/>
+      </p:nvGrpSpPr>
+      <p:grpSpPr>
+        <a:xfrm>
+          <a:off x="0" y="0"/>
+          <a:ext cx="0" cy="0"/>
+          <a:chOff x="0" y="0"/>
+          <a:chExt cx="0" cy="0"/>
+        </a:xfrm>
+      </p:grpSpPr>
+      <p:pic>
+        <p:nvPicPr>
+          <p:cNvPr id="11" name="Picture 10" descr="C1-HD-BTM.png"/>
+          <p:cNvPicPr>
+            <a:picLocks noChangeAspect="1"/>
+          </p:cNvPicPr>
+          <p:nvPr/>
+        </p:nvPicPr>
+        <p:blipFill>
+          <a:blip r:embed="rId2">
+            <a:extLst>
+              <a:ext uri="{28A0092B-C50C-407E-A947-70E740481C1C}">
+                <a14:useLocalDpi xmlns:a14="http://schemas.microsoft.com/office/drawing/2010/main" val="0"/>
+              </a:ext>
+            </a:extLst>
+          </a:blip>
+          <a:stretch>
+            <a:fillRect/>
+          </a:stretch>
+        </p:blipFill>
+        <p:spPr>
+          <a:xfrm>
+            <a:off x="0" y="4375150"/>
+            <a:ext cx="12192000" cy="2482850"/>
+          </a:xfrm>
+          <a:prstGeom prst="rect">
+            <a:avLst/>
+          </a:prstGeom>
+        </p:spPr>
+      </p:pic>
+      <p:sp>
+        <p:nvSpPr>
+          <p:cNvPr id="2" name="Title 1"/>
+          <p:cNvSpPr>
+            <a:spLocks noGrp="1"/>
+          </p:cNvSpPr>
+          <p:nvPr>
+            <p:ph type="title"/>
+          </p:nvPr>
+        </p:nvSpPr>
+        <p:spPr>
+          <a:xfrm>
+            <a:off x="1024467" y="753533"/>
+            <a:ext cx="10151533" cy="2604495"/>
+          </a:xfrm>
+        </p:spPr>
+        <p:txBody>
+          <a:bodyPr anchor="ctr"/>
+          <a:lstStyle>
+            <a:lvl1pPr algn="l">
+              <a:defRPr sz="3200"/>
+            </a:lvl1pPr>
+          </a:lstStyle>
+          <a:p>
+            <a:r>
+              <a:rPr lang="en-US"/>
+              <a:t>Click to edit Master title style</a:t>
+            </a:r>
+            <a:endParaRPr lang="en-US" dirty="0"/>
+          </a:p>
+        </p:txBody>
+      </p:sp>
+      <p:sp>
+        <p:nvSpPr>
+          <p:cNvPr id="12" name="Text Placeholder 3"/>
+          <p:cNvSpPr>
+            <a:spLocks noGrp="1"/>
+          </p:cNvSpPr>
+          <p:nvPr>
+            <p:ph type="body" sz="half" idx="13"/>
+          </p:nvPr>
+        </p:nvSpPr>
+        <p:spPr>
+          <a:xfrm>
+            <a:off x="1303865" y="3365556"/>
+            <a:ext cx="9592736" cy="444443"/>
+          </a:xfrm>
+        </p:spPr>
+        <p:txBody>
+          <a:bodyPr anchor="t">
+            <a:normAutofit/>
+          </a:bodyPr>
+          <a:lstStyle>
+            <a:lvl1pPr marL="0" indent="0">
+              <a:buNone/>
+              <a:defRPr sz="1400"/>
+            </a:lvl1pPr>
+            <a:lvl2pPr marL="457200" indent="0">
+              <a:buNone/>
+              <a:defRPr sz="1400"/>
+            </a:lvl2pPr>
+            <a:lvl3pPr marL="914400" indent="0">
+              <a:buNone/>
+              <a:defRPr sz="1200"/>
+            </a:lvl3pPr>
+            <a:lvl4pPr marL="1371600" indent="0">
+              <a:buNone/>
+              <a:defRPr sz="1000"/>
+            </a:lvl4pPr>
+            <a:lvl5pPr marL="1828800" indent="0">
+              <a:buNone/>
+              <a:defRPr sz="1000"/>
+            </a:lvl5pPr>
+            <a:lvl6pPr marL="2286000" indent="0">
+              <a:buNone/>
+              <a:defRPr sz="1000"/>
+            </a:lvl6pPr>
+            <a:lvl7pPr marL="2743200" indent="0">
+              <a:buNone/>
+              <a:defRPr sz="1000"/>
+            </a:lvl7pPr>
+            <a:lvl8pPr marL="3200400" indent="0">
+              <a:buNone/>
+              <a:defRPr sz="1000"/>
+            </a:lvl8pPr>
+            <a:lvl9pPr marL="3657600" indent="0">
+              <a:buNone/>
+              <a:defRPr sz="1000"/>
+            </a:lvl9pPr>
+          </a:lstStyle>
+          <a:p>
+            <a:pPr lvl="0"/>
+            <a:r>
+              <a:rPr lang="en-US"/>
+              <a:t>Edit Master text styles</a:t>
+            </a:r>
+          </a:p>
+        </p:txBody>
+      </p:sp>
+      <p:sp>
+        <p:nvSpPr>
+          <p:cNvPr id="4" name="Text Placeholder 3"/>
+          <p:cNvSpPr>
+            <a:spLocks noGrp="1"/>
+          </p:cNvSpPr>
+          <p:nvPr>
+            <p:ph type="body" sz="half" idx="2"/>
+          </p:nvPr>
+        </p:nvSpPr>
+        <p:spPr>
+          <a:xfrm>
+            <a:off x="1024467" y="3959862"/>
+            <a:ext cx="10151533" cy="679871"/>
+          </a:xfrm>
+        </p:spPr>
+        <p:txBody>
+          <a:bodyPr anchor="ctr">
+            <a:normAutofit/>
+          </a:bodyPr>
+          <a:lstStyle>
+            <a:lvl1pPr marL="0" indent="0">
+              <a:buNone/>
+              <a:defRPr sz="1600"/>
+            </a:lvl1pPr>
+            <a:lvl2pPr marL="457200" indent="0">
+              <a:buNone/>
+              <a:defRPr sz="1400"/>
+            </a:lvl2pPr>
+            <a:lvl3pPr marL="914400" indent="0">
+              <a:buNone/>
+              <a:defRPr sz="1200"/>
+            </a:lvl3pPr>
+            <a:lvl4pPr marL="1371600" indent="0">
+              <a:buNone/>
+              <a:defRPr sz="1000"/>
+            </a:lvl4pPr>
+            <a:lvl5pPr marL="1828800" indent="0">
+              <a:buNone/>
+              <a:defRPr sz="1000"/>
+            </a:lvl5pPr>
+            <a:lvl6pPr marL="2286000" indent="0">
+              <a:buNone/>
+              <a:defRPr sz="1000"/>
+            </a:lvl6pPr>
+            <a:lvl7pPr marL="2743200" indent="0">
+              <a:buNone/>
+              <a:defRPr sz="1000"/>
+            </a:lvl7pPr>
+            <a:lvl8pPr marL="3200400" indent="0">
+              <a:buNone/>
+              <a:defRPr sz="1000"/>
+            </a:lvl8pPr>
+            <a:lvl9pPr marL="3657600" indent="0">
+              <a:buNone/>
+              <a:defRPr sz="1000"/>
+            </a:lvl9pPr>
+          </a:lstStyle>
+          <a:p>
+            <a:pPr lvl="0"/>
+            <a:r>
+              <a:rPr lang="en-US"/>
+              <a:t>Edit Master text styles</a:t>
+            </a:r>
+          </a:p>
+        </p:txBody>
+      </p:sp>
+      <p:sp>
+        <p:nvSpPr>
+          <p:cNvPr id="5" name="Date Placeholder 4"/>
+          <p:cNvSpPr>
+            <a:spLocks noGrp="1"/>
+          </p:cNvSpPr>
+          <p:nvPr>
+            <p:ph type="dt" sz="half" idx="10"/>
+          </p:nvPr>
+        </p:nvSpPr>
+        <p:spPr>
+          <a:xfrm>
+            <a:off x="7814452" y="381000"/>
+            <a:ext cx="2910840" cy="365125"/>
+          </a:xfrm>
+        </p:spPr>
+        <p:txBody>
+          <a:bodyPr/>
+          <a:lstStyle>
+            <a:lvl1pPr algn="r">
+              <a:defRPr/>
+            </a:lvl1pPr>
+          </a:lstStyle>
+          <a:p>
+            <a:fld id="{89526FFA-F7FC-4389-A6FC-2493F8B7F012}" type="datetimeFigureOut">
+              <a:rPr lang="en-US" smtClean="0"/>
+              <a:t>12/12/2017</a:t>
+            </a:fld>
+            <a:endParaRPr lang="en-US"/>
+          </a:p>
+        </p:txBody>
+      </p:sp>
+      <p:sp>
+        <p:nvSpPr>
+          <p:cNvPr id="6" name="Footer Placeholder 5"/>
+          <p:cNvSpPr>
+            <a:spLocks noGrp="1"/>
+          </p:cNvSpPr>
+          <p:nvPr>
+            <p:ph type="ftr" sz="quarter" idx="11"/>
+          </p:nvPr>
+        </p:nvSpPr>
+        <p:spPr>
+          <a:xfrm>
+            <a:off x="685800" y="379941"/>
+            <a:ext cx="6991492" cy="365125"/>
+          </a:xfrm>
+        </p:spPr>
+        <p:txBody>
+          <a:bodyPr/>
+          <a:lstStyle/>
+          <a:p>
+            <a:endParaRPr lang="en-US"/>
+          </a:p>
+        </p:txBody>
+      </p:sp>
+      <p:sp>
+        <p:nvSpPr>
+          <p:cNvPr id="7" name="Slide Number Placeholder 6"/>
+          <p:cNvSpPr>
+            <a:spLocks noGrp="1"/>
+          </p:cNvSpPr>
+          <p:nvPr>
+            <p:ph type="sldNum" sz="quarter" idx="12"/>
+          </p:nvPr>
+        </p:nvSpPr>
+        <p:spPr>
+          <a:xfrm>
+            <a:off x="10862452" y="381000"/>
+            <a:ext cx="643748" cy="365125"/>
+          </a:xfrm>
+        </p:spPr>
+        <p:txBody>
+          <a:bodyPr/>
+          <a:lstStyle/>
+          <a:p>
+            <a:fld id="{F995D58C-593C-4557-992A-DBAB8220202E}" type="slidenum">
+              <a:rPr lang="en-US" smtClean="0"/>
+              <a:t>‹#›</a:t>
+            </a:fld>
+            <a:endParaRPr lang="en-US"/>
+          </a:p>
+        </p:txBody>
+      </p:sp>
+      <p:sp>
+        <p:nvSpPr>
+          <p:cNvPr id="9" name="TextBox 8"/>
+          <p:cNvSpPr txBox="1"/>
+          <p:nvPr/>
+        </p:nvSpPr>
+        <p:spPr>
+          <a:xfrm>
+            <a:off x="476250" y="933450"/>
+            <a:ext cx="609600" cy="584776"/>
+          </a:xfrm>
+          <a:prstGeom prst="rect">
+            <a:avLst/>
+          </a:prstGeom>
+        </p:spPr>
+        <p:txBody>
+          <a:bodyPr vert="horz" lIns="91440" tIns="45720" rIns="91440" bIns="45720" rtlCol="0" anchor="ctr">
+            <a:noAutofit/>
+          </a:bodyPr>
+          <a:lstStyle>
+            <a:lvl1pPr>
+              <a:spcBef>
+                <a:spcPct val="0"/>
+              </a:spcBef>
+              <a:buNone/>
+              <a:defRPr sz="3200" b="0" cap="all">
+                <a:ln w="3175" cmpd="sng">
+                  <a:noFill/>
+                </a:ln>
+                <a:effectLst>
+                  <a:glow rad="38100">
+                    <a:schemeClr val="bg1">
+                      <a:lumMod val="65000"/>
+                      <a:lumOff val="35000"/>
+                      <a:alpha val="40000"/>
+                    </a:schemeClr>
+                  </a:glow>
+                  <a:outerShdw blurRad="28575" dist="38100" dir="14040000" algn="tl" rotWithShape="0">
+                    <a:srgbClr val="000000">
+                      <a:alpha val="25000"/>
+                    </a:srgbClr>
+                  </a:outerShdw>
+                </a:effectLst>
+              </a:defRPr>
+            </a:lvl1pPr>
+            <a:lvl2pPr>
+              <a:defRPr>
+                <a:solidFill>
+                  <a:schemeClr val="tx2"/>
+                </a:solidFill>
+              </a:defRPr>
+            </a:lvl2pPr>
+            <a:lvl3pPr>
+              <a:defRPr>
+                <a:solidFill>
+                  <a:schemeClr val="tx2"/>
+                </a:solidFill>
+              </a:defRPr>
+            </a:lvl3pPr>
+            <a:lvl4pPr>
+              <a:defRPr>
+                <a:solidFill>
+                  <a:schemeClr val="tx2"/>
+                </a:solidFill>
+              </a:defRPr>
+            </a:lvl4pPr>
+            <a:lvl5pPr>
+              <a:defRPr>
+                <a:solidFill>
+                  <a:schemeClr val="tx2"/>
+                </a:solidFill>
+              </a:defRPr>
+            </a:lvl5pPr>
+            <a:lvl6pPr>
+              <a:defRPr>
+                <a:solidFill>
+                  <a:schemeClr val="tx2"/>
+                </a:solidFill>
+              </a:defRPr>
+            </a:lvl6pPr>
+            <a:lvl7pPr>
+              <a:defRPr>
+                <a:solidFill>
+                  <a:schemeClr val="tx2"/>
+                </a:solidFill>
+              </a:defRPr>
+            </a:lvl7pPr>
+            <a:lvl8pPr>
+              <a:defRPr>
+                <a:solidFill>
+                  <a:schemeClr val="tx2"/>
+                </a:solidFill>
+              </a:defRPr>
+            </a:lvl8pPr>
+            <a:lvl9pPr>
+              <a:defRPr>
+                <a:solidFill>
+                  <a:schemeClr val="tx2"/>
+                </a:solidFill>
+              </a:defRPr>
+            </a:lvl9pPr>
+          </a:lstStyle>
+          <a:p>
+            <a:pPr lvl="0"/>
+            <a:r>
+              <a:rPr lang="en-US" sz="8000" dirty="0">
+                <a:solidFill>
+                  <a:schemeClr val="tx1"/>
+                </a:solidFill>
+                <a:effectLst/>
+              </a:rPr>
+              <a:t>“</a:t>
+            </a:r>
+          </a:p>
+        </p:txBody>
+      </p:sp>
+      <p:sp>
+        <p:nvSpPr>
+          <p:cNvPr id="10" name="TextBox 9"/>
+          <p:cNvSpPr txBox="1"/>
+          <p:nvPr/>
+        </p:nvSpPr>
+        <p:spPr>
+          <a:xfrm>
+            <a:off x="10984230" y="2701290"/>
+            <a:ext cx="609600" cy="584776"/>
+          </a:xfrm>
+          <a:prstGeom prst="rect">
+            <a:avLst/>
+          </a:prstGeom>
+        </p:spPr>
+        <p:txBody>
+          <a:bodyPr vert="horz" lIns="91440" tIns="45720" rIns="91440" bIns="45720" rtlCol="0" anchor="ctr">
+            <a:noAutofit/>
+          </a:bodyPr>
+          <a:lstStyle>
+            <a:lvl1pPr>
+              <a:spcBef>
+                <a:spcPct val="0"/>
+              </a:spcBef>
+              <a:buNone/>
+              <a:defRPr sz="3200" b="0" cap="all">
+                <a:ln w="3175" cmpd="sng">
+                  <a:noFill/>
+                </a:ln>
+                <a:effectLst>
+                  <a:glow rad="38100">
+                    <a:schemeClr val="bg1">
+                      <a:lumMod val="65000"/>
+                      <a:lumOff val="35000"/>
+                      <a:alpha val="40000"/>
+                    </a:schemeClr>
+                  </a:glow>
+                  <a:outerShdw blurRad="28575" dist="38100" dir="14040000" algn="tl" rotWithShape="0">
+                    <a:srgbClr val="000000">
+                      <a:alpha val="25000"/>
+                    </a:srgbClr>
+                  </a:outerShdw>
+                </a:effectLst>
+              </a:defRPr>
+            </a:lvl1pPr>
+            <a:lvl2pPr>
+              <a:defRPr>
+                <a:solidFill>
+                  <a:schemeClr val="tx2"/>
+                </a:solidFill>
+              </a:defRPr>
+            </a:lvl2pPr>
+            <a:lvl3pPr>
+              <a:defRPr>
+                <a:solidFill>
+                  <a:schemeClr val="tx2"/>
+                </a:solidFill>
+              </a:defRPr>
+            </a:lvl3pPr>
+            <a:lvl4pPr>
+              <a:defRPr>
+                <a:solidFill>
+                  <a:schemeClr val="tx2"/>
+                </a:solidFill>
+              </a:defRPr>
+            </a:lvl4pPr>
+            <a:lvl5pPr>
+              <a:defRPr>
+                <a:solidFill>
+                  <a:schemeClr val="tx2"/>
+                </a:solidFill>
+              </a:defRPr>
+            </a:lvl5pPr>
+            <a:lvl6pPr>
+              <a:defRPr>
+                <a:solidFill>
+                  <a:schemeClr val="tx2"/>
+                </a:solidFill>
+              </a:defRPr>
+            </a:lvl6pPr>
+            <a:lvl7pPr>
+              <a:defRPr>
+                <a:solidFill>
+                  <a:schemeClr val="tx2"/>
+                </a:solidFill>
+              </a:defRPr>
+            </a:lvl7pPr>
+            <a:lvl8pPr>
+              <a:defRPr>
+                <a:solidFill>
+                  <a:schemeClr val="tx2"/>
+                </a:solidFill>
+              </a:defRPr>
+            </a:lvl8pPr>
+            <a:lvl9pPr>
+              <a:defRPr>
+                <a:solidFill>
+                  <a:schemeClr val="tx2"/>
+                </a:solidFill>
+              </a:defRPr>
+            </a:lvl9pPr>
+          </a:lstStyle>
+          <a:p>
+            <a:pPr lvl="0" algn="r"/>
+            <a:r>
+              <a:rPr lang="en-US" sz="8000" dirty="0">
+                <a:solidFill>
+                  <a:schemeClr val="tx1"/>
+                </a:solidFill>
+                <a:effectLst/>
+              </a:rPr>
+              <a:t>”</a:t>
+            </a:r>
+          </a:p>
+        </p:txBody>
+      </p:sp>
+    </p:spTree>
+    <p:extLst>
+      <p:ext uri="{BB962C8B-B14F-4D97-AF65-F5344CB8AC3E}">
+        <p14:creationId xmlns:p14="http://schemas.microsoft.com/office/powerpoint/2010/main" val="892647241"/>
+      </p:ext>
+    </p:extLst>
+  </p:cSld>
+  <p:clrMapOvr>
+    <a:masterClrMapping/>
+  </p:clrMapOvr>
+</p:sldLayout>
+</file>
+
+<file path=ppt/slideLayouts/slideLayout13.xml><?xml version="1.0" encoding="utf-8"?>
+<p:sldLayout xmlns:a="http://schemas.openxmlformats.org/drawingml/2006/main" xmlns:r="http://schemas.openxmlformats.org/officeDocument/2006/relationships" xmlns:p="http://schemas.openxmlformats.org/presentationml/2006/main" showMasterSp="0" preserve="1">
+  <p:cSld name="Name Card">
+    <p:spTree>
+      <p:nvGrpSpPr>
+        <p:cNvPr id="1" name=""/>
+        <p:cNvGrpSpPr/>
+        <p:nvPr/>
+      </p:nvGrpSpPr>
+      <p:grpSpPr>
+        <a:xfrm>
+          <a:off x="0" y="0"/>
+          <a:ext cx="0" cy="0"/>
+          <a:chOff x="0" y="0"/>
+          <a:chExt cx="0" cy="0"/>
+        </a:xfrm>
+      </p:grpSpPr>
+      <p:pic>
+        <p:nvPicPr>
+          <p:cNvPr id="8" name="Picture 7" descr="C1-HD-BTM.png"/>
+          <p:cNvPicPr>
+            <a:picLocks noChangeAspect="1"/>
+          </p:cNvPicPr>
+          <p:nvPr/>
+        </p:nvPicPr>
+        <p:blipFill>
+          <a:blip r:embed="rId2">
+            <a:extLst>
+              <a:ext uri="{28A0092B-C50C-407E-A947-70E740481C1C}">
+                <a14:useLocalDpi xmlns:a14="http://schemas.microsoft.com/office/drawing/2010/main" val="0"/>
+              </a:ext>
+            </a:extLst>
+          </a:blip>
+          <a:stretch>
+            <a:fillRect/>
+          </a:stretch>
+        </p:blipFill>
+        <p:spPr>
+          <a:xfrm>
+            <a:off x="0" y="4375150"/>
+            <a:ext cx="12192000" cy="2482850"/>
+          </a:xfrm>
+          <a:prstGeom prst="rect">
+            <a:avLst/>
+          </a:prstGeom>
+        </p:spPr>
+      </p:pic>
+      <p:sp>
+        <p:nvSpPr>
+          <p:cNvPr id="2" name="Title 1"/>
+          <p:cNvSpPr>
+            <a:spLocks noGrp="1"/>
+          </p:cNvSpPr>
+          <p:nvPr>
+            <p:ph type="title"/>
+          </p:nvPr>
+        </p:nvSpPr>
+        <p:spPr>
+          <a:xfrm>
+            <a:off x="1024495" y="1124701"/>
+            <a:ext cx="10146186" cy="2511835"/>
+          </a:xfrm>
+        </p:spPr>
+        <p:txBody>
+          <a:bodyPr anchor="b"/>
+          <a:lstStyle>
+            <a:lvl1pPr algn="l">
+              <a:defRPr sz="3200"/>
+            </a:lvl1pPr>
+          </a:lstStyle>
+          <a:p>
+            <a:r>
+              <a:rPr lang="en-US"/>
+              <a:t>Click to edit Master title style</a:t>
+            </a:r>
+            <a:endParaRPr lang="en-US" dirty="0"/>
+          </a:p>
+        </p:txBody>
+      </p:sp>
+      <p:sp>
+        <p:nvSpPr>
+          <p:cNvPr id="4" name="Text Placeholder 3"/>
+          <p:cNvSpPr>
+            <a:spLocks noGrp="1"/>
+          </p:cNvSpPr>
+          <p:nvPr>
+            <p:ph type="body" sz="half" idx="2"/>
+          </p:nvPr>
+        </p:nvSpPr>
+        <p:spPr>
+          <a:xfrm>
+            <a:off x="1024467" y="3648315"/>
+            <a:ext cx="10144654" cy="999885"/>
+          </a:xfrm>
+        </p:spPr>
+        <p:txBody>
+          <a:bodyPr anchor="t"/>
+          <a:lstStyle>
+            <a:lvl1pPr marL="0" indent="0">
+              <a:buNone/>
+              <a:defRPr sz="1600"/>
+            </a:lvl1pPr>
+            <a:lvl2pPr marL="457200" indent="0">
+              <a:buNone/>
+              <a:defRPr sz="1400"/>
+            </a:lvl2pPr>
+            <a:lvl3pPr marL="914400" indent="0">
+              <a:buNone/>
+              <a:defRPr sz="1200"/>
+            </a:lvl3pPr>
+            <a:lvl4pPr marL="1371600" indent="0">
+              <a:buNone/>
+              <a:defRPr sz="1000"/>
+            </a:lvl4pPr>
+            <a:lvl5pPr marL="1828800" indent="0">
+              <a:buNone/>
+              <a:defRPr sz="1000"/>
+            </a:lvl5pPr>
+            <a:lvl6pPr marL="2286000" indent="0">
+              <a:buNone/>
+              <a:defRPr sz="1000"/>
+            </a:lvl6pPr>
+            <a:lvl7pPr marL="2743200" indent="0">
+              <a:buNone/>
+              <a:defRPr sz="1000"/>
+            </a:lvl7pPr>
+            <a:lvl8pPr marL="3200400" indent="0">
+              <a:buNone/>
+              <a:defRPr sz="1000"/>
+            </a:lvl8pPr>
+            <a:lvl9pPr marL="3657600" indent="0">
+              <a:buNone/>
+              <a:defRPr sz="1000"/>
+            </a:lvl9pPr>
+          </a:lstStyle>
+          <a:p>
+            <a:pPr lvl="0"/>
+            <a:r>
+              <a:rPr lang="en-US"/>
+              <a:t>Edit Master text styles</a:t>
+            </a:r>
+          </a:p>
+        </p:txBody>
+      </p:sp>
+      <p:sp>
+        <p:nvSpPr>
+          <p:cNvPr id="5" name="Date Placeholder 4"/>
+          <p:cNvSpPr>
+            <a:spLocks noGrp="1"/>
+          </p:cNvSpPr>
+          <p:nvPr>
+            <p:ph type="dt" sz="half" idx="10"/>
+          </p:nvPr>
+        </p:nvSpPr>
+        <p:spPr>
+          <a:xfrm>
+            <a:off x="7814452" y="378883"/>
+            <a:ext cx="2910840" cy="365125"/>
+          </a:xfrm>
+        </p:spPr>
+        <p:txBody>
+          <a:bodyPr/>
+          <a:lstStyle>
+            <a:lvl1pPr algn="r">
+              <a:defRPr/>
+            </a:lvl1pPr>
+          </a:lstStyle>
+          <a:p>
+            <a:fld id="{89526FFA-F7FC-4389-A6FC-2493F8B7F012}" type="datetimeFigureOut">
+              <a:rPr lang="en-US" smtClean="0"/>
+              <a:t>12/12/2017</a:t>
+            </a:fld>
+            <a:endParaRPr lang="en-US"/>
+          </a:p>
+        </p:txBody>
+      </p:sp>
+      <p:sp>
+        <p:nvSpPr>
+          <p:cNvPr id="6" name="Footer Placeholder 5"/>
+          <p:cNvSpPr>
+            <a:spLocks noGrp="1"/>
+          </p:cNvSpPr>
+          <p:nvPr>
+            <p:ph type="ftr" sz="quarter" idx="11"/>
+          </p:nvPr>
+        </p:nvSpPr>
+        <p:spPr>
+          <a:xfrm>
+            <a:off x="685800" y="378883"/>
+            <a:ext cx="6991492" cy="365125"/>
+          </a:xfrm>
+        </p:spPr>
+        <p:txBody>
+          <a:bodyPr/>
+          <a:lstStyle/>
+          <a:p>
+            <a:endParaRPr lang="en-US"/>
+          </a:p>
+        </p:txBody>
+      </p:sp>
+      <p:sp>
+        <p:nvSpPr>
+          <p:cNvPr id="7" name="Slide Number Placeholder 6"/>
+          <p:cNvSpPr>
+            <a:spLocks noGrp="1"/>
+          </p:cNvSpPr>
+          <p:nvPr>
+            <p:ph type="sldNum" sz="quarter" idx="12"/>
+          </p:nvPr>
+        </p:nvSpPr>
+        <p:spPr>
+          <a:xfrm>
+            <a:off x="10862452" y="381000"/>
+            <a:ext cx="643748" cy="365125"/>
+          </a:xfrm>
+        </p:spPr>
+        <p:txBody>
+          <a:bodyPr/>
+          <a:lstStyle/>
+          <a:p>
+            <a:fld id="{F995D58C-593C-4557-992A-DBAB8220202E}" type="slidenum">
+              <a:rPr lang="en-US" smtClean="0"/>
+              <a:t>‹#›</a:t>
+            </a:fld>
+            <a:endParaRPr lang="en-US"/>
+          </a:p>
+        </p:txBody>
+      </p:sp>
+    </p:spTree>
+    <p:extLst>
+      <p:ext uri="{BB962C8B-B14F-4D97-AF65-F5344CB8AC3E}">
+        <p14:creationId xmlns:p14="http://schemas.microsoft.com/office/powerpoint/2010/main" val="3884158423"/>
+      </p:ext>
+    </p:extLst>
+  </p:cSld>
+  <p:clrMapOvr>
+    <a:masterClrMapping/>
+  </p:clrMapOvr>
+</p:sldLayout>
+</file>
+
+<file path=ppt/slideLayouts/slideLayout14.xml><?xml version="1.0" encoding="utf-8"?>
+<p:sldLayout xmlns:a="http://schemas.openxmlformats.org/drawingml/2006/main" xmlns:r="http://schemas.openxmlformats.org/officeDocument/2006/relationships" xmlns:p="http://schemas.openxmlformats.org/presentationml/2006/main" preserve="1">
+  <p:cSld name="3 Column">
+    <p:spTree>
+      <p:nvGrpSpPr>
+        <p:cNvPr id="1" name=""/>
+        <p:cNvGrpSpPr/>
+        <p:nvPr/>
+      </p:nvGrpSpPr>
+      <p:grpSpPr>
+        <a:xfrm>
+          <a:off x="0" y="0"/>
+          <a:ext cx="0" cy="0"/>
+          <a:chOff x="0" y="0"/>
+          <a:chExt cx="0" cy="0"/>
+        </a:xfrm>
+      </p:grpSpPr>
+      <p:sp>
+        <p:nvSpPr>
+          <p:cNvPr id="15" name="Title 1"/>
+          <p:cNvSpPr>
+            <a:spLocks noGrp="1"/>
+          </p:cNvSpPr>
+          <p:nvPr>
+            <p:ph type="title"/>
+          </p:nvPr>
+        </p:nvSpPr>
+        <p:spPr>
+          <a:xfrm>
+            <a:off x="2895600" y="761999"/>
+            <a:ext cx="8610599" cy="1303867"/>
+          </a:xfrm>
+        </p:spPr>
+        <p:txBody>
+          <a:bodyPr/>
+          <a:lstStyle/>
+          <a:p>
+            <a:r>
+              <a:rPr lang="en-US"/>
+              <a:t>Click to edit Master title style</a:t>
+            </a:r>
+            <a:endParaRPr lang="en-US" dirty="0"/>
+          </a:p>
+        </p:txBody>
+      </p:sp>
+      <p:sp>
+        <p:nvSpPr>
+          <p:cNvPr id="7" name="Text Placeholder 2"/>
+          <p:cNvSpPr>
+            <a:spLocks noGrp="1"/>
+          </p:cNvSpPr>
+          <p:nvPr>
+            <p:ph type="body" idx="1"/>
+          </p:nvPr>
+        </p:nvSpPr>
+        <p:spPr>
+          <a:xfrm>
+            <a:off x="685800" y="2202080"/>
+            <a:ext cx="3456432" cy="617320"/>
+          </a:xfrm>
+        </p:spPr>
+        <p:txBody>
+          <a:bodyPr anchor="b">
+            <a:noAutofit/>
+          </a:bodyPr>
+          <a:lstStyle>
+            <a:lvl1pPr marL="0" indent="0">
+              <a:buNone/>
+              <a:defRPr sz="2400" b="0">
+                <a:solidFill>
+                  <a:schemeClr val="tx1"/>
+                </a:solidFill>
+              </a:defRPr>
+            </a:lvl1pPr>
+            <a:lvl2pPr marL="457200" indent="0">
+              <a:buNone/>
+              <a:defRPr sz="2000" b="1"/>
+            </a:lvl2pPr>
+            <a:lvl3pPr marL="914400" indent="0">
+              <a:buNone/>
+              <a:defRPr sz="1800" b="1"/>
+            </a:lvl3pPr>
+            <a:lvl4pPr marL="1371600" indent="0">
+              <a:buNone/>
+              <a:defRPr sz="1600" b="1"/>
+            </a:lvl4pPr>
+            <a:lvl5pPr marL="1828800" indent="0">
+              <a:buNone/>
+              <a:defRPr sz="1600" b="1"/>
+            </a:lvl5pPr>
+            <a:lvl6pPr marL="2286000" indent="0">
+              <a:buNone/>
+              <a:defRPr sz="1600" b="1"/>
+            </a:lvl6pPr>
+            <a:lvl7pPr marL="2743200" indent="0">
+              <a:buNone/>
+              <a:defRPr sz="1600" b="1"/>
+            </a:lvl7pPr>
+            <a:lvl8pPr marL="3200400" indent="0">
+              <a:buNone/>
+              <a:defRPr sz="1600" b="1"/>
+            </a:lvl8pPr>
+            <a:lvl9pPr marL="3657600" indent="0">
+              <a:buNone/>
+              <a:defRPr sz="1600" b="1"/>
+            </a:lvl9pPr>
+          </a:lstStyle>
+          <a:p>
+            <a:pPr lvl="0"/>
+            <a:r>
+              <a:rPr lang="en-US"/>
+              <a:t>Edit Master text styles</a:t>
+            </a:r>
+          </a:p>
+        </p:txBody>
+      </p:sp>
+      <p:sp>
+        <p:nvSpPr>
+          <p:cNvPr id="8" name="Text Placeholder 3"/>
+          <p:cNvSpPr>
+            <a:spLocks noGrp="1"/>
+          </p:cNvSpPr>
+          <p:nvPr>
+            <p:ph type="body" sz="half" idx="15"/>
+          </p:nvPr>
+        </p:nvSpPr>
+        <p:spPr>
+          <a:xfrm>
+            <a:off x="685799" y="2904565"/>
+            <a:ext cx="3456432" cy="3314132"/>
+          </a:xfrm>
+        </p:spPr>
+        <p:txBody>
+          <a:bodyPr anchor="t">
+            <a:normAutofit/>
+          </a:bodyPr>
+          <a:lstStyle>
+            <a:lvl1pPr marL="0" indent="0">
+              <a:buNone/>
+              <a:defRPr sz="1400"/>
+            </a:lvl1pPr>
+            <a:lvl2pPr marL="457200" indent="0">
+              <a:buNone/>
+              <a:defRPr sz="1200"/>
+            </a:lvl2pPr>
+            <a:lvl3pPr marL="914400" indent="0">
+              <a:buNone/>
+              <a:defRPr sz="1000"/>
+            </a:lvl3pPr>
+            <a:lvl4pPr marL="1371600" indent="0">
+              <a:buNone/>
+              <a:defRPr sz="900"/>
+            </a:lvl4pPr>
+            <a:lvl5pPr marL="1828800" indent="0">
+              <a:buNone/>
+              <a:defRPr sz="900"/>
+            </a:lvl5pPr>
+            <a:lvl6pPr marL="2286000" indent="0">
+              <a:buNone/>
+              <a:defRPr sz="900"/>
+            </a:lvl6pPr>
+            <a:lvl7pPr marL="2743200" indent="0">
+              <a:buNone/>
+              <a:defRPr sz="900"/>
+            </a:lvl7pPr>
+            <a:lvl8pPr marL="3200400" indent="0">
+              <a:buNone/>
+              <a:defRPr sz="900"/>
+            </a:lvl8pPr>
+            <a:lvl9pPr marL="3657600" indent="0">
+              <a:buNone/>
+              <a:defRPr sz="900"/>
+            </a:lvl9pPr>
+          </a:lstStyle>
+          <a:p>
+            <a:pPr lvl="0"/>
+            <a:r>
+              <a:rPr lang="en-US"/>
+              <a:t>Edit Master text styles</a:t>
+            </a:r>
+          </a:p>
+        </p:txBody>
+      </p:sp>
+      <p:sp>
+        <p:nvSpPr>
+          <p:cNvPr id="9" name="Text Placeholder 4"/>
+          <p:cNvSpPr>
+            <a:spLocks noGrp="1"/>
+          </p:cNvSpPr>
+          <p:nvPr>
+            <p:ph type="body" sz="quarter" idx="3"/>
+          </p:nvPr>
+        </p:nvSpPr>
+        <p:spPr>
+          <a:xfrm>
+            <a:off x="4368800" y="2201333"/>
+            <a:ext cx="3456432" cy="626534"/>
+          </a:xfrm>
+        </p:spPr>
+        <p:txBody>
+          <a:bodyPr anchor="b">
+            <a:noAutofit/>
+          </a:bodyPr>
+          <a:lstStyle>
+            <a:lvl1pPr marL="0" indent="0">
+              <a:buNone/>
+              <a:defRPr sz="2400" b="0">
+                <a:solidFill>
+                  <a:schemeClr val="tx1"/>
+                </a:solidFill>
+              </a:defRPr>
+            </a:lvl1pPr>
+            <a:lvl2pPr marL="457200" indent="0">
+              <a:buNone/>
+              <a:defRPr sz="2000" b="1"/>
+            </a:lvl2pPr>
+            <a:lvl3pPr marL="914400" indent="0">
+              <a:buNone/>
+              <a:defRPr sz="1800" b="1"/>
+            </a:lvl3pPr>
+            <a:lvl4pPr marL="1371600" indent="0">
+              <a:buNone/>
+              <a:defRPr sz="1600" b="1"/>
+            </a:lvl4pPr>
+            <a:lvl5pPr marL="1828800" indent="0">
+              <a:buNone/>
+              <a:defRPr sz="1600" b="1"/>
+            </a:lvl5pPr>
+            <a:lvl6pPr marL="2286000" indent="0">
+              <a:buNone/>
+              <a:defRPr sz="1600" b="1"/>
+            </a:lvl6pPr>
+            <a:lvl7pPr marL="2743200" indent="0">
+              <a:buNone/>
+              <a:defRPr sz="1600" b="1"/>
+            </a:lvl7pPr>
+            <a:lvl8pPr marL="3200400" indent="0">
+              <a:buNone/>
+              <a:defRPr sz="1600" b="1"/>
+            </a:lvl8pPr>
+            <a:lvl9pPr marL="3657600" indent="0">
+              <a:buNone/>
+              <a:defRPr sz="1600" b="1"/>
+            </a:lvl9pPr>
+          </a:lstStyle>
+          <a:p>
+            <a:pPr lvl="0"/>
+            <a:r>
+              <a:rPr lang="en-US"/>
+              <a:t>Edit Master text styles</a:t>
+            </a:r>
+          </a:p>
+        </p:txBody>
+      </p:sp>
+      <p:sp>
+        <p:nvSpPr>
+          <p:cNvPr id="10" name="Text Placeholder 3"/>
+          <p:cNvSpPr>
+            <a:spLocks noGrp="1"/>
+          </p:cNvSpPr>
+          <p:nvPr>
+            <p:ph type="body" sz="half" idx="16"/>
+          </p:nvPr>
+        </p:nvSpPr>
+        <p:spPr>
+          <a:xfrm>
+            <a:off x="4366858" y="2904067"/>
+            <a:ext cx="3456432" cy="3314618"/>
+          </a:xfrm>
+        </p:spPr>
+        <p:txBody>
+          <a:bodyPr anchor="t">
+            <a:normAutofit/>
+          </a:bodyPr>
+          <a:lstStyle>
+            <a:lvl1pPr marL="0" indent="0">
+              <a:buNone/>
+              <a:defRPr sz="1400"/>
+            </a:lvl1pPr>
+            <a:lvl2pPr marL="457200" indent="0">
+              <a:buNone/>
+              <a:defRPr sz="1200"/>
+            </a:lvl2pPr>
+            <a:lvl3pPr marL="914400" indent="0">
+              <a:buNone/>
+              <a:defRPr sz="1000"/>
+            </a:lvl3pPr>
+            <a:lvl4pPr marL="1371600" indent="0">
+              <a:buNone/>
+              <a:defRPr sz="900"/>
+            </a:lvl4pPr>
+            <a:lvl5pPr marL="1828800" indent="0">
+              <a:buNone/>
+              <a:defRPr sz="900"/>
+            </a:lvl5pPr>
+            <a:lvl6pPr marL="2286000" indent="0">
+              <a:buNone/>
+              <a:defRPr sz="900"/>
+            </a:lvl6pPr>
+            <a:lvl7pPr marL="2743200" indent="0">
+              <a:buNone/>
+              <a:defRPr sz="900"/>
+            </a:lvl7pPr>
+            <a:lvl8pPr marL="3200400" indent="0">
+              <a:buNone/>
+              <a:defRPr sz="900"/>
+            </a:lvl8pPr>
+            <a:lvl9pPr marL="3657600" indent="0">
+              <a:buNone/>
+              <a:defRPr sz="900"/>
+            </a:lvl9pPr>
+          </a:lstStyle>
+          <a:p>
+            <a:pPr lvl="0"/>
+            <a:r>
+              <a:rPr lang="en-US"/>
+              <a:t>Edit Master text styles</a:t>
+            </a:r>
+          </a:p>
+        </p:txBody>
+      </p:sp>
+      <p:sp>
+        <p:nvSpPr>
+          <p:cNvPr id="11" name="Text Placeholder 4"/>
+          <p:cNvSpPr>
+            <a:spLocks noGrp="1"/>
+          </p:cNvSpPr>
+          <p:nvPr>
+            <p:ph type="body" sz="quarter" idx="13"/>
+          </p:nvPr>
+        </p:nvSpPr>
+        <p:spPr>
+          <a:xfrm>
+            <a:off x="8051800" y="2192866"/>
+            <a:ext cx="3456432" cy="626534"/>
+          </a:xfrm>
+        </p:spPr>
+        <p:txBody>
+          <a:bodyPr anchor="b">
+            <a:noAutofit/>
+          </a:bodyPr>
+          <a:lstStyle>
+            <a:lvl1pPr marL="0" indent="0">
+              <a:buNone/>
+              <a:defRPr sz="2400" b="0">
+                <a:solidFill>
+                  <a:schemeClr val="tx1"/>
+                </a:solidFill>
+              </a:defRPr>
+            </a:lvl1pPr>
+            <a:lvl2pPr marL="457200" indent="0">
+              <a:buNone/>
+              <a:defRPr sz="2000" b="1"/>
+            </a:lvl2pPr>
+            <a:lvl3pPr marL="914400" indent="0">
+              <a:buNone/>
+              <a:defRPr sz="1800" b="1"/>
+            </a:lvl3pPr>
+            <a:lvl4pPr marL="1371600" indent="0">
+              <a:buNone/>
+              <a:defRPr sz="1600" b="1"/>
+            </a:lvl4pPr>
+            <a:lvl5pPr marL="1828800" indent="0">
+              <a:buNone/>
+              <a:defRPr sz="1600" b="1"/>
+            </a:lvl5pPr>
+            <a:lvl6pPr marL="2286000" indent="0">
+              <a:buNone/>
+              <a:defRPr sz="1600" b="1"/>
+            </a:lvl6pPr>
+            <a:lvl7pPr marL="2743200" indent="0">
+              <a:buNone/>
+              <a:defRPr sz="1600" b="1"/>
+            </a:lvl7pPr>
+            <a:lvl8pPr marL="3200400" indent="0">
+              <a:buNone/>
+              <a:defRPr sz="1600" b="1"/>
+            </a:lvl8pPr>
+            <a:lvl9pPr marL="3657600" indent="0">
+              <a:buNone/>
+              <a:defRPr sz="1600" b="1"/>
+            </a:lvl9pPr>
+          </a:lstStyle>
+          <a:p>
+            <a:pPr lvl="0"/>
+            <a:r>
+              <a:rPr lang="en-US"/>
+              <a:t>Edit Master text styles</a:t>
+            </a:r>
+          </a:p>
+        </p:txBody>
+      </p:sp>
+      <p:sp>
+        <p:nvSpPr>
+          <p:cNvPr id="12" name="Text Placeholder 3"/>
+          <p:cNvSpPr>
+            <a:spLocks noGrp="1"/>
+          </p:cNvSpPr>
+          <p:nvPr>
+            <p:ph type="body" sz="half" idx="17"/>
+          </p:nvPr>
+        </p:nvSpPr>
+        <p:spPr>
+          <a:xfrm>
+            <a:off x="8051801" y="2904565"/>
+            <a:ext cx="3456432" cy="3314132"/>
+          </a:xfrm>
+        </p:spPr>
+        <p:txBody>
+          <a:bodyPr anchor="t">
+            <a:normAutofit/>
+          </a:bodyPr>
+          <a:lstStyle>
+            <a:lvl1pPr marL="0" indent="0">
+              <a:buNone/>
+              <a:defRPr sz="1400"/>
+            </a:lvl1pPr>
+            <a:lvl2pPr marL="457200" indent="0">
+              <a:buNone/>
+              <a:defRPr sz="1200"/>
+            </a:lvl2pPr>
+            <a:lvl3pPr marL="914400" indent="0">
+              <a:buNone/>
+              <a:defRPr sz="1000"/>
+            </a:lvl3pPr>
+            <a:lvl4pPr marL="1371600" indent="0">
+              <a:buNone/>
+              <a:defRPr sz="900"/>
+            </a:lvl4pPr>
+            <a:lvl5pPr marL="1828800" indent="0">
+              <a:buNone/>
+              <a:defRPr sz="900"/>
+            </a:lvl5pPr>
+            <a:lvl6pPr marL="2286000" indent="0">
+              <a:buNone/>
+              <a:defRPr sz="900"/>
+            </a:lvl6pPr>
+            <a:lvl7pPr marL="2743200" indent="0">
+              <a:buNone/>
+              <a:defRPr sz="900"/>
+            </a:lvl7pPr>
+            <a:lvl8pPr marL="3200400" indent="0">
+              <a:buNone/>
+              <a:defRPr sz="900"/>
+            </a:lvl8pPr>
+            <a:lvl9pPr marL="3657600" indent="0">
+              <a:buNone/>
+              <a:defRPr sz="900"/>
+            </a:lvl9pPr>
+          </a:lstStyle>
+          <a:p>
+            <a:pPr lvl="0"/>
+            <a:r>
+              <a:rPr lang="en-US"/>
+              <a:t>Edit Master text styles</a:t>
+            </a:r>
+          </a:p>
+        </p:txBody>
+      </p:sp>
+      <p:sp>
+        <p:nvSpPr>
+          <p:cNvPr id="3" name="Date Placeholder 2"/>
+          <p:cNvSpPr>
+            <a:spLocks noGrp="1"/>
+          </p:cNvSpPr>
+          <p:nvPr>
+            <p:ph type="dt" sz="half" idx="10"/>
+          </p:nvPr>
+        </p:nvSpPr>
+        <p:spPr/>
+        <p:txBody>
+          <a:bodyPr/>
+          <a:lstStyle/>
+          <a:p>
+            <a:fld id="{89526FFA-F7FC-4389-A6FC-2493F8B7F012}" type="datetimeFigureOut">
+              <a:rPr lang="en-US" smtClean="0"/>
+              <a:t>12/12/2017</a:t>
+            </a:fld>
+            <a:endParaRPr lang="en-US"/>
+          </a:p>
+        </p:txBody>
+      </p:sp>
+      <p:sp>
+        <p:nvSpPr>
+          <p:cNvPr id="4" name="Footer Placeholder 3"/>
+          <p:cNvSpPr>
+            <a:spLocks noGrp="1"/>
+          </p:cNvSpPr>
+          <p:nvPr>
+            <p:ph type="ftr" sz="quarter" idx="11"/>
+          </p:nvPr>
+        </p:nvSpPr>
+        <p:spPr/>
+        <p:txBody>
+          <a:bodyPr/>
+          <a:lstStyle/>
+          <a:p>
+            <a:endParaRPr lang="en-US"/>
+          </a:p>
+        </p:txBody>
+      </p:sp>
+      <p:sp>
+        <p:nvSpPr>
+          <p:cNvPr id="5" name="Slide Number Placeholder 4"/>
+          <p:cNvSpPr>
+            <a:spLocks noGrp="1"/>
+          </p:cNvSpPr>
+          <p:nvPr>
+            <p:ph type="sldNum" sz="quarter" idx="12"/>
+          </p:nvPr>
+        </p:nvSpPr>
+        <p:spPr/>
+        <p:txBody>
+          <a:bodyPr/>
+          <a:lstStyle/>
+          <a:p>
+            <a:fld id="{F995D58C-593C-4557-992A-DBAB8220202E}" type="slidenum">
+              <a:rPr lang="en-US" smtClean="0"/>
+              <a:t>‹#›</a:t>
+            </a:fld>
+            <a:endParaRPr lang="en-US"/>
+          </a:p>
+        </p:txBody>
+      </p:sp>
+    </p:spTree>
+    <p:extLst>
+      <p:ext uri="{BB962C8B-B14F-4D97-AF65-F5344CB8AC3E}">
+        <p14:creationId xmlns:p14="http://schemas.microsoft.com/office/powerpoint/2010/main" val="1757021946"/>
+      </p:ext>
+    </p:extLst>
+  </p:cSld>
+  <p:clrMapOvr>
+    <a:masterClrMapping/>
+  </p:clrMapOvr>
+</p:sldLayout>
+</file>
+
+<file path=ppt/slideLayouts/slideLayout15.xml><?xml version="1.0" encoding="utf-8"?>
+<p:sldLayout xmlns:a="http://schemas.openxmlformats.org/drawingml/2006/main" xmlns:r="http://schemas.openxmlformats.org/officeDocument/2006/relationships" xmlns:p="http://schemas.openxmlformats.org/presentationml/2006/main" preserve="1">
+  <p:cSld name="3 Picture Column">
+    <p:spTree>
+      <p:nvGrpSpPr>
+        <p:cNvPr id="1" name=""/>
+        <p:cNvGrpSpPr/>
+        <p:nvPr/>
+      </p:nvGrpSpPr>
+      <p:grpSpPr>
+        <a:xfrm>
+          <a:off x="0" y="0"/>
+          <a:ext cx="0" cy="0"/>
+          <a:chOff x="0" y="0"/>
+          <a:chExt cx="0" cy="0"/>
+        </a:xfrm>
+      </p:grpSpPr>
+      <p:sp>
+        <p:nvSpPr>
+          <p:cNvPr id="30" name="Title 1"/>
+          <p:cNvSpPr>
+            <a:spLocks noGrp="1"/>
+          </p:cNvSpPr>
+          <p:nvPr>
+            <p:ph type="title"/>
+          </p:nvPr>
+        </p:nvSpPr>
+        <p:spPr>
+          <a:xfrm>
+            <a:off x="2895600" y="762000"/>
+            <a:ext cx="8610599" cy="1295400"/>
+          </a:xfrm>
+        </p:spPr>
+        <p:txBody>
+          <a:bodyPr/>
+          <a:lstStyle/>
+          <a:p>
+            <a:r>
+              <a:rPr lang="en-US"/>
+              <a:t>Click to edit Master title style</a:t>
+            </a:r>
+            <a:endParaRPr lang="en-US" dirty="0"/>
+          </a:p>
+        </p:txBody>
+      </p:sp>
+      <p:sp>
+        <p:nvSpPr>
+          <p:cNvPr id="19" name="Text Placeholder 2"/>
+          <p:cNvSpPr>
+            <a:spLocks noGrp="1"/>
+          </p:cNvSpPr>
+          <p:nvPr>
+            <p:ph type="body" idx="1"/>
+          </p:nvPr>
+        </p:nvSpPr>
+        <p:spPr>
+          <a:xfrm>
+            <a:off x="688618" y="4191000"/>
+            <a:ext cx="3451582" cy="682765"/>
+          </a:xfrm>
+        </p:spPr>
+        <p:txBody>
+          <a:bodyPr anchor="b">
+            <a:noAutofit/>
+          </a:bodyPr>
+          <a:lstStyle>
+            <a:lvl1pPr marL="0" indent="0">
+              <a:buNone/>
+              <a:defRPr sz="2400" b="0">
+                <a:solidFill>
+                  <a:schemeClr val="tx1"/>
+                </a:solidFill>
+              </a:defRPr>
+            </a:lvl1pPr>
+            <a:lvl2pPr marL="457200" indent="0">
+              <a:buNone/>
+              <a:defRPr sz="2000" b="1"/>
+            </a:lvl2pPr>
+            <a:lvl3pPr marL="914400" indent="0">
+              <a:buNone/>
+              <a:defRPr sz="1800" b="1"/>
+            </a:lvl3pPr>
+            <a:lvl4pPr marL="1371600" indent="0">
+              <a:buNone/>
+              <a:defRPr sz="1600" b="1"/>
+            </a:lvl4pPr>
+            <a:lvl5pPr marL="1828800" indent="0">
+              <a:buNone/>
+              <a:defRPr sz="1600" b="1"/>
+            </a:lvl5pPr>
+            <a:lvl6pPr marL="2286000" indent="0">
+              <a:buNone/>
+              <a:defRPr sz="1600" b="1"/>
+            </a:lvl6pPr>
+            <a:lvl7pPr marL="2743200" indent="0">
+              <a:buNone/>
+              <a:defRPr sz="1600" b="1"/>
+            </a:lvl7pPr>
+            <a:lvl8pPr marL="3200400" indent="0">
+              <a:buNone/>
+              <a:defRPr sz="1600" b="1"/>
+            </a:lvl8pPr>
+            <a:lvl9pPr marL="3657600" indent="0">
+              <a:buNone/>
+              <a:defRPr sz="1600" b="1"/>
+            </a:lvl9pPr>
+          </a:lstStyle>
+          <a:p>
+            <a:pPr lvl="0"/>
+            <a:r>
+              <a:rPr lang="en-US"/>
+              <a:t>Edit Master text styles</a:t>
+            </a:r>
+          </a:p>
+        </p:txBody>
+      </p:sp>
+      <p:sp>
+        <p:nvSpPr>
+          <p:cNvPr id="20" name="Picture Placeholder 2"/>
+          <p:cNvSpPr>
+            <a:spLocks noGrp="1" noChangeAspect="1"/>
+          </p:cNvSpPr>
+          <p:nvPr>
+            <p:ph type="pic" idx="15"/>
+          </p:nvPr>
+        </p:nvSpPr>
+        <p:spPr>
+          <a:xfrm>
+            <a:off x="688618" y="2362200"/>
+            <a:ext cx="3451582" cy="1524000"/>
+          </a:xfrm>
+          <a:prstGeom prst="roundRect">
+            <a:avLst>
+              <a:gd name="adj" fmla="val 0"/>
+            </a:avLst>
+          </a:prstGeom>
+          <a:effectLst>
+            <a:outerShdw blurRad="50800" dist="50800" dir="5400000" algn="tl" rotWithShape="0">
+              <a:srgbClr val="000000">
+                <a:alpha val="43000"/>
+              </a:srgbClr>
+            </a:outerShdw>
+          </a:effectLst>
+        </p:spPr>
+        <p:txBody>
+          <a:bodyPr anchor="t">
+            <a:normAutofit/>
+          </a:bodyPr>
+          <a:lstStyle>
+            <a:lvl1pPr marL="0" indent="0" algn="ctr">
+              <a:buNone/>
+              <a:defRPr sz="1600"/>
+            </a:lvl1pPr>
+            <a:lvl2pPr marL="457200" indent="0">
+              <a:buNone/>
+              <a:defRPr sz="1600"/>
+            </a:lvl2pPr>
+            <a:lvl3pPr marL="914400" indent="0">
+              <a:buNone/>
+              <a:defRPr sz="1600"/>
+            </a:lvl3pPr>
+            <a:lvl4pPr marL="1371600" indent="0">
+              <a:buNone/>
+              <a:defRPr sz="1600"/>
+            </a:lvl4pPr>
+            <a:lvl5pPr marL="1828800" indent="0">
+              <a:buNone/>
+              <a:defRPr sz="1600"/>
+            </a:lvl5pPr>
+            <a:lvl6pPr marL="2286000" indent="0">
+              <a:buNone/>
+              <a:defRPr sz="1600"/>
+            </a:lvl6pPr>
+            <a:lvl7pPr marL="2743200" indent="0">
+              <a:buNone/>
+              <a:defRPr sz="1600"/>
+            </a:lvl7pPr>
+            <a:lvl8pPr marL="3200400" indent="0">
+              <a:buNone/>
+              <a:defRPr sz="1600"/>
+            </a:lvl8pPr>
+            <a:lvl9pPr marL="3657600" indent="0">
+              <a:buNone/>
+              <a:defRPr sz="1600"/>
+            </a:lvl9pPr>
+          </a:lstStyle>
+          <a:p>
+            <a:r>
+              <a:rPr lang="en-US"/>
+              <a:t>Click icon to add picture</a:t>
+            </a:r>
+            <a:endParaRPr lang="en-US" dirty="0"/>
+          </a:p>
+        </p:txBody>
+      </p:sp>
+      <p:sp>
+        <p:nvSpPr>
+          <p:cNvPr id="21" name="Text Placeholder 3"/>
+          <p:cNvSpPr>
+            <a:spLocks noGrp="1"/>
+          </p:cNvSpPr>
+          <p:nvPr>
+            <p:ph type="body" sz="half" idx="18"/>
+          </p:nvPr>
+        </p:nvSpPr>
+        <p:spPr>
+          <a:xfrm>
+            <a:off x="688618" y="4873764"/>
+            <a:ext cx="3451582" cy="1344921"/>
+          </a:xfrm>
+        </p:spPr>
+        <p:txBody>
+          <a:bodyPr anchor="t">
+            <a:normAutofit/>
+          </a:bodyPr>
+          <a:lstStyle>
+            <a:lvl1pPr marL="0" indent="0">
+              <a:buNone/>
+              <a:defRPr sz="1400"/>
+            </a:lvl1pPr>
+            <a:lvl2pPr marL="457200" indent="0">
+              <a:buNone/>
+              <a:defRPr sz="1200"/>
+            </a:lvl2pPr>
+            <a:lvl3pPr marL="914400" indent="0">
+              <a:buNone/>
+              <a:defRPr sz="1000"/>
+            </a:lvl3pPr>
+            <a:lvl4pPr marL="1371600" indent="0">
+              <a:buNone/>
+              <a:defRPr sz="900"/>
+            </a:lvl4pPr>
+            <a:lvl5pPr marL="1828800" indent="0">
+              <a:buNone/>
+              <a:defRPr sz="900"/>
+            </a:lvl5pPr>
+            <a:lvl6pPr marL="2286000" indent="0">
+              <a:buNone/>
+              <a:defRPr sz="900"/>
+            </a:lvl6pPr>
+            <a:lvl7pPr marL="2743200" indent="0">
+              <a:buNone/>
+              <a:defRPr sz="900"/>
+            </a:lvl7pPr>
+            <a:lvl8pPr marL="3200400" indent="0">
+              <a:buNone/>
+              <a:defRPr sz="900"/>
+            </a:lvl8pPr>
+            <a:lvl9pPr marL="3657600" indent="0">
+              <a:buNone/>
+              <a:defRPr sz="900"/>
+            </a:lvl9pPr>
+          </a:lstStyle>
+          <a:p>
+            <a:pPr lvl="0"/>
+            <a:r>
+              <a:rPr lang="en-US"/>
+              <a:t>Edit Master text styles</a:t>
+            </a:r>
+          </a:p>
+        </p:txBody>
+      </p:sp>
+      <p:sp>
+        <p:nvSpPr>
+          <p:cNvPr id="22" name="Text Placeholder 4"/>
+          <p:cNvSpPr>
+            <a:spLocks noGrp="1"/>
+          </p:cNvSpPr>
+          <p:nvPr>
+            <p:ph type="body" sz="quarter" idx="3"/>
+          </p:nvPr>
+        </p:nvSpPr>
+        <p:spPr>
+          <a:xfrm>
+            <a:off x="4374263" y="4191000"/>
+            <a:ext cx="3448935" cy="682765"/>
+          </a:xfrm>
+        </p:spPr>
+        <p:txBody>
+          <a:bodyPr anchor="b">
+            <a:noAutofit/>
+          </a:bodyPr>
+          <a:lstStyle>
+            <a:lvl1pPr marL="0" indent="0">
+              <a:buNone/>
+              <a:defRPr sz="2400" b="0">
+                <a:solidFill>
+                  <a:schemeClr val="tx1"/>
+                </a:solidFill>
+              </a:defRPr>
+            </a:lvl1pPr>
+            <a:lvl2pPr marL="457200" indent="0">
+              <a:buNone/>
+              <a:defRPr sz="2000" b="1"/>
+            </a:lvl2pPr>
+            <a:lvl3pPr marL="914400" indent="0">
+              <a:buNone/>
+              <a:defRPr sz="1800" b="1"/>
+            </a:lvl3pPr>
+            <a:lvl4pPr marL="1371600" indent="0">
+              <a:buNone/>
+              <a:defRPr sz="1600" b="1"/>
+            </a:lvl4pPr>
+            <a:lvl5pPr marL="1828800" indent="0">
+              <a:buNone/>
+              <a:defRPr sz="1600" b="1"/>
+            </a:lvl5pPr>
+            <a:lvl6pPr marL="2286000" indent="0">
+              <a:buNone/>
+              <a:defRPr sz="1600" b="1"/>
+            </a:lvl6pPr>
+            <a:lvl7pPr marL="2743200" indent="0">
+              <a:buNone/>
+              <a:defRPr sz="1600" b="1"/>
+            </a:lvl7pPr>
+            <a:lvl8pPr marL="3200400" indent="0">
+              <a:buNone/>
+              <a:defRPr sz="1600" b="1"/>
+            </a:lvl8pPr>
+            <a:lvl9pPr marL="3657600" indent="0">
+              <a:buNone/>
+              <a:defRPr sz="1600" b="1"/>
+            </a:lvl9pPr>
+          </a:lstStyle>
+          <a:p>
+            <a:pPr lvl="0"/>
+            <a:r>
+              <a:rPr lang="en-US"/>
+              <a:t>Edit Master text styles</a:t>
+            </a:r>
+          </a:p>
+        </p:txBody>
+      </p:sp>
+      <p:sp>
+        <p:nvSpPr>
+          <p:cNvPr id="23" name="Picture Placeholder 2"/>
+          <p:cNvSpPr>
+            <a:spLocks noGrp="1" noChangeAspect="1"/>
+          </p:cNvSpPr>
+          <p:nvPr>
+            <p:ph type="pic" idx="21"/>
+          </p:nvPr>
+        </p:nvSpPr>
+        <p:spPr>
+          <a:xfrm>
+            <a:off x="4374263" y="2362200"/>
+            <a:ext cx="3448936" cy="1524000"/>
+          </a:xfrm>
+          <a:prstGeom prst="roundRect">
+            <a:avLst>
+              <a:gd name="adj" fmla="val 0"/>
+            </a:avLst>
+          </a:prstGeom>
+          <a:effectLst>
+            <a:outerShdw blurRad="50800" dist="50800" dir="5400000" algn="tl" rotWithShape="0">
+              <a:srgbClr val="000000">
+                <a:alpha val="43000"/>
+              </a:srgbClr>
+            </a:outerShdw>
+          </a:effectLst>
+        </p:spPr>
+        <p:txBody>
+          <a:bodyPr anchor="t">
+            <a:normAutofit/>
+          </a:bodyPr>
+          <a:lstStyle>
+            <a:lvl1pPr marL="0" indent="0" algn="ctr">
+              <a:buNone/>
+              <a:defRPr sz="1600"/>
+            </a:lvl1pPr>
+            <a:lvl2pPr marL="457200" indent="0">
+              <a:buNone/>
+              <a:defRPr sz="1600"/>
+            </a:lvl2pPr>
+            <a:lvl3pPr marL="914400" indent="0">
+              <a:buNone/>
+              <a:defRPr sz="1600"/>
+            </a:lvl3pPr>
+            <a:lvl4pPr marL="1371600" indent="0">
+              <a:buNone/>
+              <a:defRPr sz="1600"/>
+            </a:lvl4pPr>
+            <a:lvl5pPr marL="1828800" indent="0">
+              <a:buNone/>
+              <a:defRPr sz="1600"/>
+            </a:lvl5pPr>
+            <a:lvl6pPr marL="2286000" indent="0">
+              <a:buNone/>
+              <a:defRPr sz="1600"/>
+            </a:lvl6pPr>
+            <a:lvl7pPr marL="2743200" indent="0">
+              <a:buNone/>
+              <a:defRPr sz="1600"/>
+            </a:lvl7pPr>
+            <a:lvl8pPr marL="3200400" indent="0">
+              <a:buNone/>
+              <a:defRPr sz="1600"/>
+            </a:lvl8pPr>
+            <a:lvl9pPr marL="3657600" indent="0">
+              <a:buNone/>
+              <a:defRPr sz="1600"/>
+            </a:lvl9pPr>
+          </a:lstStyle>
+          <a:p>
+            <a:r>
+              <a:rPr lang="en-US"/>
+              <a:t>Click icon to add picture</a:t>
+            </a:r>
+            <a:endParaRPr lang="en-US" dirty="0"/>
+          </a:p>
+        </p:txBody>
+      </p:sp>
+      <p:sp>
+        <p:nvSpPr>
+          <p:cNvPr id="24" name="Text Placeholder 3"/>
+          <p:cNvSpPr>
+            <a:spLocks noGrp="1"/>
+          </p:cNvSpPr>
+          <p:nvPr>
+            <p:ph type="body" sz="half" idx="19"/>
+          </p:nvPr>
+        </p:nvSpPr>
+        <p:spPr>
+          <a:xfrm>
+            <a:off x="4374264" y="4873763"/>
+            <a:ext cx="3448935" cy="1344921"/>
+          </a:xfrm>
+        </p:spPr>
+        <p:txBody>
+          <a:bodyPr anchor="t">
+            <a:normAutofit/>
+          </a:bodyPr>
+          <a:lstStyle>
+            <a:lvl1pPr marL="0" indent="0">
+              <a:buNone/>
+              <a:defRPr sz="1400"/>
+            </a:lvl1pPr>
+            <a:lvl2pPr marL="457200" indent="0">
+              <a:buNone/>
+              <a:defRPr sz="1200"/>
+            </a:lvl2pPr>
+            <a:lvl3pPr marL="914400" indent="0">
+              <a:buNone/>
+              <a:defRPr sz="1000"/>
+            </a:lvl3pPr>
+            <a:lvl4pPr marL="1371600" indent="0">
+              <a:buNone/>
+              <a:defRPr sz="900"/>
+            </a:lvl4pPr>
+            <a:lvl5pPr marL="1828800" indent="0">
+              <a:buNone/>
+              <a:defRPr sz="900"/>
+            </a:lvl5pPr>
+            <a:lvl6pPr marL="2286000" indent="0">
+              <a:buNone/>
+              <a:defRPr sz="900"/>
+            </a:lvl6pPr>
+            <a:lvl7pPr marL="2743200" indent="0">
+              <a:buNone/>
+              <a:defRPr sz="900"/>
+            </a:lvl7pPr>
+            <a:lvl8pPr marL="3200400" indent="0">
+              <a:buNone/>
+              <a:defRPr sz="900"/>
+            </a:lvl8pPr>
+            <a:lvl9pPr marL="3657600" indent="0">
+              <a:buNone/>
+              <a:defRPr sz="900"/>
+            </a:lvl9pPr>
+          </a:lstStyle>
+          <a:p>
+            <a:pPr lvl="0"/>
+            <a:r>
+              <a:rPr lang="en-US"/>
+              <a:t>Edit Master text styles</a:t>
+            </a:r>
+          </a:p>
+        </p:txBody>
+      </p:sp>
+      <p:sp>
+        <p:nvSpPr>
+          <p:cNvPr id="25" name="Text Placeholder 4"/>
+          <p:cNvSpPr>
+            <a:spLocks noGrp="1"/>
+          </p:cNvSpPr>
+          <p:nvPr>
+            <p:ph type="body" sz="quarter" idx="13"/>
+          </p:nvPr>
+        </p:nvSpPr>
+        <p:spPr>
+          <a:xfrm>
+            <a:off x="8049731" y="4191000"/>
+            <a:ext cx="3456469" cy="682765"/>
+          </a:xfrm>
+        </p:spPr>
+        <p:txBody>
+          <a:bodyPr anchor="b">
+            <a:noAutofit/>
+          </a:bodyPr>
+          <a:lstStyle>
+            <a:lvl1pPr marL="0" indent="0">
+              <a:buNone/>
+              <a:defRPr sz="2400" b="0">
+                <a:solidFill>
+                  <a:schemeClr val="tx1"/>
+                </a:solidFill>
+              </a:defRPr>
+            </a:lvl1pPr>
+            <a:lvl2pPr marL="457200" indent="0">
+              <a:buNone/>
+              <a:defRPr sz="2000" b="1"/>
+            </a:lvl2pPr>
+            <a:lvl3pPr marL="914400" indent="0">
+              <a:buNone/>
+              <a:defRPr sz="1800" b="1"/>
+            </a:lvl3pPr>
+            <a:lvl4pPr marL="1371600" indent="0">
+              <a:buNone/>
+              <a:defRPr sz="1600" b="1"/>
+            </a:lvl4pPr>
+            <a:lvl5pPr marL="1828800" indent="0">
+              <a:buNone/>
+              <a:defRPr sz="1600" b="1"/>
+            </a:lvl5pPr>
+            <a:lvl6pPr marL="2286000" indent="0">
+              <a:buNone/>
+              <a:defRPr sz="1600" b="1"/>
+            </a:lvl6pPr>
+            <a:lvl7pPr marL="2743200" indent="0">
+              <a:buNone/>
+              <a:defRPr sz="1600" b="1"/>
+            </a:lvl7pPr>
+            <a:lvl8pPr marL="3200400" indent="0">
+              <a:buNone/>
+              <a:defRPr sz="1600" b="1"/>
+            </a:lvl8pPr>
+            <a:lvl9pPr marL="3657600" indent="0">
+              <a:buNone/>
+              <a:defRPr sz="1600" b="1"/>
+            </a:lvl9pPr>
+          </a:lstStyle>
+          <a:p>
+            <a:pPr lvl="0"/>
+            <a:r>
+              <a:rPr lang="en-US"/>
+              <a:t>Edit Master text styles</a:t>
+            </a:r>
+          </a:p>
+        </p:txBody>
+      </p:sp>
+      <p:sp>
+        <p:nvSpPr>
+          <p:cNvPr id="26" name="Picture Placeholder 2"/>
+          <p:cNvSpPr>
+            <a:spLocks noGrp="1" noChangeAspect="1"/>
+          </p:cNvSpPr>
+          <p:nvPr>
+            <p:ph type="pic" idx="22"/>
+          </p:nvPr>
+        </p:nvSpPr>
+        <p:spPr>
+          <a:xfrm>
+            <a:off x="8049855" y="2362200"/>
+            <a:ext cx="3447878" cy="1524000"/>
+          </a:xfrm>
+          <a:prstGeom prst="roundRect">
+            <a:avLst>
+              <a:gd name="adj" fmla="val 0"/>
+            </a:avLst>
+          </a:prstGeom>
+          <a:effectLst>
+            <a:outerShdw blurRad="50800" dist="50800" dir="5400000" algn="tl" rotWithShape="0">
+              <a:srgbClr val="000000">
+                <a:alpha val="43000"/>
+              </a:srgbClr>
+            </a:outerShdw>
+          </a:effectLst>
+        </p:spPr>
+        <p:txBody>
+          <a:bodyPr anchor="t">
+            <a:normAutofit/>
+          </a:bodyPr>
+          <a:lstStyle>
+            <a:lvl1pPr marL="0" indent="0" algn="ctr">
+              <a:buNone/>
+              <a:defRPr sz="1600"/>
+            </a:lvl1pPr>
+            <a:lvl2pPr marL="457200" indent="0">
+              <a:buNone/>
+              <a:defRPr sz="1600"/>
+            </a:lvl2pPr>
+            <a:lvl3pPr marL="914400" indent="0">
+              <a:buNone/>
+              <a:defRPr sz="1600"/>
+            </a:lvl3pPr>
+            <a:lvl4pPr marL="1371600" indent="0">
+              <a:buNone/>
+              <a:defRPr sz="1600"/>
+            </a:lvl4pPr>
+            <a:lvl5pPr marL="1828800" indent="0">
+              <a:buNone/>
+              <a:defRPr sz="1600"/>
+            </a:lvl5pPr>
+            <a:lvl6pPr marL="2286000" indent="0">
+              <a:buNone/>
+              <a:defRPr sz="1600"/>
+            </a:lvl6pPr>
+            <a:lvl7pPr marL="2743200" indent="0">
+              <a:buNone/>
+              <a:defRPr sz="1600"/>
+            </a:lvl7pPr>
+            <a:lvl8pPr marL="3200400" indent="0">
+              <a:buNone/>
+              <a:defRPr sz="1600"/>
+            </a:lvl8pPr>
+            <a:lvl9pPr marL="3657600" indent="0">
+              <a:buNone/>
+              <a:defRPr sz="1600"/>
+            </a:lvl9pPr>
+          </a:lstStyle>
+          <a:p>
+            <a:r>
+              <a:rPr lang="en-US"/>
+              <a:t>Click icon to add picture</a:t>
+            </a:r>
+            <a:endParaRPr lang="en-US" dirty="0"/>
+          </a:p>
+        </p:txBody>
+      </p:sp>
+      <p:sp>
+        <p:nvSpPr>
+          <p:cNvPr id="27" name="Text Placeholder 3"/>
+          <p:cNvSpPr>
+            <a:spLocks noGrp="1"/>
+          </p:cNvSpPr>
+          <p:nvPr>
+            <p:ph type="body" sz="half" idx="20"/>
+          </p:nvPr>
+        </p:nvSpPr>
+        <p:spPr>
+          <a:xfrm>
+            <a:off x="8049731" y="4873761"/>
+            <a:ext cx="3452445" cy="1344921"/>
+          </a:xfrm>
+        </p:spPr>
+        <p:txBody>
+          <a:bodyPr anchor="t">
+            <a:normAutofit/>
+          </a:bodyPr>
+          <a:lstStyle>
+            <a:lvl1pPr marL="0" indent="0">
+              <a:buNone/>
+              <a:defRPr sz="1400"/>
+            </a:lvl1pPr>
+            <a:lvl2pPr marL="457200" indent="0">
+              <a:buNone/>
+              <a:defRPr sz="1200"/>
+            </a:lvl2pPr>
+            <a:lvl3pPr marL="914400" indent="0">
+              <a:buNone/>
+              <a:defRPr sz="1000"/>
+            </a:lvl3pPr>
+            <a:lvl4pPr marL="1371600" indent="0">
+              <a:buNone/>
+              <a:defRPr sz="900"/>
+            </a:lvl4pPr>
+            <a:lvl5pPr marL="1828800" indent="0">
+              <a:buNone/>
+              <a:defRPr sz="900"/>
+            </a:lvl5pPr>
+            <a:lvl6pPr marL="2286000" indent="0">
+              <a:buNone/>
+              <a:defRPr sz="900"/>
+            </a:lvl6pPr>
+            <a:lvl7pPr marL="2743200" indent="0">
+              <a:buNone/>
+              <a:defRPr sz="900"/>
+            </a:lvl7pPr>
+            <a:lvl8pPr marL="3200400" indent="0">
+              <a:buNone/>
+              <a:defRPr sz="900"/>
+            </a:lvl8pPr>
+            <a:lvl9pPr marL="3657600" indent="0">
+              <a:buNone/>
+              <a:defRPr sz="900"/>
+            </a:lvl9pPr>
+          </a:lstStyle>
+          <a:p>
+            <a:pPr lvl="0"/>
+            <a:r>
+              <a:rPr lang="en-US"/>
+              <a:t>Edit Master text styles</a:t>
+            </a:r>
+          </a:p>
+        </p:txBody>
+      </p:sp>
+      <p:sp>
+        <p:nvSpPr>
+          <p:cNvPr id="3" name="Date Placeholder 2"/>
+          <p:cNvSpPr>
+            <a:spLocks noGrp="1"/>
+          </p:cNvSpPr>
+          <p:nvPr>
+            <p:ph type="dt" sz="half" idx="10"/>
+          </p:nvPr>
+        </p:nvSpPr>
+        <p:spPr/>
+        <p:txBody>
+          <a:bodyPr/>
+          <a:lstStyle/>
+          <a:p>
+            <a:fld id="{89526FFA-F7FC-4389-A6FC-2493F8B7F012}" type="datetimeFigureOut">
+              <a:rPr lang="en-US" smtClean="0"/>
+              <a:t>12/12/2017</a:t>
+            </a:fld>
+            <a:endParaRPr lang="en-US"/>
+          </a:p>
+        </p:txBody>
+      </p:sp>
+      <p:sp>
+        <p:nvSpPr>
+          <p:cNvPr id="4" name="Footer Placeholder 3"/>
+          <p:cNvSpPr>
+            <a:spLocks noGrp="1"/>
+          </p:cNvSpPr>
+          <p:nvPr>
+            <p:ph type="ftr" sz="quarter" idx="11"/>
+          </p:nvPr>
+        </p:nvSpPr>
+        <p:spPr/>
+        <p:txBody>
+          <a:bodyPr/>
+          <a:lstStyle/>
+          <a:p>
+            <a:endParaRPr lang="en-US"/>
+          </a:p>
+        </p:txBody>
+      </p:sp>
+      <p:sp>
+        <p:nvSpPr>
+          <p:cNvPr id="5" name="Slide Number Placeholder 4"/>
+          <p:cNvSpPr>
+            <a:spLocks noGrp="1"/>
+          </p:cNvSpPr>
+          <p:nvPr>
+            <p:ph type="sldNum" sz="quarter" idx="12"/>
+          </p:nvPr>
+        </p:nvSpPr>
+        <p:spPr/>
+        <p:txBody>
+          <a:bodyPr/>
+          <a:lstStyle/>
+          <a:p>
+            <a:fld id="{F995D58C-593C-4557-992A-DBAB8220202E}" type="slidenum">
+              <a:rPr lang="en-US" smtClean="0"/>
+              <a:t>‹#›</a:t>
+            </a:fld>
+            <a:endParaRPr lang="en-US"/>
+          </a:p>
+        </p:txBody>
+      </p:sp>
+    </p:spTree>
+    <p:extLst>
+      <p:ext uri="{BB962C8B-B14F-4D97-AF65-F5344CB8AC3E}">
+        <p14:creationId xmlns:p14="http://schemas.microsoft.com/office/powerpoint/2010/main" val="1587202234"/>
+      </p:ext>
+    </p:extLst>
+  </p:cSld>
+  <p:clrMapOvr>
+    <a:masterClrMapping/>
+  </p:clrMapOvr>
+</p:sldLayout>
+</file>
+
+<file path=ppt/slideLayouts/slideLayout16.xml><?xml version="1.0" encoding="utf-8"?>
 <p:sldLayout xmlns:a="http://schemas.openxmlformats.org/drawingml/2006/main" xmlns:r="http://schemas.openxmlformats.org/officeDocument/2006/relationships" xmlns:p="http://schemas.openxmlformats.org/presentationml/2006/main" type="vertTx" preserve="1">
   <p:cSld name="Title and Vertical Text">
     <p:spTree>
@@ -341,10 +3523,10 @@
           <a:lstStyle/>
           <a:p>
             <a:r>
-              <a:rPr lang="en-US" smtClean="0"/>
+              <a:rPr lang="en-US"/>
               <a:t>Click to edit Master title style</a:t>
             </a:r>
-            <a:endParaRPr lang="en-US"/>
+            <a:endParaRPr lang="en-US" dirty="0"/>
           </a:p>
         </p:txBody>
       </p:sp>
@@ -358,45 +3540,50 @@
             <p:ph type="body" orient="vert" idx="1"/>
           </p:nvPr>
         </p:nvSpPr>
-        <p:spPr/>
+        <p:spPr>
+          <a:xfrm>
+            <a:off x="685800" y="2194559"/>
+            <a:ext cx="10820400" cy="4024125"/>
+          </a:xfrm>
+        </p:spPr>
         <p:txBody>
           <a:bodyPr vert="eaVert"/>
           <a:lstStyle/>
           <a:p>
             <a:pPr lvl="0"/>
             <a:r>
-              <a:rPr lang="en-US" smtClean="0"/>
+              <a:rPr lang="en-US"/>
               <a:t>Edit Master text styles</a:t>
             </a:r>
           </a:p>
           <a:p>
             <a:pPr lvl="1"/>
             <a:r>
-              <a:rPr lang="en-US" smtClean="0"/>
+              <a:rPr lang="en-US"/>
               <a:t>Second level</a:t>
             </a:r>
           </a:p>
           <a:p>
             <a:pPr lvl="2"/>
             <a:r>
-              <a:rPr lang="en-US" smtClean="0"/>
+              <a:rPr lang="en-US"/>
               <a:t>Third level</a:t>
             </a:r>
           </a:p>
           <a:p>
             <a:pPr lvl="3"/>
             <a:r>
-              <a:rPr lang="en-US" smtClean="0"/>
+              <a:rPr lang="en-US"/>
               <a:t>Fourth level</a:t>
             </a:r>
           </a:p>
           <a:p>
             <a:pPr lvl="4"/>
             <a:r>
-              <a:rPr lang="en-US" smtClean="0"/>
+              <a:rPr lang="en-US"/>
               <a:t>Fifth level</a:t>
             </a:r>
-            <a:endParaRPr lang="en-US"/>
+            <a:endParaRPr lang="en-US" dirty="0"/>
           </a:p>
         </p:txBody>
       </p:sp>
@@ -468,7 +3655,7 @@
     </p:spTree>
     <p:extLst>
       <p:ext uri="{BB962C8B-B14F-4D97-AF65-F5344CB8AC3E}">
-        <p14:creationId xmlns:p14="http://schemas.microsoft.com/office/powerpoint/2010/main" val="988444454"/>
+        <p14:creationId xmlns:p14="http://schemas.microsoft.com/office/powerpoint/2010/main" val="3943132033"/>
       </p:ext>
     </p:extLst>
   </p:cSld>
@@ -478,8 +3665,8 @@
 </p:sldLayout>
 </file>
 
-<file path=ppt/slideLayouts/slideLayout11.xml><?xml version="1.0" encoding="utf-8"?>
-<p:sldLayout xmlns:a="http://schemas.openxmlformats.org/drawingml/2006/main" xmlns:r="http://schemas.openxmlformats.org/officeDocument/2006/relationships" xmlns:p="http://schemas.openxmlformats.org/presentationml/2006/main" type="vertTitleAndTx" preserve="1">
+<file path=ppt/slideLayouts/slideLayout17.xml><?xml version="1.0" encoding="utf-8"?>
+<p:sldLayout xmlns:a="http://schemas.openxmlformats.org/drawingml/2006/main" xmlns:r="http://schemas.openxmlformats.org/officeDocument/2006/relationships" xmlns:p="http://schemas.openxmlformats.org/presentationml/2006/main" showMasterSp="0" type="vertTitleAndTx" preserve="1">
   <p:cSld name="Vertical Title and Text">
     <p:spTree>
       <p:nvGrpSpPr>
@@ -495,6 +3682,36 @@
           <a:chExt cx="0" cy="0"/>
         </a:xfrm>
       </p:grpSpPr>
+      <p:pic>
+        <p:nvPicPr>
+          <p:cNvPr id="9" name="Picture 8" descr="C1-HD-BTM.png"/>
+          <p:cNvPicPr>
+            <a:picLocks noChangeAspect="1"/>
+          </p:cNvPicPr>
+          <p:nvPr/>
+        </p:nvPicPr>
+        <p:blipFill>
+          <a:blip r:embed="rId2">
+            <a:extLst>
+              <a:ext uri="{28A0092B-C50C-407E-A947-70E740481C1C}">
+                <a14:useLocalDpi xmlns:a14="http://schemas.microsoft.com/office/drawing/2010/main" val="0"/>
+              </a:ext>
+            </a:extLst>
+          </a:blip>
+          <a:stretch>
+            <a:fillRect/>
+          </a:stretch>
+        </p:blipFill>
+        <p:spPr>
+          <a:xfrm>
+            <a:off x="0" y="4375150"/>
+            <a:ext cx="12192000" cy="2482850"/>
+          </a:xfrm>
+          <a:prstGeom prst="rect">
+            <a:avLst/>
+          </a:prstGeom>
+        </p:spPr>
+      </p:pic>
       <p:sp>
         <p:nvSpPr>
           <p:cNvPr id="2" name="Vertical Title 1"/>
@@ -507,19 +3724,23 @@
         </p:nvSpPr>
         <p:spPr>
           <a:xfrm>
-            <a:off x="8724900" y="365125"/>
-            <a:ext cx="2628900" cy="5811838"/>
+            <a:off x="9448800" y="745066"/>
+            <a:ext cx="2057400" cy="3903133"/>
           </a:xfrm>
         </p:spPr>
         <p:txBody>
           <a:bodyPr vert="eaVert"/>
-          <a:lstStyle/>
-          <a:p>
-            <a:r>
-              <a:rPr lang="en-US" smtClean="0"/>
+          <a:lstStyle>
+            <a:lvl1pPr algn="l">
+              <a:defRPr/>
+            </a:lvl1pPr>
+          </a:lstStyle>
+          <a:p>
+            <a:r>
+              <a:rPr lang="en-US"/>
               <a:t>Click to edit Master title style</a:t>
             </a:r>
-            <a:endParaRPr lang="en-US"/>
+            <a:endParaRPr lang="en-US" dirty="0"/>
           </a:p>
         </p:txBody>
       </p:sp>
@@ -535,8 +3756,8 @@
         </p:nvSpPr>
         <p:spPr>
           <a:xfrm>
-            <a:off x="838200" y="365125"/>
-            <a:ext cx="7734300" cy="5811838"/>
+            <a:off x="1024466" y="745067"/>
+            <a:ext cx="8204201" cy="3903133"/>
           </a:xfrm>
         </p:spPr>
         <p:txBody>
@@ -545,38 +3766,38 @@
           <a:p>
             <a:pPr lvl="0"/>
             <a:r>
-              <a:rPr lang="en-US" smtClean="0"/>
+              <a:rPr lang="en-US"/>
               <a:t>Edit Master text styles</a:t>
             </a:r>
           </a:p>
           <a:p>
             <a:pPr lvl="1"/>
             <a:r>
-              <a:rPr lang="en-US" smtClean="0"/>
+              <a:rPr lang="en-US"/>
               <a:t>Second level</a:t>
             </a:r>
           </a:p>
           <a:p>
             <a:pPr lvl="2"/>
             <a:r>
-              <a:rPr lang="en-US" smtClean="0"/>
+              <a:rPr lang="en-US"/>
               <a:t>Third level</a:t>
             </a:r>
           </a:p>
           <a:p>
             <a:pPr lvl="3"/>
             <a:r>
-              <a:rPr lang="en-US" smtClean="0"/>
+              <a:rPr lang="en-US"/>
               <a:t>Fourth level</a:t>
             </a:r>
           </a:p>
           <a:p>
             <a:pPr lvl="4"/>
             <a:r>
-              <a:rPr lang="en-US" smtClean="0"/>
+              <a:rPr lang="en-US"/>
               <a:t>Fifth level</a:t>
             </a:r>
-            <a:endParaRPr lang="en-US"/>
+            <a:endParaRPr lang="en-US" dirty="0"/>
           </a:p>
         </p:txBody>
       </p:sp>
@@ -590,10 +3811,19 @@
             <p:ph type="dt" sz="half" idx="10"/>
           </p:nvPr>
         </p:nvSpPr>
-        <p:spPr/>
-        <p:txBody>
-          <a:bodyPr/>
-          <a:lstStyle/>
+        <p:spPr>
+          <a:xfrm>
+            <a:off x="7814452" y="379941"/>
+            <a:ext cx="2910840" cy="365125"/>
+          </a:xfrm>
+        </p:spPr>
+        <p:txBody>
+          <a:bodyPr/>
+          <a:lstStyle>
+            <a:lvl1pPr algn="r">
+              <a:defRPr/>
+            </a:lvl1pPr>
+          </a:lstStyle>
           <a:p>
             <a:fld id="{89526FFA-F7FC-4389-A6FC-2493F8B7F012}" type="datetimeFigureOut">
               <a:rPr lang="en-US" smtClean="0"/>
@@ -613,7 +3843,12 @@
             <p:ph type="ftr" sz="quarter" idx="11"/>
           </p:nvPr>
         </p:nvSpPr>
-        <p:spPr/>
+        <p:spPr>
+          <a:xfrm>
+            <a:off x="685800" y="381000"/>
+            <a:ext cx="6991492" cy="365125"/>
+          </a:xfrm>
+        </p:spPr>
         <p:txBody>
           <a:bodyPr/>
           <a:lstStyle/>
@@ -632,7 +3867,12 @@
             <p:ph type="sldNum" sz="quarter" idx="12"/>
           </p:nvPr>
         </p:nvSpPr>
-        <p:spPr/>
+        <p:spPr>
+          <a:xfrm>
+            <a:off x="10862452" y="381000"/>
+            <a:ext cx="643748" cy="365125"/>
+          </a:xfrm>
+        </p:spPr>
         <p:txBody>
           <a:bodyPr/>
           <a:lstStyle/>
@@ -648,7 +3888,7 @@
     </p:spTree>
     <p:extLst>
       <p:ext uri="{BB962C8B-B14F-4D97-AF65-F5344CB8AC3E}">
-        <p14:creationId xmlns:p14="http://schemas.microsoft.com/office/powerpoint/2010/main" val="500326872"/>
+        <p14:creationId xmlns:p14="http://schemas.microsoft.com/office/powerpoint/2010/main" val="4032499098"/>
       </p:ext>
     </p:extLst>
   </p:cSld>
@@ -691,10 +3931,10 @@
           <a:lstStyle/>
           <a:p>
             <a:r>
-              <a:rPr lang="en-US" smtClean="0"/>
+              <a:rPr lang="en-US"/>
               <a:t>Click to edit Master title style</a:t>
             </a:r>
-            <a:endParaRPr lang="en-US"/>
+            <a:endParaRPr lang="en-US" dirty="0"/>
           </a:p>
         </p:txBody>
       </p:sp>
@@ -715,38 +3955,38 @@
           <a:p>
             <a:pPr lvl="0"/>
             <a:r>
-              <a:rPr lang="en-US" smtClean="0"/>
+              <a:rPr lang="en-US"/>
               <a:t>Edit Master text styles</a:t>
             </a:r>
           </a:p>
           <a:p>
             <a:pPr lvl="1"/>
             <a:r>
-              <a:rPr lang="en-US" smtClean="0"/>
+              <a:rPr lang="en-US"/>
               <a:t>Second level</a:t>
             </a:r>
           </a:p>
           <a:p>
             <a:pPr lvl="2"/>
             <a:r>
-              <a:rPr lang="en-US" smtClean="0"/>
+              <a:rPr lang="en-US"/>
               <a:t>Third level</a:t>
             </a:r>
           </a:p>
           <a:p>
             <a:pPr lvl="3"/>
             <a:r>
-              <a:rPr lang="en-US" smtClean="0"/>
+              <a:rPr lang="en-US"/>
               <a:t>Fourth level</a:t>
             </a:r>
           </a:p>
           <a:p>
             <a:pPr lvl="4"/>
             <a:r>
-              <a:rPr lang="en-US" smtClean="0"/>
+              <a:rPr lang="en-US"/>
               <a:t>Fifth level</a:t>
             </a:r>
-            <a:endParaRPr lang="en-US"/>
+            <a:endParaRPr lang="en-US" dirty="0"/>
           </a:p>
         </p:txBody>
       </p:sp>
@@ -818,7 +4058,7 @@
     </p:spTree>
     <p:extLst>
       <p:ext uri="{BB962C8B-B14F-4D97-AF65-F5344CB8AC3E}">
-        <p14:creationId xmlns:p14="http://schemas.microsoft.com/office/powerpoint/2010/main" val="1908367706"/>
+        <p14:creationId xmlns:p14="http://schemas.microsoft.com/office/powerpoint/2010/main" val="3639383461"/>
       </p:ext>
     </p:extLst>
   </p:cSld>
@@ -829,7 +4069,7 @@
 </file>
 
 <file path=ppt/slideLayouts/slideLayout3.xml><?xml version="1.0" encoding="utf-8"?>
-<p:sldLayout xmlns:a="http://schemas.openxmlformats.org/drawingml/2006/main" xmlns:r="http://schemas.openxmlformats.org/officeDocument/2006/relationships" xmlns:p="http://schemas.openxmlformats.org/presentationml/2006/main" type="secHead" preserve="1">
+<p:sldLayout xmlns:a="http://schemas.openxmlformats.org/drawingml/2006/main" xmlns:r="http://schemas.openxmlformats.org/officeDocument/2006/relationships" xmlns:p="http://schemas.openxmlformats.org/presentationml/2006/main" showMasterSp="0" type="secHead" preserve="1">
   <p:cSld name="Section Header">
     <p:spTree>
       <p:nvGrpSpPr>
@@ -845,6 +4085,36 @@
           <a:chExt cx="0" cy="0"/>
         </a:xfrm>
       </p:grpSpPr>
+      <p:pic>
+        <p:nvPicPr>
+          <p:cNvPr id="8" name="Picture 7" descr="C1-HD-BTM.png"/>
+          <p:cNvPicPr>
+            <a:picLocks noChangeAspect="1"/>
+          </p:cNvPicPr>
+          <p:nvPr/>
+        </p:nvPicPr>
+        <p:blipFill>
+          <a:blip r:embed="rId2">
+            <a:extLst>
+              <a:ext uri="{28A0092B-C50C-407E-A947-70E740481C1C}">
+                <a14:useLocalDpi xmlns:a14="http://schemas.microsoft.com/office/drawing/2010/main" val="0"/>
+              </a:ext>
+            </a:extLst>
+          </a:blip>
+          <a:stretch>
+            <a:fillRect/>
+          </a:stretch>
+        </p:blipFill>
+        <p:spPr>
+          <a:xfrm>
+            <a:off x="0" y="4375150"/>
+            <a:ext cx="12192000" cy="2482850"/>
+          </a:xfrm>
+          <a:prstGeom prst="rect">
+            <a:avLst/>
+          </a:prstGeom>
+        </p:spPr>
+      </p:pic>
       <p:sp>
         <p:nvSpPr>
           <p:cNvPr id="2" name="Title 1"/>
@@ -857,23 +4127,25 @@
         </p:nvSpPr>
         <p:spPr>
           <a:xfrm>
-            <a:off x="831850" y="1709738"/>
-            <a:ext cx="10515600" cy="2852737"/>
-          </a:xfrm>
-        </p:spPr>
-        <p:txBody>
-          <a:bodyPr anchor="b"/>
+            <a:off x="685800" y="753533"/>
+            <a:ext cx="10820399" cy="2801935"/>
+          </a:xfrm>
+        </p:spPr>
+        <p:txBody>
+          <a:bodyPr anchor="b">
+            <a:normAutofit/>
+          </a:bodyPr>
           <a:lstStyle>
-            <a:lvl1pPr>
-              <a:defRPr sz="6000"/>
+            <a:lvl1pPr algn="r">
+              <a:defRPr sz="4000"/>
             </a:lvl1pPr>
           </a:lstStyle>
           <a:p>
             <a:r>
-              <a:rPr lang="en-US" smtClean="0"/>
+              <a:rPr lang="en-US"/>
               <a:t>Click to edit Master title style</a:t>
             </a:r>
-            <a:endParaRPr lang="en-US"/>
+            <a:endParaRPr lang="en-US" dirty="0"/>
           </a:p>
         </p:txBody>
       </p:sp>
@@ -889,16 +4161,18 @@
         </p:nvSpPr>
         <p:spPr>
           <a:xfrm>
-            <a:off x="831850" y="4589463"/>
-            <a:ext cx="10515600" cy="1500187"/>
-          </a:xfrm>
-        </p:spPr>
-        <p:txBody>
-          <a:bodyPr/>
+            <a:off x="1024467" y="3641725"/>
+            <a:ext cx="10490200" cy="955675"/>
+          </a:xfrm>
+        </p:spPr>
+        <p:txBody>
+          <a:bodyPr>
+            <a:normAutofit/>
+          </a:bodyPr>
           <a:lstStyle>
-            <a:lvl1pPr marL="0" indent="0">
-              <a:buNone/>
-              <a:defRPr sz="2400">
+            <a:lvl1pPr marL="0" indent="0" algn="r">
+              <a:buNone/>
+              <a:defRPr sz="2200">
                 <a:solidFill>
                   <a:schemeClr val="tx1">
                     <a:tint val="75000"/>
@@ -990,7 +4264,7 @@
           <a:p>
             <a:pPr lvl="0"/>
             <a:r>
-              <a:rPr lang="en-US" smtClean="0"/>
+              <a:rPr lang="en-US"/>
               <a:t>Edit Master text styles</a:t>
             </a:r>
           </a:p>
@@ -1006,10 +4280,19 @@
             <p:ph type="dt" sz="half" idx="10"/>
           </p:nvPr>
         </p:nvSpPr>
-        <p:spPr/>
-        <p:txBody>
-          <a:bodyPr/>
-          <a:lstStyle/>
+        <p:spPr>
+          <a:xfrm>
+            <a:off x="7814452" y="381000"/>
+            <a:ext cx="2910840" cy="365125"/>
+          </a:xfrm>
+        </p:spPr>
+        <p:txBody>
+          <a:bodyPr/>
+          <a:lstStyle>
+            <a:lvl1pPr algn="r">
+              <a:defRPr/>
+            </a:lvl1pPr>
+          </a:lstStyle>
           <a:p>
             <a:fld id="{89526FFA-F7FC-4389-A6FC-2493F8B7F012}" type="datetimeFigureOut">
               <a:rPr lang="en-US" smtClean="0"/>
@@ -1029,7 +4312,12 @@
             <p:ph type="ftr" sz="quarter" idx="11"/>
           </p:nvPr>
         </p:nvSpPr>
-        <p:spPr/>
+        <p:spPr>
+          <a:xfrm>
+            <a:off x="685800" y="381001"/>
+            <a:ext cx="6991492" cy="364065"/>
+          </a:xfrm>
+        </p:spPr>
         <p:txBody>
           <a:bodyPr/>
           <a:lstStyle/>
@@ -1048,7 +4336,12 @@
             <p:ph type="sldNum" sz="quarter" idx="12"/>
           </p:nvPr>
         </p:nvSpPr>
-        <p:spPr/>
+        <p:spPr>
+          <a:xfrm>
+            <a:off x="10862452" y="381000"/>
+            <a:ext cx="643748" cy="365125"/>
+          </a:xfrm>
+        </p:spPr>
         <p:txBody>
           <a:bodyPr/>
           <a:lstStyle/>
@@ -1064,7 +4357,7 @@
     </p:spTree>
     <p:extLst>
       <p:ext uri="{BB962C8B-B14F-4D97-AF65-F5344CB8AC3E}">
-        <p14:creationId xmlns:p14="http://schemas.microsoft.com/office/powerpoint/2010/main" val="3754847200"/>
+        <p14:creationId xmlns:p14="http://schemas.microsoft.com/office/powerpoint/2010/main" val="1697017963"/>
       </p:ext>
     </p:extLst>
   </p:cSld>
@@ -1107,10 +4400,10 @@
           <a:lstStyle/>
           <a:p>
             <a:r>
-              <a:rPr lang="en-US" smtClean="0"/>
+              <a:rPr lang="en-US"/>
               <a:t>Click to edit Master title style</a:t>
             </a:r>
-            <a:endParaRPr lang="en-US"/>
+            <a:endParaRPr lang="en-US" dirty="0"/>
           </a:p>
         </p:txBody>
       </p:sp>
@@ -1126,8 +4419,8 @@
         </p:nvSpPr>
         <p:spPr>
           <a:xfrm>
-            <a:off x="838200" y="1825625"/>
-            <a:ext cx="5181600" cy="4351338"/>
+            <a:off x="685800" y="2194559"/>
+            <a:ext cx="5334000" cy="4024125"/>
           </a:xfrm>
         </p:spPr>
         <p:txBody>
@@ -1136,38 +4429,38 @@
           <a:p>
             <a:pPr lvl="0"/>
             <a:r>
-              <a:rPr lang="en-US" smtClean="0"/>
+              <a:rPr lang="en-US"/>
               <a:t>Edit Master text styles</a:t>
             </a:r>
           </a:p>
           <a:p>
             <a:pPr lvl="1"/>
             <a:r>
-              <a:rPr lang="en-US" smtClean="0"/>
+              <a:rPr lang="en-US"/>
               <a:t>Second level</a:t>
             </a:r>
           </a:p>
           <a:p>
             <a:pPr lvl="2"/>
             <a:r>
-              <a:rPr lang="en-US" smtClean="0"/>
+              <a:rPr lang="en-US"/>
               <a:t>Third level</a:t>
             </a:r>
           </a:p>
           <a:p>
             <a:pPr lvl="3"/>
             <a:r>
-              <a:rPr lang="en-US" smtClean="0"/>
+              <a:rPr lang="en-US"/>
               <a:t>Fourth level</a:t>
             </a:r>
           </a:p>
           <a:p>
             <a:pPr lvl="4"/>
             <a:r>
-              <a:rPr lang="en-US" smtClean="0"/>
+              <a:rPr lang="en-US"/>
               <a:t>Fifth level</a:t>
             </a:r>
-            <a:endParaRPr lang="en-US"/>
+            <a:endParaRPr lang="en-US" dirty="0"/>
           </a:p>
         </p:txBody>
       </p:sp>
@@ -1183,8 +4476,8 @@
         </p:nvSpPr>
         <p:spPr>
           <a:xfrm>
-            <a:off x="6172200" y="1825625"/>
-            <a:ext cx="5181600" cy="4351338"/>
+            <a:off x="6172200" y="2194559"/>
+            <a:ext cx="5334000" cy="4024125"/>
           </a:xfrm>
         </p:spPr>
         <p:txBody>
@@ -1193,38 +4486,38 @@
           <a:p>
             <a:pPr lvl="0"/>
             <a:r>
-              <a:rPr lang="en-US" smtClean="0"/>
+              <a:rPr lang="en-US"/>
               <a:t>Edit Master text styles</a:t>
             </a:r>
           </a:p>
           <a:p>
             <a:pPr lvl="1"/>
             <a:r>
-              <a:rPr lang="en-US" smtClean="0"/>
+              <a:rPr lang="en-US"/>
               <a:t>Second level</a:t>
             </a:r>
           </a:p>
           <a:p>
             <a:pPr lvl="2"/>
             <a:r>
-              <a:rPr lang="en-US" smtClean="0"/>
+              <a:rPr lang="en-US"/>
               <a:t>Third level</a:t>
             </a:r>
           </a:p>
           <a:p>
             <a:pPr lvl="3"/>
             <a:r>
-              <a:rPr lang="en-US" smtClean="0"/>
+              <a:rPr lang="en-US"/>
               <a:t>Fourth level</a:t>
             </a:r>
           </a:p>
           <a:p>
             <a:pPr lvl="4"/>
             <a:r>
-              <a:rPr lang="en-US" smtClean="0"/>
+              <a:rPr lang="en-US"/>
               <a:t>Fifth level</a:t>
             </a:r>
-            <a:endParaRPr lang="en-US"/>
+            <a:endParaRPr lang="en-US" dirty="0"/>
           </a:p>
         </p:txBody>
       </p:sp>
@@ -1296,7 +4589,7 @@
     </p:spTree>
     <p:extLst>
       <p:ext uri="{BB962C8B-B14F-4D97-AF65-F5344CB8AC3E}">
-        <p14:creationId xmlns:p14="http://schemas.microsoft.com/office/powerpoint/2010/main" val="1924862282"/>
+        <p14:creationId xmlns:p14="http://schemas.microsoft.com/office/powerpoint/2010/main" val="2590820119"/>
       </p:ext>
     </p:extLst>
   </p:cSld>
@@ -1335,19 +4628,19 @@
         </p:nvSpPr>
         <p:spPr>
           <a:xfrm>
-            <a:off x="839788" y="365125"/>
-            <a:ext cx="10515600" cy="1325563"/>
-          </a:xfrm>
-        </p:spPr>
-        <p:txBody>
-          <a:bodyPr/>
-          <a:lstStyle/>
-          <a:p>
-            <a:r>
-              <a:rPr lang="en-US" smtClean="0"/>
+            <a:off x="2895600" y="762000"/>
+            <a:ext cx="8610600" cy="1295400"/>
+          </a:xfrm>
+        </p:spPr>
+        <p:txBody>
+          <a:bodyPr/>
+          <a:lstStyle/>
+          <a:p>
+            <a:r>
+              <a:rPr lang="en-US"/>
               <a:t>Click to edit Master title style</a:t>
             </a:r>
-            <a:endParaRPr lang="en-US"/>
+            <a:endParaRPr lang="en-US" dirty="0"/>
           </a:p>
         </p:txBody>
       </p:sp>
@@ -1363,16 +4656,22 @@
         </p:nvSpPr>
         <p:spPr>
           <a:xfrm>
-            <a:off x="839788" y="1681163"/>
-            <a:ext cx="5157787" cy="823912"/>
-          </a:xfrm>
-        </p:spPr>
-        <p:txBody>
-          <a:bodyPr anchor="b"/>
+            <a:off x="914409" y="2183802"/>
+            <a:ext cx="5079991" cy="823912"/>
+          </a:xfrm>
+        </p:spPr>
+        <p:txBody>
+          <a:bodyPr anchor="b">
+            <a:normAutofit/>
+          </a:bodyPr>
           <a:lstStyle>
             <a:lvl1pPr marL="0" indent="0">
               <a:buNone/>
-              <a:defRPr sz="2400" b="1"/>
+              <a:defRPr sz="2800" b="0">
+                <a:solidFill>
+                  <a:schemeClr val="tx1"/>
+                </a:solidFill>
+              </a:defRPr>
             </a:lvl1pPr>
             <a:lvl2pPr marL="457200" indent="0">
               <a:buNone/>
@@ -1410,7 +4709,7 @@
           <a:p>
             <a:pPr lvl="0"/>
             <a:r>
-              <a:rPr lang="en-US" smtClean="0"/>
+              <a:rPr lang="en-US"/>
               <a:t>Edit Master text styles</a:t>
             </a:r>
           </a:p>
@@ -1428,8 +4727,8 @@
         </p:nvSpPr>
         <p:spPr>
           <a:xfrm>
-            <a:off x="839788" y="2505075"/>
-            <a:ext cx="5157787" cy="3684588"/>
+            <a:off x="685800" y="3132666"/>
+            <a:ext cx="5311775" cy="3086019"/>
           </a:xfrm>
         </p:spPr>
         <p:txBody>
@@ -1438,38 +4737,38 @@
           <a:p>
             <a:pPr lvl="0"/>
             <a:r>
-              <a:rPr lang="en-US" smtClean="0"/>
+              <a:rPr lang="en-US"/>
               <a:t>Edit Master text styles</a:t>
             </a:r>
           </a:p>
           <a:p>
             <a:pPr lvl="1"/>
             <a:r>
-              <a:rPr lang="en-US" smtClean="0"/>
+              <a:rPr lang="en-US"/>
               <a:t>Second level</a:t>
             </a:r>
           </a:p>
           <a:p>
             <a:pPr lvl="2"/>
             <a:r>
-              <a:rPr lang="en-US" smtClean="0"/>
+              <a:rPr lang="en-US"/>
               <a:t>Third level</a:t>
             </a:r>
           </a:p>
           <a:p>
             <a:pPr lvl="3"/>
             <a:r>
-              <a:rPr lang="en-US" smtClean="0"/>
+              <a:rPr lang="en-US"/>
               <a:t>Fourth level</a:t>
             </a:r>
           </a:p>
           <a:p>
             <a:pPr lvl="4"/>
             <a:r>
-              <a:rPr lang="en-US" smtClean="0"/>
+              <a:rPr lang="en-US"/>
               <a:t>Fifth level</a:t>
             </a:r>
-            <a:endParaRPr lang="en-US"/>
+            <a:endParaRPr lang="en-US" dirty="0"/>
           </a:p>
         </p:txBody>
       </p:sp>
@@ -1485,16 +4784,22 @@
         </p:nvSpPr>
         <p:spPr>
           <a:xfrm>
-            <a:off x="6172200" y="1681163"/>
-            <a:ext cx="5183188" cy="823912"/>
-          </a:xfrm>
-        </p:spPr>
-        <p:txBody>
-          <a:bodyPr anchor="b"/>
+            <a:off x="6400800" y="2183802"/>
+            <a:ext cx="5105400" cy="823912"/>
+          </a:xfrm>
+        </p:spPr>
+        <p:txBody>
+          <a:bodyPr anchor="b">
+            <a:normAutofit/>
+          </a:bodyPr>
           <a:lstStyle>
             <a:lvl1pPr marL="0" indent="0">
               <a:buNone/>
-              <a:defRPr sz="2400" b="1"/>
+              <a:defRPr sz="2800" b="0">
+                <a:solidFill>
+                  <a:schemeClr val="tx1"/>
+                </a:solidFill>
+              </a:defRPr>
             </a:lvl1pPr>
             <a:lvl2pPr marL="457200" indent="0">
               <a:buNone/>
@@ -1532,7 +4837,7 @@
           <a:p>
             <a:pPr lvl="0"/>
             <a:r>
-              <a:rPr lang="en-US" smtClean="0"/>
+              <a:rPr lang="en-US"/>
               <a:t>Edit Master text styles</a:t>
             </a:r>
           </a:p>
@@ -1550,8 +4855,8 @@
         </p:nvSpPr>
         <p:spPr>
           <a:xfrm>
-            <a:off x="6172200" y="2505075"/>
-            <a:ext cx="5183188" cy="3684588"/>
+            <a:off x="6172200" y="3132666"/>
+            <a:ext cx="5334000" cy="3086019"/>
           </a:xfrm>
         </p:spPr>
         <p:txBody>
@@ -1560,38 +4865,38 @@
           <a:p>
             <a:pPr lvl="0"/>
             <a:r>
-              <a:rPr lang="en-US" smtClean="0"/>
+              <a:rPr lang="en-US"/>
               <a:t>Edit Master text styles</a:t>
             </a:r>
           </a:p>
           <a:p>
             <a:pPr lvl="1"/>
             <a:r>
-              <a:rPr lang="en-US" smtClean="0"/>
+              <a:rPr lang="en-US"/>
               <a:t>Second level</a:t>
             </a:r>
           </a:p>
           <a:p>
             <a:pPr lvl="2"/>
             <a:r>
-              <a:rPr lang="en-US" smtClean="0"/>
+              <a:rPr lang="en-US"/>
               <a:t>Third level</a:t>
             </a:r>
           </a:p>
           <a:p>
             <a:pPr lvl="3"/>
             <a:r>
-              <a:rPr lang="en-US" smtClean="0"/>
+              <a:rPr lang="en-US"/>
               <a:t>Fourth level</a:t>
             </a:r>
           </a:p>
           <a:p>
             <a:pPr lvl="4"/>
             <a:r>
-              <a:rPr lang="en-US" smtClean="0"/>
+              <a:rPr lang="en-US"/>
               <a:t>Fifth level</a:t>
             </a:r>
-            <a:endParaRPr lang="en-US"/>
+            <a:endParaRPr lang="en-US" dirty="0"/>
           </a:p>
         </p:txBody>
       </p:sp>
@@ -1663,7 +4968,7 @@
     </p:spTree>
     <p:extLst>
       <p:ext uri="{BB962C8B-B14F-4D97-AF65-F5344CB8AC3E}">
-        <p14:creationId xmlns:p14="http://schemas.microsoft.com/office/powerpoint/2010/main" val="4128175100"/>
+        <p14:creationId xmlns:p14="http://schemas.microsoft.com/office/powerpoint/2010/main" val="2200188195"/>
       </p:ext>
     </p:extLst>
   </p:cSld>
@@ -1706,10 +5011,10 @@
           <a:lstStyle/>
           <a:p>
             <a:r>
-              <a:rPr lang="en-US" smtClean="0"/>
+              <a:rPr lang="en-US"/>
               <a:t>Click to edit Master title style</a:t>
             </a:r>
-            <a:endParaRPr lang="en-US"/>
+            <a:endParaRPr lang="en-US" dirty="0"/>
           </a:p>
         </p:txBody>
       </p:sp>
@@ -1781,7 +5086,7 @@
     </p:spTree>
     <p:extLst>
       <p:ext uri="{BB962C8B-B14F-4D97-AF65-F5344CB8AC3E}">
-        <p14:creationId xmlns:p14="http://schemas.microsoft.com/office/powerpoint/2010/main" val="829837018"/>
+        <p14:creationId xmlns:p14="http://schemas.microsoft.com/office/powerpoint/2010/main" val="739999165"/>
       </p:ext>
     </p:extLst>
   </p:cSld>
@@ -1876,7 +5181,7 @@
     </p:spTree>
     <p:extLst>
       <p:ext uri="{BB962C8B-B14F-4D97-AF65-F5344CB8AC3E}">
-        <p14:creationId xmlns:p14="http://schemas.microsoft.com/office/powerpoint/2010/main" val="3257734642"/>
+        <p14:creationId xmlns:p14="http://schemas.microsoft.com/office/powerpoint/2010/main" val="2518258871"/>
       </p:ext>
     </p:extLst>
   </p:cSld>
@@ -1915,23 +5220,23 @@
         </p:nvSpPr>
         <p:spPr>
           <a:xfrm>
-            <a:off x="839788" y="457200"/>
-            <a:ext cx="3932237" cy="1600200"/>
+            <a:off x="685800" y="1524000"/>
+            <a:ext cx="4114800" cy="1600200"/>
           </a:xfrm>
         </p:spPr>
         <p:txBody>
           <a:bodyPr anchor="b"/>
           <a:lstStyle>
-            <a:lvl1pPr>
+            <a:lvl1pPr algn="l">
               <a:defRPr sz="3200"/>
             </a:lvl1pPr>
           </a:lstStyle>
           <a:p>
             <a:r>
-              <a:rPr lang="en-US" smtClean="0"/>
+              <a:rPr lang="en-US"/>
               <a:t>Click to edit Master title style</a:t>
             </a:r>
-            <a:endParaRPr lang="en-US"/>
+            <a:endParaRPr lang="en-US" dirty="0"/>
           </a:p>
         </p:txBody>
       </p:sp>
@@ -1947,76 +5252,48 @@
         </p:nvSpPr>
         <p:spPr>
           <a:xfrm>
-            <a:off x="5183188" y="987425"/>
-            <a:ext cx="6172200" cy="4873625"/>
-          </a:xfrm>
-        </p:spPr>
-        <p:txBody>
-          <a:bodyPr/>
-          <a:lstStyle>
-            <a:lvl1pPr>
-              <a:defRPr sz="3200"/>
-            </a:lvl1pPr>
-            <a:lvl2pPr>
-              <a:defRPr sz="2800"/>
-            </a:lvl2pPr>
-            <a:lvl3pPr>
-              <a:defRPr sz="2400"/>
-            </a:lvl3pPr>
-            <a:lvl4pPr>
-              <a:defRPr sz="2000"/>
-            </a:lvl4pPr>
-            <a:lvl5pPr>
-              <a:defRPr sz="2000"/>
-            </a:lvl5pPr>
-            <a:lvl6pPr>
-              <a:defRPr sz="2000"/>
-            </a:lvl6pPr>
-            <a:lvl7pPr>
-              <a:defRPr sz="2000"/>
-            </a:lvl7pPr>
-            <a:lvl8pPr>
-              <a:defRPr sz="2000"/>
-            </a:lvl8pPr>
-            <a:lvl9pPr>
-              <a:defRPr sz="2000"/>
-            </a:lvl9pPr>
-          </a:lstStyle>
+            <a:off x="4995582" y="746759"/>
+            <a:ext cx="6510618" cy="5471925"/>
+          </a:xfrm>
+        </p:spPr>
+        <p:txBody>
+          <a:bodyPr anchor="ctr"/>
+          <a:lstStyle/>
           <a:p>
             <a:pPr lvl="0"/>
             <a:r>
-              <a:rPr lang="en-US" smtClean="0"/>
+              <a:rPr lang="en-US"/>
               <a:t>Edit Master text styles</a:t>
             </a:r>
           </a:p>
           <a:p>
             <a:pPr lvl="1"/>
             <a:r>
-              <a:rPr lang="en-US" smtClean="0"/>
+              <a:rPr lang="en-US"/>
               <a:t>Second level</a:t>
             </a:r>
           </a:p>
           <a:p>
             <a:pPr lvl="2"/>
             <a:r>
-              <a:rPr lang="en-US" smtClean="0"/>
+              <a:rPr lang="en-US"/>
               <a:t>Third level</a:t>
             </a:r>
           </a:p>
           <a:p>
             <a:pPr lvl="3"/>
             <a:r>
-              <a:rPr lang="en-US" smtClean="0"/>
+              <a:rPr lang="en-US"/>
               <a:t>Fourth level</a:t>
             </a:r>
           </a:p>
           <a:p>
             <a:pPr lvl="4"/>
             <a:r>
-              <a:rPr lang="en-US" smtClean="0"/>
+              <a:rPr lang="en-US"/>
               <a:t>Fifth level</a:t>
             </a:r>
-            <a:endParaRPr lang="en-US"/>
+            <a:endParaRPr lang="en-US" dirty="0"/>
           </a:p>
         </p:txBody>
       </p:sp>
@@ -2032,8 +5309,8 @@
         </p:nvSpPr>
         <p:spPr>
           <a:xfrm>
-            <a:off x="839788" y="2057400"/>
-            <a:ext cx="3932237" cy="3811588"/>
+            <a:off x="685800" y="3124199"/>
+            <a:ext cx="4114800" cy="3094485"/>
           </a:xfrm>
         </p:spPr>
         <p:txBody>
@@ -2079,7 +5356,7 @@
           <a:p>
             <a:pPr lvl="0"/>
             <a:r>
-              <a:rPr lang="en-US" smtClean="0"/>
+              <a:rPr lang="en-US"/>
               <a:t>Edit Master text styles</a:t>
             </a:r>
           </a:p>
@@ -2153,7 +5430,7 @@
     </p:spTree>
     <p:extLst>
       <p:ext uri="{BB962C8B-B14F-4D97-AF65-F5344CB8AC3E}">
-        <p14:creationId xmlns:p14="http://schemas.microsoft.com/office/powerpoint/2010/main" val="1113487696"/>
+        <p14:creationId xmlns:p14="http://schemas.microsoft.com/office/powerpoint/2010/main" val="1806899555"/>
       </p:ext>
     </p:extLst>
   </p:cSld>
@@ -2192,23 +5469,23 @@
         </p:nvSpPr>
         <p:spPr>
           <a:xfrm>
-            <a:off x="839788" y="457200"/>
-            <a:ext cx="3932237" cy="1600200"/>
+            <a:off x="685800" y="1524000"/>
+            <a:ext cx="6873240" cy="1600200"/>
           </a:xfrm>
         </p:spPr>
         <p:txBody>
           <a:bodyPr anchor="b"/>
           <a:lstStyle>
-            <a:lvl1pPr>
+            <a:lvl1pPr algn="l">
               <a:defRPr sz="3200"/>
             </a:lvl1pPr>
           </a:lstStyle>
           <a:p>
             <a:r>
-              <a:rPr lang="en-US" smtClean="0"/>
+              <a:rPr lang="en-US"/>
               <a:t>Click to edit Master title style</a:t>
             </a:r>
-            <a:endParaRPr lang="en-US"/>
+            <a:endParaRPr lang="en-US" dirty="0"/>
           </a:p>
         </p:txBody>
       </p:sp>
@@ -2216,7 +5493,7 @@
         <p:nvSpPr>
           <p:cNvPr id="3" name="Picture Placeholder 2"/>
           <p:cNvSpPr>
-            <a:spLocks noGrp="1"/>
+            <a:spLocks noGrp="1" noChangeAspect="1"/>
           </p:cNvSpPr>
           <p:nvPr>
             <p:ph type="pic" idx="1"/>
@@ -2224,12 +5501,12 @@
         </p:nvSpPr>
         <p:spPr>
           <a:xfrm>
-            <a:off x="5183188" y="987425"/>
-            <a:ext cx="6172200" cy="4873625"/>
-          </a:xfrm>
-        </p:spPr>
-        <p:txBody>
-          <a:bodyPr/>
+            <a:off x="7861238" y="751241"/>
+            <a:ext cx="3644962" cy="5467443"/>
+          </a:xfrm>
+        </p:spPr>
+        <p:txBody>
+          <a:bodyPr anchor="t"/>
           <a:lstStyle>
             <a:lvl1pPr marL="0" indent="0">
               <a:buNone/>
@@ -2269,7 +5546,11 @@
             </a:lvl9pPr>
           </a:lstStyle>
           <a:p>
-            <a:endParaRPr lang="en-US"/>
+            <a:r>
+              <a:rPr lang="en-US"/>
+              <a:t>Click icon to add picture</a:t>
+            </a:r>
+            <a:endParaRPr lang="en-US" dirty="0"/>
           </a:p>
         </p:txBody>
       </p:sp>
@@ -2285,8 +5566,8 @@
         </p:nvSpPr>
         <p:spPr>
           <a:xfrm>
-            <a:off x="839788" y="2057400"/>
-            <a:ext cx="3932237" cy="3811588"/>
+            <a:off x="685800" y="3124199"/>
+            <a:ext cx="6873240" cy="3094485"/>
           </a:xfrm>
         </p:spPr>
         <p:txBody>
@@ -2332,7 +5613,7 @@
           <a:p>
             <a:pPr lvl="0"/>
             <a:r>
-              <a:rPr lang="en-US" smtClean="0"/>
+              <a:rPr lang="en-US"/>
               <a:t>Edit Master text styles</a:t>
             </a:r>
           </a:p>
@@ -2406,7 +5687,7 @@
     </p:spTree>
     <p:extLst>
       <p:ext uri="{BB962C8B-B14F-4D97-AF65-F5344CB8AC3E}">
-        <p14:creationId xmlns:p14="http://schemas.microsoft.com/office/powerpoint/2010/main" val="4271612730"/>
+        <p14:creationId xmlns:p14="http://schemas.microsoft.com/office/powerpoint/2010/main" val="1032238176"/>
       </p:ext>
     </p:extLst>
   </p:cSld>
@@ -2438,25 +5719,55 @@
           <a:chExt cx="0" cy="0"/>
         </a:xfrm>
       </p:grpSpPr>
-      <p:sp>
-        <p:nvSpPr>
-          <p:cNvPr id="2" name="Title Placeholder 1"/>
-          <p:cNvSpPr>
-            <a:spLocks noGrp="1"/>
-          </p:cNvSpPr>
-          <p:nvPr>
-            <p:ph type="title"/>
-          </p:nvPr>
-        </p:nvSpPr>
-        <p:spPr>
-          <a:xfrm>
-            <a:off x="838200" y="365125"/>
-            <a:ext cx="10515600" cy="1325563"/>
+      <p:pic>
+        <p:nvPicPr>
+          <p:cNvPr id="8" name="Picture 7" descr="C1-HD-TOP.png"/>
+          <p:cNvPicPr>
+            <a:picLocks noChangeAspect="1"/>
+          </p:cNvPicPr>
+          <p:nvPr/>
+        </p:nvPicPr>
+        <p:blipFill>
+          <a:blip r:embed="rId19">
+            <a:extLst>
+              <a:ext uri="{28A0092B-C50C-407E-A947-70E740481C1C}">
+                <a14:useLocalDpi xmlns:a14="http://schemas.microsoft.com/office/drawing/2010/main" val="0"/>
+              </a:ext>
+            </a:extLst>
+          </a:blip>
+          <a:stretch>
+            <a:fillRect/>
+          </a:stretch>
+        </p:blipFill>
+        <p:spPr>
+          <a:xfrm>
+            <a:off x="0" y="0"/>
+            <a:ext cx="12192000" cy="1441450"/>
           </a:xfrm>
           <a:prstGeom prst="rect">
             <a:avLst/>
           </a:prstGeom>
         </p:spPr>
+      </p:pic>
+      <p:sp>
+        <p:nvSpPr>
+          <p:cNvPr id="2" name="Title Placeholder 1"/>
+          <p:cNvSpPr>
+            <a:spLocks noGrp="1"/>
+          </p:cNvSpPr>
+          <p:nvPr>
+            <p:ph type="title"/>
+          </p:nvPr>
+        </p:nvSpPr>
+        <p:spPr>
+          <a:xfrm>
+            <a:off x="2895600" y="764373"/>
+            <a:ext cx="8610600" cy="1293028"/>
+          </a:xfrm>
+          <a:prstGeom prst="rect">
+            <a:avLst/>
+          </a:prstGeom>
+        </p:spPr>
         <p:txBody>
           <a:bodyPr vert="horz" lIns="91440" tIns="45720" rIns="91440" bIns="45720" rtlCol="0" anchor="ctr">
             <a:normAutofit/>
@@ -2464,10 +5775,10 @@
           <a:lstStyle/>
           <a:p>
             <a:r>
-              <a:rPr lang="en-US" smtClean="0"/>
+              <a:rPr lang="en-US"/>
               <a:t>Click to edit Master title style</a:t>
             </a:r>
-            <a:endParaRPr lang="en-US"/>
+            <a:endParaRPr lang="en-US" dirty="0"/>
           </a:p>
         </p:txBody>
       </p:sp>
@@ -2483,8 +5794,8 @@
         </p:nvSpPr>
         <p:spPr>
           <a:xfrm>
-            <a:off x="838200" y="1825625"/>
-            <a:ext cx="10515600" cy="4351338"/>
+            <a:off x="685800" y="2194560"/>
+            <a:ext cx="10820400" cy="4024125"/>
           </a:xfrm>
           <a:prstGeom prst="rect">
             <a:avLst/>
@@ -2498,38 +5809,38 @@
           <a:p>
             <a:pPr lvl="0"/>
             <a:r>
-              <a:rPr lang="en-US" smtClean="0"/>
+              <a:rPr lang="en-US"/>
               <a:t>Edit Master text styles</a:t>
             </a:r>
           </a:p>
           <a:p>
             <a:pPr lvl="1"/>
             <a:r>
-              <a:rPr lang="en-US" smtClean="0"/>
+              <a:rPr lang="en-US"/>
               <a:t>Second level</a:t>
             </a:r>
           </a:p>
           <a:p>
             <a:pPr lvl="2"/>
             <a:r>
-              <a:rPr lang="en-US" smtClean="0"/>
+              <a:rPr lang="en-US"/>
               <a:t>Third level</a:t>
             </a:r>
           </a:p>
           <a:p>
             <a:pPr lvl="3"/>
             <a:r>
-              <a:rPr lang="en-US" smtClean="0"/>
+              <a:rPr lang="en-US"/>
               <a:t>Fourth level</a:t>
             </a:r>
           </a:p>
           <a:p>
             <a:pPr lvl="4"/>
             <a:r>
-              <a:rPr lang="en-US" smtClean="0"/>
+              <a:rPr lang="en-US"/>
               <a:t>Fifth level</a:t>
             </a:r>
-            <a:endParaRPr lang="en-US"/>
+            <a:endParaRPr lang="en-US" dirty="0"/>
           </a:p>
         </p:txBody>
       </p:sp>
@@ -2545,8 +5856,8 @@
         </p:nvSpPr>
         <p:spPr>
           <a:xfrm>
-            <a:off x="838200" y="6356350"/>
-            <a:ext cx="2743200" cy="365125"/>
+            <a:off x="8595360" y="6356350"/>
+            <a:ext cx="2910840" cy="365125"/>
           </a:xfrm>
           <a:prstGeom prst="rect">
             <a:avLst/>
@@ -2555,8 +5866,8 @@
         <p:txBody>
           <a:bodyPr vert="horz" lIns="91440" tIns="45720" rIns="91440" bIns="45720" rtlCol="0" anchor="ctr"/>
           <a:lstStyle>
-            <a:lvl1pPr algn="l">
-              <a:defRPr sz="1200">
+            <a:lvl1pPr algn="r">
+              <a:defRPr sz="1050">
                 <a:solidFill>
                   <a:schemeClr val="tx1">
                     <a:tint val="75000"/>
@@ -2586,8 +5897,8 @@
         </p:nvSpPr>
         <p:spPr>
           <a:xfrm>
-            <a:off x="4038600" y="6356350"/>
-            <a:ext cx="4114800" cy="365125"/>
+            <a:off x="685800" y="6355845"/>
+            <a:ext cx="7772400" cy="365125"/>
           </a:xfrm>
           <a:prstGeom prst="rect">
             <a:avLst/>
@@ -2596,8 +5907,8 @@
         <p:txBody>
           <a:bodyPr vert="horz" lIns="91440" tIns="45720" rIns="91440" bIns="45720" rtlCol="0" anchor="ctr"/>
           <a:lstStyle>
-            <a:lvl1pPr algn="ctr">
-              <a:defRPr sz="1200">
+            <a:lvl1pPr algn="l">
+              <a:defRPr sz="1050">
                 <a:solidFill>
                   <a:schemeClr val="tx1">
                     <a:tint val="75000"/>
@@ -2623,7 +5934,7 @@
         </p:nvSpPr>
         <p:spPr>
           <a:xfrm>
-            <a:off x="8610600" y="6356350"/>
+            <a:off x="8763000" y="381000"/>
             <a:ext cx="2743200" cy="365125"/>
           </a:xfrm>
           <a:prstGeom prst="rect">
@@ -2634,7 +5945,7 @@
           <a:bodyPr vert="horz" lIns="91440" tIns="45720" rIns="91440" bIns="45720" rtlCol="0" anchor="ctr"/>
           <a:lstStyle>
             <a:lvl1pPr algn="r">
-              <a:defRPr sz="1200">
+              <a:defRPr sz="1050">
                 <a:solidFill>
                   <a:schemeClr val="tx1">
                     <a:tint val="75000"/>
@@ -2655,27 +5966,33 @@
     </p:spTree>
     <p:extLst>
       <p:ext uri="{BB962C8B-B14F-4D97-AF65-F5344CB8AC3E}">
-        <p14:creationId xmlns:p14="http://schemas.microsoft.com/office/powerpoint/2010/main" val="3628158197"/>
+        <p14:creationId xmlns:p14="http://schemas.microsoft.com/office/powerpoint/2010/main" val="439991788"/>
       </p:ext>
     </p:extLst>
   </p:cSld>
-  <p:clrMap bg1="lt1" tx1="dk1" bg2="lt2" tx2="dk2" accent1="accent1" accent2="accent2" accent3="accent3" accent4="accent4" accent5="accent5" accent6="accent6" hlink="hlink" folHlink="folHlink"/>
+  <p:clrMap bg1="dk1" tx1="lt1" bg2="dk2" tx2="lt2" accent1="accent1" accent2="accent2" accent3="accent3" accent4="accent4" accent5="accent5" accent6="accent6" hlink="hlink" folHlink="folHlink"/>
   <p:sldLayoutIdLst>
-    <p:sldLayoutId id="2147483649" r:id="rId1"/>
-    <p:sldLayoutId id="2147483650" r:id="rId2"/>
-    <p:sldLayoutId id="2147483651" r:id="rId3"/>
-    <p:sldLayoutId id="2147483652" r:id="rId4"/>
-    <p:sldLayoutId id="2147483653" r:id="rId5"/>
-    <p:sldLayoutId id="2147483654" r:id="rId6"/>
-    <p:sldLayoutId id="2147483655" r:id="rId7"/>
-    <p:sldLayoutId id="2147483656" r:id="rId8"/>
-    <p:sldLayoutId id="2147483657" r:id="rId9"/>
-    <p:sldLayoutId id="2147483658" r:id="rId10"/>
-    <p:sldLayoutId id="2147483659" r:id="rId11"/>
+    <p:sldLayoutId id="2147483697" r:id="rId1"/>
+    <p:sldLayoutId id="2147483698" r:id="rId2"/>
+    <p:sldLayoutId id="2147483699" r:id="rId3"/>
+    <p:sldLayoutId id="2147483700" r:id="rId4"/>
+    <p:sldLayoutId id="2147483701" r:id="rId5"/>
+    <p:sldLayoutId id="2147483702" r:id="rId6"/>
+    <p:sldLayoutId id="2147483703" r:id="rId7"/>
+    <p:sldLayoutId id="2147483704" r:id="rId8"/>
+    <p:sldLayoutId id="2147483705" r:id="rId9"/>
+    <p:sldLayoutId id="2147483706" r:id="rId10"/>
+    <p:sldLayoutId id="2147483707" r:id="rId11"/>
+    <p:sldLayoutId id="2147483708" r:id="rId12"/>
+    <p:sldLayoutId id="2147483709" r:id="rId13"/>
+    <p:sldLayoutId id="2147483710" r:id="rId14"/>
+    <p:sldLayoutId id="2147483711" r:id="rId15"/>
+    <p:sldLayoutId id="2147483712" r:id="rId16"/>
+    <p:sldLayoutId id="2147483713" r:id="rId17"/>
   </p:sldLayoutIdLst>
   <p:txStyles>
     <p:titleStyle>
-      <a:lvl1pPr algn="l" defTabSz="914400" rtl="0" eaLnBrk="1" latinLnBrk="0" hangingPunct="1">
+      <a:lvl1pPr algn="r" defTabSz="914400" rtl="0" eaLnBrk="1" latinLnBrk="0" hangingPunct="1">
         <a:lnSpc>
           <a:spcPct val="90000"/>
         </a:lnSpc>
@@ -2683,7 +6000,7 @@
           <a:spcPct val="0"/>
         </a:spcBef>
         <a:buNone/>
-        <a:defRPr sz="4400" kern="1200">
+        <a:defRPr sz="4000" kern="1200" cap="all" baseline="0">
           <a:solidFill>
             <a:schemeClr val="tx1"/>
           </a:solidFill>
@@ -2703,7 +6020,7 @@
         </a:spcBef>
         <a:buFont typeface="Arial" panose="020B0604020202020204" pitchFamily="34" charset="0"/>
         <a:buChar char="•"/>
-        <a:defRPr sz="2800" kern="1200">
+        <a:defRPr sz="2200" kern="1200">
           <a:solidFill>
             <a:schemeClr val="tx1"/>
           </a:solidFill>
@@ -2721,7 +6038,7 @@
         </a:spcBef>
         <a:buFont typeface="Arial" panose="020B0604020202020204" pitchFamily="34" charset="0"/>
         <a:buChar char="•"/>
-        <a:defRPr sz="2400" kern="1200">
+        <a:defRPr sz="2000" kern="1200">
           <a:solidFill>
             <a:schemeClr val="tx1"/>
           </a:solidFill>
@@ -2739,7 +6056,7 @@
         </a:spcBef>
         <a:buFont typeface="Arial" panose="020B0604020202020204" pitchFamily="34" charset="0"/>
         <a:buChar char="•"/>
-        <a:defRPr sz="2000" kern="1200">
+        <a:defRPr sz="1800" kern="1200">
           <a:solidFill>
             <a:schemeClr val="tx1"/>
           </a:solidFill>
@@ -2757,7 +6074,7 @@
         </a:spcBef>
         <a:buFont typeface="Arial" panose="020B0604020202020204" pitchFamily="34" charset="0"/>
         <a:buChar char="•"/>
-        <a:defRPr sz="1800" kern="1200">
+        <a:defRPr sz="1600" kern="1200">
           <a:solidFill>
             <a:schemeClr val="tx1"/>
           </a:solidFill>
@@ -2775,7 +6092,7 @@
         </a:spcBef>
         <a:buFont typeface="Arial" panose="020B0604020202020204" pitchFamily="34" charset="0"/>
         <a:buChar char="•"/>
-        <a:defRPr sz="1800" kern="1200">
+        <a:defRPr sz="1600" kern="1200">
           <a:solidFill>
             <a:schemeClr val="tx1"/>
           </a:solidFill>
@@ -2793,7 +6110,7 @@
         </a:spcBef>
         <a:buFont typeface="Arial" panose="020B0604020202020204" pitchFamily="34" charset="0"/>
         <a:buChar char="•"/>
-        <a:defRPr sz="1800" kern="1200">
+        <a:defRPr sz="1600" kern="1200">
           <a:solidFill>
             <a:schemeClr val="tx1"/>
           </a:solidFill>
@@ -2811,7 +6128,7 @@
         </a:spcBef>
         <a:buFont typeface="Arial" panose="020B0604020202020204" pitchFamily="34" charset="0"/>
         <a:buChar char="•"/>
-        <a:defRPr sz="1800" kern="1200">
+        <a:defRPr sz="1600" kern="1200">
           <a:solidFill>
             <a:schemeClr val="tx1"/>
           </a:solidFill>
@@ -2829,7 +6146,7 @@
         </a:spcBef>
         <a:buFont typeface="Arial" panose="020B0604020202020204" pitchFamily="34" charset="0"/>
         <a:buChar char="•"/>
-        <a:defRPr sz="1800" kern="1200">
+        <a:defRPr sz="1600" kern="1200">
           <a:solidFill>
             <a:schemeClr val="tx1"/>
           </a:solidFill>
@@ -2847,7 +6164,7 @@
         </a:spcBef>
         <a:buFont typeface="Arial" panose="020B0604020202020204" pitchFamily="34" charset="0"/>
         <a:buChar char="•"/>
-        <a:defRPr sz="1800" kern="1200">
+        <a:defRPr sz="1600" kern="1200">
           <a:solidFill>
             <a:schemeClr val="tx1"/>
           </a:solidFill>
@@ -2994,11 +6311,11 @@
           <a:lstStyle/>
           <a:p>
             <a:r>
-              <a:rPr lang="fi-FI" dirty="0" smtClean="0"/>
+              <a:rPr lang="fi-FI" dirty="0"/>
               <a:t>Project </a:t>
             </a:r>
             <a:r>
-              <a:rPr lang="fi-FI" dirty="0" err="1" smtClean="0"/>
+              <a:rPr lang="fi-FI" dirty="0" err="1"/>
               <a:t>Onslaught</a:t>
             </a:r>
             <a:endParaRPr lang="en-US" dirty="0"/>
@@ -3026,54 +6343,87 @@
           <a:lstStyle/>
           <a:p>
             <a:r>
-              <a:rPr lang="fi-FI" dirty="0" smtClean="0"/>
+              <a:rPr lang="fi-FI" dirty="0"/>
               <a:t>Hex-</a:t>
             </a:r>
             <a:r>
-              <a:rPr lang="fi-FI" dirty="0" err="1" smtClean="0"/>
+              <a:rPr lang="fi-FI" dirty="0" err="1"/>
               <a:t>grid</a:t>
             </a:r>
             <a:r>
-              <a:rPr lang="fi-FI" dirty="0" smtClean="0"/>
+              <a:rPr lang="fi-FI" dirty="0"/>
               <a:t> </a:t>
             </a:r>
             <a:r>
-              <a:rPr lang="fi-FI" dirty="0" err="1" smtClean="0"/>
+              <a:rPr lang="fi-FI" dirty="0" err="1"/>
               <a:t>strategy</a:t>
             </a:r>
             <a:r>
-              <a:rPr lang="fi-FI" dirty="0" smtClean="0"/>
+              <a:rPr lang="fi-FI" dirty="0"/>
               <a:t> </a:t>
             </a:r>
             <a:r>
-              <a:rPr lang="fi-FI" dirty="0" err="1" smtClean="0"/>
+              <a:rPr lang="fi-FI" dirty="0" err="1"/>
               <a:t>game</a:t>
             </a:r>
             <a:r>
-              <a:rPr lang="fi-FI" dirty="0" smtClean="0"/>
+              <a:rPr lang="fi-FI" dirty="0"/>
               <a:t> </a:t>
             </a:r>
             <a:r>
-              <a:rPr lang="fi-FI" dirty="0" err="1" smtClean="0"/>
+              <a:rPr lang="fi-FI" dirty="0" err="1"/>
               <a:t>by</a:t>
             </a:r>
             <a:r>
-              <a:rPr lang="fi-FI" dirty="0" smtClean="0"/>
+              <a:rPr lang="fi-FI" dirty="0"/>
               <a:t> </a:t>
             </a:r>
             <a:r>
-              <a:rPr lang="fi-FI" dirty="0" err="1" smtClean="0"/>
+              <a:rPr lang="fi-FI" dirty="0" err="1"/>
               <a:t>Ideal</a:t>
             </a:r>
             <a:r>
-              <a:rPr lang="fi-FI" dirty="0" smtClean="0"/>
+              <a:rPr lang="fi-FI" dirty="0"/>
               <a:t> </a:t>
             </a:r>
             <a:r>
-              <a:rPr lang="fi-FI" dirty="0" err="1" smtClean="0"/>
+              <a:rPr lang="fi-FI" dirty="0" err="1"/>
               <a:t>Broccoli</a:t>
             </a:r>
             <a:endParaRPr lang="en-US" dirty="0"/>
+          </a:p>
+        </p:txBody>
+      </p:sp>
+      <p:sp>
+        <p:nvSpPr>
+          <p:cNvPr id="4" name="Footer Placeholder 3">
+            <a:extLst>
+              <a:ext uri="{FF2B5EF4-FFF2-40B4-BE49-F238E27FC236}">
+                <a16:creationId xmlns:a16="http://schemas.microsoft.com/office/drawing/2014/main" id="{409FB67B-E5E1-4199-94FE-E92398B5F8CC}"/>
+              </a:ext>
+            </a:extLst>
+          </p:cNvPr>
+          <p:cNvSpPr>
+            <a:spLocks noGrp="1"/>
+          </p:cNvSpPr>
+          <p:nvPr>
+            <p:ph type="ftr" sz="quarter" idx="11"/>
+          </p:nvPr>
+        </p:nvSpPr>
+        <p:spPr>
+          <a:xfrm>
+            <a:off x="1524000" y="4314967"/>
+            <a:ext cx="6400800" cy="365125"/>
+          </a:xfrm>
+        </p:spPr>
+        <p:txBody>
+          <a:bodyPr/>
+          <a:lstStyle/>
+          <a:p>
+            <a:r>
+              <a:rPr lang="en-US"/>
+              <a:t>Ville Rantala, Jaakko Tammela</a:t>
+            </a:r>
           </a:p>
         </p:txBody>
       </p:sp>
@@ -3109,7 +6459,13 @@
       </p:grpSpPr>
       <p:sp>
         <p:nvSpPr>
-          <p:cNvPr id="2" name="Title 1"/>
+          <p:cNvPr id="3" name="Title 2">
+            <a:extLst>
+              <a:ext uri="{FF2B5EF4-FFF2-40B4-BE49-F238E27FC236}">
+                <a16:creationId xmlns:a16="http://schemas.microsoft.com/office/drawing/2014/main" id="{69D98DCC-A0F4-4C4E-8208-3CB2C6D00446}"/>
+              </a:ext>
+            </a:extLst>
+          </p:cNvPr>
           <p:cNvSpPr>
             <a:spLocks noGrp="1"/>
           </p:cNvSpPr>
@@ -3123,16 +6479,21 @@
           <a:lstStyle/>
           <a:p>
             <a:r>
-              <a:rPr lang="fi-FI" dirty="0" smtClean="0"/>
-              <a:t>Pohdintaa</a:t>
-            </a:r>
-            <a:endParaRPr lang="en-US" dirty="0"/>
-          </a:p>
-        </p:txBody>
-      </p:sp>
-      <p:sp>
-        <p:nvSpPr>
-          <p:cNvPr id="3" name="Content Placeholder 2"/>
+              <a:rPr lang="fi-FI" dirty="0"/>
+              <a:t>Lopuksi</a:t>
+            </a:r>
+          </a:p>
+        </p:txBody>
+      </p:sp>
+      <p:sp>
+        <p:nvSpPr>
+          <p:cNvPr id="4" name="Content Placeholder 3">
+            <a:extLst>
+              <a:ext uri="{FF2B5EF4-FFF2-40B4-BE49-F238E27FC236}">
+                <a16:creationId xmlns:a16="http://schemas.microsoft.com/office/drawing/2014/main" id="{AC6D5D43-F779-4FD1-8093-8C3AC2B8ABBB}"/>
+              </a:ext>
+            </a:extLst>
+          </p:cNvPr>
           <p:cNvSpPr>
             <a:spLocks noGrp="1"/>
           </p:cNvSpPr>
@@ -3146,19 +6507,149 @@
           <a:lstStyle/>
           <a:p>
             <a:r>
-              <a:rPr lang="fi-FI" dirty="0" smtClean="0"/>
-              <a:t>Puhelineroavaisuudet</a:t>
-            </a:r>
-          </a:p>
-          <a:p>
-            <a:endParaRPr lang="en-US" dirty="0"/>
+              <a:rPr lang="fi-FI" dirty="0"/>
+              <a:t>Projektin linkki: </a:t>
+            </a:r>
+            <a:r>
+              <a:rPr lang="fi-FI" dirty="0">
+                <a:hlinkClick r:id="rId2"/>
+              </a:rPr>
+              <a:t>https://github.com/Jisti007/Mobile-Project-ideal-broccoli</a:t>
+            </a:r>
+            <a:r>
+              <a:rPr lang="fi-FI" dirty="0"/>
+              <a:t> </a:t>
+            </a:r>
+          </a:p>
+          <a:p>
+            <a:r>
+              <a:rPr lang="fi-FI" dirty="0"/>
+              <a:t>OpenGL resursseja</a:t>
+            </a:r>
+            <a:endParaRPr lang="fi-FI" dirty="0">
+              <a:hlinkClick r:id="rId3"/>
+            </a:endParaRPr>
+          </a:p>
+          <a:p>
+            <a:pPr lvl="1"/>
+            <a:r>
+              <a:rPr lang="fi-FI" dirty="0">
+                <a:hlinkClick r:id="rId3"/>
+              </a:rPr>
+              <a:t>https://www.khronos.org/opengl/wiki/Main_Page</a:t>
+            </a:r>
+            <a:endParaRPr lang="fi-FI" dirty="0"/>
+          </a:p>
+          <a:p>
+            <a:pPr lvl="1"/>
+            <a:r>
+              <a:rPr lang="fi-FI" dirty="0">
+                <a:hlinkClick r:id="rId4"/>
+              </a:rPr>
+              <a:t>https://learnopengl.com/</a:t>
+            </a:r>
+            <a:endParaRPr lang="fi-FI" dirty="0"/>
+          </a:p>
+          <a:p>
+            <a:endParaRPr lang="fi-FI" dirty="0"/>
           </a:p>
         </p:txBody>
       </p:sp>
     </p:spTree>
     <p:extLst>
       <p:ext uri="{BB962C8B-B14F-4D97-AF65-F5344CB8AC3E}">
-        <p14:creationId xmlns:p14="http://schemas.microsoft.com/office/powerpoint/2010/main" val="1599611905"/>
+        <p14:creationId xmlns:p14="http://schemas.microsoft.com/office/powerpoint/2010/main" val="3023389476"/>
+      </p:ext>
+    </p:extLst>
+  </p:cSld>
+  <p:clrMapOvr>
+    <a:masterClrMapping/>
+  </p:clrMapOvr>
+</p:sld>
+</file>
+
+<file path=ppt/slides/slide11.xml><?xml version="1.0" encoding="utf-8"?>
+<p:sld xmlns:a="http://schemas.openxmlformats.org/drawingml/2006/main" xmlns:r="http://schemas.openxmlformats.org/officeDocument/2006/relationships" xmlns:p="http://schemas.openxmlformats.org/presentationml/2006/main">
+  <p:cSld>
+    <p:spTree>
+      <p:nvGrpSpPr>
+        <p:cNvPr id="1" name=""/>
+        <p:cNvGrpSpPr/>
+        <p:nvPr/>
+      </p:nvGrpSpPr>
+      <p:grpSpPr>
+        <a:xfrm>
+          <a:off x="0" y="0"/>
+          <a:ext cx="0" cy="0"/>
+          <a:chOff x="0" y="0"/>
+          <a:chExt cx="0" cy="0"/>
+        </a:xfrm>
+      </p:grpSpPr>
+      <p:sp>
+        <p:nvSpPr>
+          <p:cNvPr id="4" name="Title 3">
+            <a:extLst>
+              <a:ext uri="{FF2B5EF4-FFF2-40B4-BE49-F238E27FC236}">
+                <a16:creationId xmlns:a16="http://schemas.microsoft.com/office/drawing/2014/main" id="{CDA67774-7AC8-4918-8F0A-F9F00B4A8F56}"/>
+              </a:ext>
+            </a:extLst>
+          </p:cNvPr>
+          <p:cNvSpPr>
+            <a:spLocks noGrp="1"/>
+          </p:cNvSpPr>
+          <p:nvPr>
+            <p:ph type="ctrTitle"/>
+          </p:nvPr>
+        </p:nvSpPr>
+        <p:spPr/>
+        <p:txBody>
+          <a:bodyPr/>
+          <a:lstStyle/>
+          <a:p>
+            <a:r>
+              <a:rPr lang="fi-FI" dirty="0"/>
+              <a:t>Esitys ohi</a:t>
+            </a:r>
+          </a:p>
+        </p:txBody>
+      </p:sp>
+      <p:sp>
+        <p:nvSpPr>
+          <p:cNvPr id="5" name="Subtitle 4">
+            <a:extLst>
+              <a:ext uri="{FF2B5EF4-FFF2-40B4-BE49-F238E27FC236}">
+                <a16:creationId xmlns:a16="http://schemas.microsoft.com/office/drawing/2014/main" id="{6EB9C87D-01CB-42FA-91E9-2A48C8CBCF5F}"/>
+              </a:ext>
+            </a:extLst>
+          </p:cNvPr>
+          <p:cNvSpPr>
+            <a:spLocks noGrp="1"/>
+          </p:cNvSpPr>
+          <p:nvPr>
+            <p:ph type="subTitle" idx="1"/>
+          </p:nvPr>
+        </p:nvSpPr>
+        <p:spPr>
+          <a:xfrm>
+            <a:off x="1371600" y="3628501"/>
+            <a:ext cx="9448800" cy="685800"/>
+          </a:xfrm>
+        </p:spPr>
+        <p:txBody>
+          <a:bodyPr/>
+          <a:lstStyle/>
+          <a:p>
+            <a:r>
+              <a:rPr lang="fi-FI" dirty="0"/>
+              <a:t>Kysymyksiä?</a:t>
+            </a:r>
+          </a:p>
+        </p:txBody>
+      </p:sp>
+    </p:spTree>
+    <p:extLst>
+      <p:ext uri="{BB962C8B-B14F-4D97-AF65-F5344CB8AC3E}">
+        <p14:creationId xmlns:p14="http://schemas.microsoft.com/office/powerpoint/2010/main" val="3187908256"/>
       </p:ext>
     </p:extLst>
   </p:cSld>
@@ -3201,7 +6692,7 @@
           <a:lstStyle/>
           <a:p>
             <a:r>
-              <a:rPr lang="fi-FI" dirty="0" smtClean="0"/>
+              <a:rPr lang="fi-FI" dirty="0"/>
               <a:t>Yleistietoa</a:t>
             </a:r>
             <a:endParaRPr lang="en-US" dirty="0"/>
@@ -3224,41 +6715,41 @@
           <a:lstStyle/>
           <a:p>
             <a:r>
-              <a:rPr lang="fi-FI" dirty="0" smtClean="0"/>
+              <a:rPr lang="fi-FI" dirty="0"/>
               <a:t>Hex-</a:t>
             </a:r>
             <a:r>
-              <a:rPr lang="fi-FI" dirty="0" err="1" smtClean="0"/>
+              <a:rPr lang="fi-FI" dirty="0" err="1"/>
               <a:t>grid</a:t>
             </a:r>
             <a:r>
-              <a:rPr lang="fi-FI" dirty="0" smtClean="0"/>
+              <a:rPr lang="fi-FI" dirty="0"/>
               <a:t> strategiapeli Androidille</a:t>
             </a:r>
           </a:p>
           <a:p>
             <a:r>
-              <a:rPr lang="fi-FI" dirty="0" smtClean="0"/>
+              <a:rPr lang="fi-FI" dirty="0"/>
               <a:t>Ohjelmointikieli pääasiassa C++ käyttäen </a:t>
             </a:r>
             <a:r>
-              <a:rPr lang="fi-FI" dirty="0" err="1" smtClean="0"/>
+              <a:rPr lang="fi-FI" dirty="0" err="1"/>
               <a:t>OpenGL</a:t>
             </a:r>
             <a:r>
-              <a:rPr lang="fi-FI" dirty="0" smtClean="0"/>
+              <a:rPr lang="fi-FI" dirty="0"/>
               <a:t> ES-rajapintaa</a:t>
             </a:r>
           </a:p>
           <a:p>
             <a:r>
-              <a:rPr lang="fi-FI" dirty="0" smtClean="0"/>
+              <a:rPr lang="fi-FI" dirty="0"/>
               <a:t>Staattinen tieto säilötty XML:llä, Javalla ohjelman alustaminen</a:t>
             </a:r>
           </a:p>
           <a:p>
             <a:r>
-              <a:rPr lang="fi-FI" dirty="0" smtClean="0"/>
+              <a:rPr lang="fi-FI" dirty="0"/>
               <a:t>Kehitysympäristönä Android Studio</a:t>
             </a:r>
             <a:endParaRPr lang="en-US" dirty="0"/>
@@ -3311,7 +6802,7 @@
           <a:lstStyle/>
           <a:p>
             <a:r>
-              <a:rPr lang="fi-FI" dirty="0" smtClean="0"/>
+              <a:rPr lang="fi-FI" dirty="0"/>
               <a:t>Käytetyt kolmannen osapuolen kirjastot</a:t>
             </a:r>
             <a:endParaRPr lang="en-US" dirty="0"/>
@@ -3339,66 +6830,65 @@
           <a:lstStyle/>
           <a:p>
             <a:r>
-              <a:rPr lang="fi-FI" dirty="0" err="1" smtClean="0"/>
+              <a:rPr lang="fi-FI" dirty="0" err="1"/>
               <a:t>RapidXML</a:t>
             </a:r>
             <a:r>
-              <a:rPr lang="fi-FI" dirty="0" smtClean="0"/>
+              <a:rPr lang="fi-FI" dirty="0"/>
               <a:t> </a:t>
             </a:r>
           </a:p>
           <a:p>
             <a:pPr lvl="1"/>
             <a:r>
-              <a:rPr lang="fi-FI" dirty="0" smtClean="0">
+              <a:rPr lang="fi-FI" dirty="0">
                 <a:hlinkClick r:id="rId2"/>
               </a:rPr>
               <a:t>http://rapidxml.sourceforge.net/</a:t>
             </a:r>
             <a:r>
-              <a:rPr lang="fi-FI" dirty="0" smtClean="0"/>
+              <a:rPr lang="fi-FI" dirty="0"/>
               <a:t> </a:t>
             </a:r>
           </a:p>
           <a:p>
             <a:r>
-              <a:rPr lang="en-US" dirty="0" err="1" smtClean="0"/>
+              <a:rPr lang="en-US" dirty="0" err="1"/>
               <a:t>stb_image</a:t>
             </a:r>
             <a:r>
-              <a:rPr lang="en-US" dirty="0" smtClean="0"/>
+              <a:rPr lang="en-US" dirty="0"/>
               <a:t>, </a:t>
             </a:r>
             <a:r>
-              <a:rPr lang="en-US" dirty="0" err="1" smtClean="0"/>
+              <a:rPr lang="en-US" dirty="0" err="1"/>
               <a:t>stb_rect_pack</a:t>
             </a:r>
             <a:r>
-              <a:rPr lang="en-US" dirty="0" smtClean="0"/>
+              <a:rPr lang="en-US" dirty="0"/>
               <a:t>, </a:t>
             </a:r>
             <a:r>
-              <a:rPr lang="en-US" dirty="0" err="1" smtClean="0"/>
+              <a:rPr lang="en-US" dirty="0" err="1"/>
               <a:t>stb_truetype</a:t>
             </a:r>
             <a:r>
-              <a:rPr lang="en-US" dirty="0" smtClean="0"/>
+              <a:rPr lang="en-US" dirty="0"/>
               <a:t> </a:t>
             </a:r>
           </a:p>
           <a:p>
             <a:pPr lvl="1"/>
             <a:r>
-              <a:rPr lang="en-US" dirty="0" smtClean="0">
+              <a:rPr lang="en-US" dirty="0">
                 <a:hlinkClick r:id="rId3"/>
               </a:rPr>
               <a:t>https://github.com/nothings/stb</a:t>
             </a:r>
             <a:r>
-              <a:rPr lang="en-US" dirty="0" smtClean="0"/>
+              <a:rPr lang="en-US" dirty="0"/>
               <a:t> </a:t>
             </a:r>
-            <a:endParaRPr lang="en-US" dirty="0"/>
           </a:p>
         </p:txBody>
       </p:sp>
@@ -3448,7 +6938,7 @@
           <a:lstStyle/>
           <a:p>
             <a:r>
-              <a:rPr lang="fi-FI" dirty="0" smtClean="0"/>
+              <a:rPr lang="fi-FI" dirty="0"/>
               <a:t>Pelin idea</a:t>
             </a:r>
             <a:endParaRPr lang="en-US" dirty="0"/>
@@ -3471,20 +6961,20 @@
           <a:lstStyle/>
           <a:p>
             <a:r>
-              <a:rPr lang="fi-FI" dirty="0" smtClean="0"/>
+              <a:rPr lang="fi-FI" dirty="0"/>
               <a:t>Ohjaat omaa kuningaskuntaasi</a:t>
             </a:r>
           </a:p>
           <a:p>
             <a:r>
-              <a:rPr lang="fi-FI" dirty="0" smtClean="0"/>
+              <a:rPr lang="fi-FI" dirty="0"/>
               <a:t>Palkkaa sotilaita, kaappaa resursseja ja päihitä vihollisesi</a:t>
             </a:r>
           </a:p>
           <a:p>
             <a:r>
-              <a:rPr lang="fi-FI" dirty="0" smtClean="0"/>
-              <a:t>Satunnaisesti luodut kartat</a:t>
+              <a:rPr lang="fi-FI" dirty="0"/>
+              <a:t>Satunnaisesti luotu kartta tarjoaa aina uuden haasteen</a:t>
             </a:r>
           </a:p>
           <a:p>
@@ -3541,8 +7031,12 @@
           <a:lstStyle/>
           <a:p>
             <a:r>
-              <a:rPr lang="fi-FI" dirty="0" smtClean="0"/>
-              <a:t>Konsepti</a:t>
+              <a:rPr lang="fi-FI" dirty="0"/>
+              <a:t>How it </a:t>
+            </a:r>
+            <a:r>
+              <a:rPr lang="fi-FI" dirty="0" err="1"/>
+              <a:t>works</a:t>
             </a:r>
             <a:endParaRPr lang="en-US" dirty="0"/>
           </a:p>
@@ -3563,14 +7057,50 @@
           <a:bodyPr/>
           <a:lstStyle/>
           <a:p>
-            <a:endParaRPr lang="en-US"/>
+            <a:r>
+              <a:rPr lang="fi-FI" dirty="0"/>
+              <a:t>Grafiikka piirretään </a:t>
+            </a:r>
+            <a:r>
+              <a:rPr lang="fi-FI" dirty="0" err="1"/>
+              <a:t>rendering</a:t>
+            </a:r>
+            <a:r>
+              <a:rPr lang="fi-FI" dirty="0"/>
+              <a:t> </a:t>
+            </a:r>
+            <a:r>
+              <a:rPr lang="fi-FI" dirty="0" err="1"/>
+              <a:t>pipelinen</a:t>
+            </a:r>
+            <a:r>
+              <a:rPr lang="fi-FI" dirty="0"/>
+              <a:t> avulla</a:t>
+            </a:r>
+          </a:p>
+          <a:p>
+            <a:r>
+              <a:rPr lang="fi-FI" dirty="0"/>
+              <a:t>Staattiset tiedot, esim. eri yksiköiden kyvyt ja voimatasot, haetaan XML-tiedostoista </a:t>
+            </a:r>
+            <a:r>
+              <a:rPr lang="fi-FI" dirty="0" err="1"/>
+              <a:t>AssetManagerin</a:t>
+            </a:r>
+            <a:r>
+              <a:rPr lang="fi-FI" dirty="0"/>
+              <a:t> avulla</a:t>
+            </a:r>
+          </a:p>
+          <a:p>
+            <a:endParaRPr lang="en-US" dirty="0"/>
           </a:p>
         </p:txBody>
       </p:sp>
     </p:spTree>
     <p:extLst>
       <p:ext uri="{BB962C8B-B14F-4D97-AF65-F5344CB8AC3E}">
-        <p14:creationId xmlns:p14="http://schemas.microsoft.com/office/powerpoint/2010/main" val="3325660155"/>
+        <p14:creationId xmlns:p14="http://schemas.microsoft.com/office/powerpoint/2010/main" val="2641100791"/>
       </p:ext>
     </p:extLst>
   </p:cSld>
@@ -3613,76 +7143,60 @@
           <a:lstStyle/>
           <a:p>
             <a:r>
-              <a:rPr lang="fi-FI" dirty="0" smtClean="0"/>
-              <a:t>How it </a:t>
-            </a:r>
-            <a:r>
-              <a:rPr lang="fi-FI" dirty="0" err="1" smtClean="0"/>
-              <a:t>works</a:t>
+              <a:rPr lang="fi-FI" dirty="0"/>
+              <a:t>Mobile Application </a:t>
+            </a:r>
+            <a:r>
+              <a:rPr lang="fi-FI" dirty="0" err="1"/>
+              <a:t>Development</a:t>
+            </a:r>
+            <a:r>
+              <a:rPr lang="fi-FI" dirty="0"/>
+              <a:t>-demo</a:t>
             </a:r>
             <a:endParaRPr lang="en-US" dirty="0"/>
           </a:p>
         </p:txBody>
       </p:sp>
-      <p:sp>
-        <p:nvSpPr>
-          <p:cNvPr id="3" name="Content Placeholder 2"/>
-          <p:cNvSpPr>
-            <a:spLocks noGrp="1"/>
-          </p:cNvSpPr>
+      <p:pic>
+        <p:nvPicPr>
+          <p:cNvPr id="6" name="Content Placeholder 5">
+            <a:extLst>
+              <a:ext uri="{FF2B5EF4-FFF2-40B4-BE49-F238E27FC236}">
+                <a16:creationId xmlns:a16="http://schemas.microsoft.com/office/drawing/2014/main" id="{2B16BC8E-4AC7-402F-A022-488A5BAE4177}"/>
+              </a:ext>
+            </a:extLst>
+          </p:cNvPr>
+          <p:cNvPicPr>
+            <a:picLocks noGrp="1" noChangeAspect="1"/>
+          </p:cNvPicPr>
           <p:nvPr>
             <p:ph idx="1"/>
           </p:nvPr>
-        </p:nvSpPr>
-        <p:spPr/>
-        <p:txBody>
-          <a:bodyPr/>
-          <a:lstStyle/>
-          <a:p>
-            <a:r>
-              <a:rPr lang="fi-FI" dirty="0" smtClean="0"/>
-              <a:t>Grafiikka piirretään </a:t>
-            </a:r>
-            <a:r>
-              <a:rPr lang="fi-FI" dirty="0" err="1" smtClean="0"/>
-              <a:t>rendering</a:t>
-            </a:r>
-            <a:r>
-              <a:rPr lang="fi-FI" dirty="0" smtClean="0"/>
-              <a:t> </a:t>
-            </a:r>
-            <a:r>
-              <a:rPr lang="fi-FI" dirty="0" err="1" smtClean="0"/>
-              <a:t>pipelinen</a:t>
-            </a:r>
-            <a:r>
-              <a:rPr lang="fi-FI" dirty="0" smtClean="0"/>
-              <a:t> avulla</a:t>
-            </a:r>
-          </a:p>
-          <a:p>
-            <a:r>
-              <a:rPr lang="fi-FI" dirty="0" smtClean="0"/>
-              <a:t>Staattiset tiedot, esim. eri yksiköiden kyvyt ja voimatasot, haetaan XML-tiedostoista </a:t>
-            </a:r>
-            <a:r>
-              <a:rPr lang="fi-FI" dirty="0" err="1" smtClean="0"/>
-              <a:t>AssetManagerin</a:t>
-            </a:r>
-            <a:r>
-              <a:rPr lang="fi-FI" dirty="0" smtClean="0"/>
-              <a:t> avulla</a:t>
-            </a:r>
-          </a:p>
-          <a:p>
-            <a:endParaRPr lang="en-US" dirty="0"/>
-          </a:p>
-        </p:txBody>
-      </p:sp>
+        </p:nvPicPr>
+        <p:blipFill>
+          <a:blip r:embed="rId2">
+            <a:extLst>
+              <a:ext uri="{28A0092B-C50C-407E-A947-70E740481C1C}">
+                <a14:useLocalDpi xmlns:a14="http://schemas.microsoft.com/office/drawing/2010/main" val="0"/>
+              </a:ext>
+            </a:extLst>
+          </a:blip>
+          <a:stretch>
+            <a:fillRect/>
+          </a:stretch>
+        </p:blipFill>
+        <p:spPr>
+          <a:xfrm>
+            <a:off x="2522326" y="2193925"/>
+            <a:ext cx="7147347" cy="4024313"/>
+          </a:xfrm>
+        </p:spPr>
+      </p:pic>
     </p:spTree>
     <p:extLst>
       <p:ext uri="{BB962C8B-B14F-4D97-AF65-F5344CB8AC3E}">
-        <p14:creationId xmlns:p14="http://schemas.microsoft.com/office/powerpoint/2010/main" val="2641100791"/>
+        <p14:creationId xmlns:p14="http://schemas.microsoft.com/office/powerpoint/2010/main" val="555773907"/>
       </p:ext>
     </p:extLst>
   </p:cSld>
@@ -3725,36 +7239,52 @@
           <a:lstStyle/>
           <a:p>
             <a:r>
-              <a:rPr lang="fi-FI" dirty="0" smtClean="0"/>
-              <a:t>Kehitys</a:t>
+              <a:rPr lang="fi-FI" dirty="0"/>
+              <a:t>Lopputulos</a:t>
             </a:r>
             <a:endParaRPr lang="en-US" dirty="0"/>
           </a:p>
         </p:txBody>
       </p:sp>
-      <p:sp>
-        <p:nvSpPr>
-          <p:cNvPr id="5" name="Content Placeholder 4"/>
-          <p:cNvSpPr>
-            <a:spLocks noGrp="1"/>
-          </p:cNvSpPr>
+      <p:pic>
+        <p:nvPicPr>
+          <p:cNvPr id="9" name="Content Placeholder 8">
+            <a:extLst>
+              <a:ext uri="{FF2B5EF4-FFF2-40B4-BE49-F238E27FC236}">
+                <a16:creationId xmlns:a16="http://schemas.microsoft.com/office/drawing/2014/main" id="{68509273-AEFA-4FDE-862C-04BD4DED763F}"/>
+              </a:ext>
+            </a:extLst>
+          </p:cNvPr>
+          <p:cNvPicPr>
+            <a:picLocks noGrp="1" noChangeAspect="1"/>
+          </p:cNvPicPr>
           <p:nvPr>
             <p:ph idx="1"/>
           </p:nvPr>
-        </p:nvSpPr>
-        <p:spPr/>
-        <p:txBody>
-          <a:bodyPr/>
-          <a:lstStyle/>
-          <a:p>
-            <a:endParaRPr lang="en-US"/>
-          </a:p>
-        </p:txBody>
-      </p:sp>
+        </p:nvPicPr>
+        <p:blipFill>
+          <a:blip r:embed="rId2" cstate="print">
+            <a:extLst>
+              <a:ext uri="{28A0092B-C50C-407E-A947-70E740481C1C}">
+                <a14:useLocalDpi xmlns:a14="http://schemas.microsoft.com/office/drawing/2010/main" val="0"/>
+              </a:ext>
+            </a:extLst>
+          </a:blip>
+          <a:stretch>
+            <a:fillRect/>
+          </a:stretch>
+        </p:blipFill>
+        <p:spPr>
+          <a:xfrm>
+            <a:off x="2518833" y="2193925"/>
+            <a:ext cx="7154334" cy="4024313"/>
+          </a:xfrm>
+        </p:spPr>
+      </p:pic>
     </p:spTree>
     <p:extLst>
       <p:ext uri="{BB962C8B-B14F-4D97-AF65-F5344CB8AC3E}">
-        <p14:creationId xmlns:p14="http://schemas.microsoft.com/office/powerpoint/2010/main" val="471451206"/>
+        <p14:creationId xmlns:p14="http://schemas.microsoft.com/office/powerpoint/2010/main" val="2600390547"/>
       </p:ext>
     </p:extLst>
   </p:cSld>
@@ -3783,79 +7313,36 @@
       </p:grpSpPr>
       <p:sp>
         <p:nvSpPr>
-          <p:cNvPr id="2" name="Title 1"/>
-          <p:cNvSpPr>
-            <a:spLocks noGrp="1"/>
-          </p:cNvSpPr>
-          <p:nvPr>
-            <p:ph type="title"/>
-          </p:nvPr>
-        </p:nvSpPr>
-        <p:spPr/>
-        <p:txBody>
-          <a:bodyPr/>
-          <a:lstStyle/>
-          <a:p>
-            <a:r>
-              <a:rPr lang="fi-FI" dirty="0" smtClean="0"/>
-              <a:t>Mobile Application </a:t>
-            </a:r>
-            <a:r>
-              <a:rPr lang="fi-FI" dirty="0" err="1" smtClean="0"/>
-              <a:t>Development</a:t>
-            </a:r>
-            <a:r>
-              <a:rPr lang="fi-FI" dirty="0"/>
-              <a:t>-</a:t>
-            </a:r>
-            <a:r>
-              <a:rPr lang="fi-FI" dirty="0" smtClean="0"/>
-              <a:t>demo</a:t>
-            </a:r>
-            <a:endParaRPr lang="en-US" dirty="0"/>
-          </a:p>
-        </p:txBody>
-      </p:sp>
-      <p:pic>
-        <p:nvPicPr>
-          <p:cNvPr id="4" name="Content Placeholder 5">
+          <p:cNvPr id="4" name="Title 3">
             <a:extLst>
               <a:ext uri="{FF2B5EF4-FFF2-40B4-BE49-F238E27FC236}">
-                <a16:creationId xmlns:a16="http://schemas.microsoft.com/office/drawing/2014/main" id="{4B811B7F-6AC3-42C2-954F-15C7FA9A281F}"/>
+                <a16:creationId xmlns:a16="http://schemas.microsoft.com/office/drawing/2014/main" id="{DB8D64BF-F29F-4967-B6AE-343F9AFDEB8E}"/>
               </a:ext>
             </a:extLst>
           </p:cNvPr>
-          <p:cNvPicPr>
-            <a:picLocks noGrp="1" noChangeAspect="1"/>
-          </p:cNvPicPr>
-          <p:nvPr/>
-        </p:nvPicPr>
-        <p:blipFill>
-          <a:blip r:embed="rId2">
-            <a:extLst>
-              <a:ext uri="{28A0092B-C50C-407E-A947-70E740481C1C}">
-                <a14:useLocalDpi xmlns:a14="http://schemas.microsoft.com/office/drawing/2010/main" val="0"/>
-              </a:ext>
-            </a:extLst>
-          </a:blip>
-          <a:stretch>
-            <a:fillRect/>
-          </a:stretch>
-        </p:blipFill>
-        <p:spPr>
-          <a:xfrm>
-            <a:off x="2228143" y="1825625"/>
-            <a:ext cx="7735713" cy="4351338"/>
-          </a:xfrm>
-          <a:prstGeom prst="rect">
-            <a:avLst/>
-          </a:prstGeom>
-        </p:spPr>
-      </p:pic>
+          <p:cNvSpPr>
+            <a:spLocks noGrp="1"/>
+          </p:cNvSpPr>
+          <p:nvPr>
+            <p:ph type="title"/>
+          </p:nvPr>
+        </p:nvSpPr>
+        <p:spPr/>
+        <p:txBody>
+          <a:bodyPr/>
+          <a:lstStyle/>
+          <a:p>
+            <a:r>
+              <a:rPr lang="fi-FI" dirty="0"/>
+              <a:t>Demo puhelimella</a:t>
+            </a:r>
+          </a:p>
+        </p:txBody>
+      </p:sp>
     </p:spTree>
     <p:extLst>
       <p:ext uri="{BB962C8B-B14F-4D97-AF65-F5344CB8AC3E}">
-        <p14:creationId xmlns:p14="http://schemas.microsoft.com/office/powerpoint/2010/main" val="555773907"/>
+        <p14:creationId xmlns:p14="http://schemas.microsoft.com/office/powerpoint/2010/main" val="954927677"/>
       </p:ext>
     </p:extLst>
   </p:cSld>
@@ -3898,8 +7385,8 @@
           <a:lstStyle/>
           <a:p>
             <a:r>
-              <a:rPr lang="fi-FI" dirty="0" smtClean="0"/>
-              <a:t>Lopputulos</a:t>
+              <a:rPr lang="fi-FI" dirty="0"/>
+              <a:t>Pohdintaa</a:t>
             </a:r>
             <a:endParaRPr lang="en-US" dirty="0"/>
           </a:p>
@@ -3920,14 +7407,35 @@
           <a:bodyPr/>
           <a:lstStyle/>
           <a:p>
-            <a:endParaRPr lang="en-US"/>
+            <a:r>
+              <a:rPr lang="fi-FI" dirty="0"/>
+              <a:t>Puhelineroavaisuudet</a:t>
+            </a:r>
+          </a:p>
+          <a:p>
+            <a:r>
+              <a:rPr lang="en-US" dirty="0" err="1"/>
+              <a:t>IDE:n</a:t>
+            </a:r>
+            <a:r>
+              <a:rPr lang="en-US" dirty="0"/>
+              <a:t> </a:t>
+            </a:r>
+            <a:r>
+              <a:rPr lang="en-US" dirty="0" err="1"/>
+              <a:t>oikkuilut</a:t>
+            </a:r>
+            <a:endParaRPr lang="en-US" dirty="0"/>
+          </a:p>
+          <a:p>
+            <a:endParaRPr lang="en-US" dirty="0"/>
           </a:p>
         </p:txBody>
       </p:sp>
     </p:spTree>
     <p:extLst>
       <p:ext uri="{BB962C8B-B14F-4D97-AF65-F5344CB8AC3E}">
-        <p14:creationId xmlns:p14="http://schemas.microsoft.com/office/powerpoint/2010/main" val="2600390547"/>
+        <p14:creationId xmlns:p14="http://schemas.microsoft.com/office/powerpoint/2010/main" val="1599611905"/>
       </p:ext>
     </p:extLst>
   </p:cSld>
@@ -3938,6 +7446,276 @@
 </file>
 
 <file path=ppt/theme/theme1.xml><?xml version="1.0" encoding="utf-8"?>
+<a:theme xmlns:a="http://schemas.openxmlformats.org/drawingml/2006/main" name="Vapor Trail">
+  <a:themeElements>
+    <a:clrScheme name="Vapor Trail">
+      <a:dk1>
+        <a:sysClr val="windowText" lastClr="000000"/>
+      </a:dk1>
+      <a:lt1>
+        <a:sysClr val="window" lastClr="FFFFFF"/>
+      </a:lt1>
+      <a:dk2>
+        <a:srgbClr val="454545"/>
+      </a:dk2>
+      <a:lt2>
+        <a:srgbClr val="DADADA"/>
+      </a:lt2>
+      <a:accent1>
+        <a:srgbClr val="01D17D"/>
+      </a:accent1>
+      <a:accent2>
+        <a:srgbClr val="84C72A"/>
+      </a:accent2>
+      <a:accent3>
+        <a:srgbClr val="E1D126"/>
+      </a:accent3>
+      <a:accent4>
+        <a:srgbClr val="E29932"/>
+      </a:accent4>
+      <a:accent5>
+        <a:srgbClr val="E56526"/>
+      </a:accent5>
+      <a:accent6>
+        <a:srgbClr val="D63731"/>
+      </a:accent6>
+      <a:hlink>
+        <a:srgbClr val="35FA7F"/>
+      </a:hlink>
+      <a:folHlink>
+        <a:srgbClr val="BAFC85"/>
+      </a:folHlink>
+    </a:clrScheme>
+    <a:fontScheme name="Vapor Trail">
+      <a:majorFont>
+        <a:latin typeface="Century Gothic" panose="020B0502020202020204"/>
+        <a:ea typeface=""/>
+        <a:cs typeface=""/>
+        <a:font script="Jpan" typeface="ＭＳ Ｐゴシック"/>
+        <a:font script="Hang" typeface="맑은 고딕"/>
+        <a:font script="Hans" typeface="宋体"/>
+        <a:font script="Hant" typeface="新細明體"/>
+        <a:font script="Arab" typeface="Times New Roman"/>
+        <a:font script="Hebr" typeface="Times New Roman"/>
+        <a:font script="Thai" typeface="Angsana New"/>
+        <a:font script="Ethi" typeface="Nyala"/>
+        <a:font script="Beng" typeface="Vrinda"/>
+        <a:font script="Gujr" typeface="Shruti"/>
+        <a:font script="Khmr" typeface="MoolBoran"/>
+        <a:font script="Knda" typeface="Tunga"/>
+        <a:font script="Guru" typeface="Raavi"/>
+        <a:font script="Cans" typeface="Euphemia"/>
+        <a:font script="Cher" typeface="Plantagenet Cherokee"/>
+        <a:font script="Yiii" typeface="Microsoft Yi Baiti"/>
+        <a:font script="Tibt" typeface="Microsoft Himalaya"/>
+        <a:font script="Thaa" typeface="MV Boli"/>
+        <a:font script="Deva" typeface="Mangal"/>
+        <a:font script="Telu" typeface="Gautami"/>
+        <a:font script="Taml" typeface="Latha"/>
+        <a:font script="Syrc" typeface="Estrangelo Edessa"/>
+        <a:font script="Orya" typeface="Kalinga"/>
+        <a:font script="Mlym" typeface="Kartika"/>
+        <a:font script="Laoo" typeface="DokChampa"/>
+        <a:font script="Sinh" typeface="Iskoola Pota"/>
+        <a:font script="Mong" typeface="Mongolian Baiti"/>
+        <a:font script="Viet" typeface="Times New Roman"/>
+        <a:font script="Uigh" typeface="Microsoft Uighur"/>
+        <a:font script="Geor" typeface="Sylfaen"/>
+      </a:majorFont>
+      <a:minorFont>
+        <a:latin typeface="Century Gothic" panose="020B0502020202020204"/>
+        <a:ea typeface=""/>
+        <a:cs typeface=""/>
+        <a:font script="Jpan" typeface="ＭＳ Ｐゴシック"/>
+        <a:font script="Hang" typeface="맑은 고딕"/>
+        <a:font script="Hans" typeface="宋体"/>
+        <a:font script="Hant" typeface="新細明體"/>
+        <a:font script="Arab" typeface="Arial"/>
+        <a:font script="Hebr" typeface="Arial"/>
+        <a:font script="Thai" typeface="Cordia New"/>
+        <a:font script="Ethi" typeface="Nyala"/>
+        <a:font script="Beng" typeface="Vrinda"/>
+        <a:font script="Gujr" typeface="Shruti"/>
+        <a:font script="Khmr" typeface="DaunPenh"/>
+        <a:font script="Knda" typeface="Tunga"/>
+        <a:font script="Guru" typeface="Raavi"/>
+        <a:font script="Cans" typeface="Euphemia"/>
+        <a:font script="Cher" typeface="Plantagenet Cherokee"/>
+        <a:font script="Yiii" typeface="Microsoft Yi Baiti"/>
+        <a:font script="Tibt" typeface="Microsoft Himalaya"/>
+        <a:font script="Thaa" typeface="MV Boli"/>
+        <a:font script="Deva" typeface="Mangal"/>
+        <a:font script="Telu" typeface="Gautami"/>
+        <a:font script="Taml" typeface="Latha"/>
+        <a:font script="Syrc" typeface="Estrangelo Edessa"/>
+        <a:font script="Orya" typeface="Kalinga"/>
+        <a:font script="Mlym" typeface="Kartika"/>
+        <a:font script="Laoo" typeface="DokChampa"/>
+        <a:font script="Sinh" typeface="Iskoola Pota"/>
+        <a:font script="Mong" typeface="Mongolian Baiti"/>
+        <a:font script="Viet" typeface="Arial"/>
+        <a:font script="Uigh" typeface="Microsoft Uighur"/>
+        <a:font script="Geor" typeface="Sylfaen"/>
+      </a:minorFont>
+    </a:fontScheme>
+    <a:fmtScheme name="Vapor Trail">
+      <a:fillStyleLst>
+        <a:solidFill>
+          <a:schemeClr val="phClr"/>
+        </a:solidFill>
+        <a:gradFill rotWithShape="1">
+          <a:gsLst>
+            <a:gs pos="0">
+              <a:schemeClr val="phClr">
+                <a:tint val="69000"/>
+                <a:alpha val="100000"/>
+                <a:satMod val="109000"/>
+                <a:lumMod val="110000"/>
+              </a:schemeClr>
+            </a:gs>
+            <a:gs pos="52000">
+              <a:schemeClr val="phClr">
+                <a:tint val="74000"/>
+                <a:satMod val="100000"/>
+                <a:lumMod val="104000"/>
+              </a:schemeClr>
+            </a:gs>
+            <a:gs pos="100000">
+              <a:schemeClr val="phClr">
+                <a:tint val="78000"/>
+                <a:satMod val="100000"/>
+                <a:lumMod val="100000"/>
+              </a:schemeClr>
+            </a:gs>
+          </a:gsLst>
+          <a:lin ang="5400000" scaled="0"/>
+        </a:gradFill>
+        <a:gradFill rotWithShape="1">
+          <a:gsLst>
+            <a:gs pos="0">
+              <a:schemeClr val="phClr">
+                <a:tint val="96000"/>
+                <a:satMod val="100000"/>
+                <a:lumMod val="104000"/>
+              </a:schemeClr>
+            </a:gs>
+            <a:gs pos="78000">
+              <a:schemeClr val="phClr">
+                <a:shade val="100000"/>
+                <a:satMod val="110000"/>
+                <a:lumMod val="100000"/>
+              </a:schemeClr>
+            </a:gs>
+          </a:gsLst>
+          <a:lin ang="5400000" scaled="0"/>
+        </a:gradFill>
+      </a:fillStyleLst>
+      <a:lnStyleLst>
+        <a:ln w="9525" cap="flat" cmpd="sng" algn="ctr">
+          <a:solidFill>
+            <a:schemeClr val="phClr"/>
+          </a:solidFill>
+          <a:prstDash val="solid"/>
+        </a:ln>
+        <a:ln w="12700" cap="flat" cmpd="sng" algn="ctr">
+          <a:solidFill>
+            <a:schemeClr val="phClr"/>
+          </a:solidFill>
+          <a:prstDash val="solid"/>
+        </a:ln>
+        <a:ln w="19050" cap="flat" cmpd="sng" algn="ctr">
+          <a:solidFill>
+            <a:schemeClr val="phClr"/>
+          </a:solidFill>
+          <a:prstDash val="solid"/>
+        </a:ln>
+      </a:lnStyleLst>
+      <a:effectStyleLst>
+        <a:effectStyle>
+          <a:effectLst/>
+        </a:effectStyle>
+        <a:effectStyle>
+          <a:effectLst/>
+          <a:scene3d>
+            <a:camera prst="orthographicFront">
+              <a:rot lat="0" lon="0" rev="0"/>
+            </a:camera>
+            <a:lightRig rig="threePt" dir="t"/>
+          </a:scene3d>
+          <a:sp3d>
+            <a:bevelT w="25400" h="12700"/>
+          </a:sp3d>
+        </a:effectStyle>
+        <a:effectStyle>
+          <a:effectLst>
+            <a:outerShdw blurRad="57150" dist="19050" dir="5400000" algn="ctr" rotWithShape="0">
+              <a:srgbClr val="000000">
+                <a:alpha val="48000"/>
+              </a:srgbClr>
+            </a:outerShdw>
+          </a:effectLst>
+          <a:scene3d>
+            <a:camera prst="orthographicFront">
+              <a:rot lat="0" lon="0" rev="0"/>
+            </a:camera>
+            <a:lightRig rig="threePt" dir="t"/>
+          </a:scene3d>
+          <a:sp3d>
+            <a:bevelT w="50800" h="25400"/>
+          </a:sp3d>
+        </a:effectStyle>
+      </a:effectStyleLst>
+      <a:bgFillStyleLst>
+        <a:solidFill>
+          <a:schemeClr val="phClr"/>
+        </a:solidFill>
+        <a:solidFill>
+          <a:schemeClr val="phClr">
+            <a:tint val="95000"/>
+            <a:satMod val="170000"/>
+          </a:schemeClr>
+        </a:solidFill>
+        <a:gradFill rotWithShape="1">
+          <a:gsLst>
+            <a:gs pos="0">
+              <a:schemeClr val="phClr">
+                <a:tint val="93000"/>
+                <a:shade val="98000"/>
+                <a:satMod val="150000"/>
+                <a:lumMod val="102000"/>
+              </a:schemeClr>
+            </a:gs>
+            <a:gs pos="50000">
+              <a:schemeClr val="phClr">
+                <a:tint val="98000"/>
+                <a:shade val="90000"/>
+                <a:satMod val="130000"/>
+                <a:lumMod val="103000"/>
+              </a:schemeClr>
+            </a:gs>
+            <a:gs pos="100000">
+              <a:schemeClr val="phClr">
+                <a:shade val="63000"/>
+                <a:satMod val="120000"/>
+              </a:schemeClr>
+            </a:gs>
+          </a:gsLst>
+          <a:lin ang="5400000" scaled="0"/>
+        </a:gradFill>
+      </a:bgFillStyleLst>
+    </a:fmtScheme>
+  </a:themeElements>
+  <a:objectDefaults/>
+  <a:extraClrSchemeLst/>
+  <a:extLst>
+    <a:ext uri="{05A4C25C-085E-4340-85A3-A5531E510DB2}">
+      <thm15:themeFamily xmlns:thm15="http://schemas.microsoft.com/office/thememl/2012/main" name="Vapor Trail" id="{4FDF2955-7D9C-493C-B9F9-C205151B46CD}" vid="{2B2A868B-6BC2-4B3E-98B9-1258F41035DE}"/>
+    </a:ext>
+  </a:extLst>
+</a:theme>
+</file>
+
+<file path=ppt/theme/theme2.xml><?xml version="1.0" encoding="utf-8"?>
 <a:theme xmlns:a="http://schemas.openxmlformats.org/drawingml/2006/main" name="Office Theme">
   <a:themeElements>
     <a:clrScheme name="Office">
@@ -3954,7 +7732,7 @@
         <a:srgbClr val="E7E6E6"/>
       </a:lt2>
       <a:accent1>
-        <a:srgbClr val="5B9BD5"/>
+        <a:srgbClr val="4472C4"/>
       </a:accent1>
       <a:accent2>
         <a:srgbClr val="ED7D31"/>
@@ -3966,7 +7744,7 @@
         <a:srgbClr val="FFC000"/>
       </a:accent4>
       <a:accent5>
-        <a:srgbClr val="4472C4"/>
+        <a:srgbClr val="5B9BD5"/>
       </a:accent5>
       <a:accent6>
         <a:srgbClr val="70AD47"/>
@@ -4013,6 +7791,23 @@
         <a:font script="Viet" typeface="Times New Roman"/>
         <a:font script="Uigh" typeface="Microsoft Uighur"/>
         <a:font script="Geor" typeface="Sylfaen"/>
+        <a:font script="Armn" typeface="Arial"/>
+        <a:font script="Bugi" typeface="Leelawadee UI"/>
+        <a:font script="Bopo" typeface="Microsoft JhengHei"/>
+        <a:font script="Java" typeface="Javanese Text"/>
+        <a:font script="Lisu" typeface="Segoe UI"/>
+        <a:font script="Mymr" typeface="Myanmar Text"/>
+        <a:font script="Nkoo" typeface="Ebrima"/>
+        <a:font script="Olck" typeface="Nirmala UI"/>
+        <a:font script="Osma" typeface="Ebrima"/>
+        <a:font script="Phag" typeface="Phagspa"/>
+        <a:font script="Syrn" typeface="Estrangelo Edessa"/>
+        <a:font script="Syrj" typeface="Estrangelo Edessa"/>
+        <a:font script="Syre" typeface="Estrangelo Edessa"/>
+        <a:font script="Sora" typeface="Nirmala UI"/>
+        <a:font script="Tale" typeface="Microsoft Tai Le"/>
+        <a:font script="Talu" typeface="Microsoft New Tai Lue"/>
+        <a:font script="Tfng" typeface="Ebrima"/>
       </a:majorFont>
       <a:minorFont>
         <a:latin typeface="Calibri" panose="020F0502020204030204"/>
@@ -4048,6 +7843,23 @@
         <a:font script="Viet" typeface="Arial"/>
         <a:font script="Uigh" typeface="Microsoft Uighur"/>
         <a:font script="Geor" typeface="Sylfaen"/>
+        <a:font script="Armn" typeface="Arial"/>
+        <a:font script="Bugi" typeface="Leelawadee UI"/>
+        <a:font script="Bopo" typeface="Microsoft JhengHei"/>
+        <a:font script="Java" typeface="Javanese Text"/>
+        <a:font script="Lisu" typeface="Segoe UI"/>
+        <a:font script="Mymr" typeface="Myanmar Text"/>
+        <a:font script="Nkoo" typeface="Ebrima"/>
+        <a:font script="Olck" typeface="Nirmala UI"/>
+        <a:font script="Osma" typeface="Ebrima"/>
+        <a:font script="Phag" typeface="Phagspa"/>
+        <a:font script="Syrn" typeface="Estrangelo Edessa"/>
+        <a:font script="Syrj" typeface="Estrangelo Edessa"/>
+        <a:font script="Syre" typeface="Estrangelo Edessa"/>
+        <a:font script="Sora" typeface="Nirmala UI"/>
+        <a:font script="Tale" typeface="Microsoft Tai Le"/>
+        <a:font script="Talu" typeface="Microsoft New Tai Lue"/>
+        <a:font script="Tfng" typeface="Ebrima"/>
       </a:minorFont>
     </a:fontScheme>
     <a:fmtScheme name="Office">

--- a/documentation/presentation/Project Onslaught.pptx
+++ b/documentation/presentation/Project Onslaught.pptx
@@ -10,11 +10,11 @@
   <p:sldIdLst>
     <p:sldId id="256" r:id="rId2"/>
     <p:sldId id="257" r:id="rId3"/>
-    <p:sldId id="264" r:id="rId4"/>
-    <p:sldId id="262" r:id="rId5"/>
-    <p:sldId id="263" r:id="rId6"/>
-    <p:sldId id="265" r:id="rId7"/>
-    <p:sldId id="260" r:id="rId8"/>
+    <p:sldId id="262" r:id="rId4"/>
+    <p:sldId id="265" r:id="rId5"/>
+    <p:sldId id="260" r:id="rId6"/>
+    <p:sldId id="263" r:id="rId7"/>
+    <p:sldId id="264" r:id="rId8"/>
     <p:sldId id="266" r:id="rId9"/>
     <p:sldId id="261" r:id="rId10"/>
     <p:sldId id="267" r:id="rId11"/>
@@ -609,6 +609,93 @@
           <a:p>
             <a:r>
               <a:rPr lang="fi-FI" dirty="0"/>
+              <a:t>Game -&gt; Campaign -&gt; Scenario -&gt; GameMap</a:t>
+            </a:r>
+          </a:p>
+        </p:txBody>
+      </p:sp>
+      <p:sp>
+        <p:nvSpPr>
+          <p:cNvPr id="4" name="Slide Number Placeholder 3"/>
+          <p:cNvSpPr>
+            <a:spLocks noGrp="1"/>
+          </p:cNvSpPr>
+          <p:nvPr>
+            <p:ph type="sldNum" sz="quarter" idx="10"/>
+          </p:nvPr>
+        </p:nvSpPr>
+        <p:spPr/>
+        <p:txBody>
+          <a:bodyPr/>
+          <a:lstStyle/>
+          <a:p>
+            <a:fld id="{02CFBDFD-C654-41C6-9C00-93D1C5C0EE4A}" type="slidenum">
+              <a:rPr lang="fi-FI" smtClean="0"/>
+              <a:t>6</a:t>
+            </a:fld>
+            <a:endParaRPr lang="fi-FI"/>
+          </a:p>
+        </p:txBody>
+      </p:sp>
+    </p:spTree>
+    <p:extLst>
+      <p:ext uri="{BB962C8B-B14F-4D97-AF65-F5344CB8AC3E}">
+        <p14:creationId xmlns:p14="http://schemas.microsoft.com/office/powerpoint/2010/main" val="1147404981"/>
+      </p:ext>
+    </p:extLst>
+  </p:cSld>
+  <p:clrMapOvr>
+    <a:masterClrMapping/>
+  </p:clrMapOvr>
+</p:notes>
+</file>
+
+<file path=ppt/notesSlides/notesSlide3.xml><?xml version="1.0" encoding="utf-8"?>
+<p:notes xmlns:a="http://schemas.openxmlformats.org/drawingml/2006/main" xmlns:r="http://schemas.openxmlformats.org/officeDocument/2006/relationships" xmlns:p="http://schemas.openxmlformats.org/presentationml/2006/main">
+  <p:cSld>
+    <p:spTree>
+      <p:nvGrpSpPr>
+        <p:cNvPr id="1" name=""/>
+        <p:cNvGrpSpPr/>
+        <p:nvPr/>
+      </p:nvGrpSpPr>
+      <p:grpSpPr>
+        <a:xfrm>
+          <a:off x="0" y="0"/>
+          <a:ext cx="0" cy="0"/>
+          <a:chOff x="0" y="0"/>
+          <a:chExt cx="0" cy="0"/>
+        </a:xfrm>
+      </p:grpSpPr>
+      <p:sp>
+        <p:nvSpPr>
+          <p:cNvPr id="2" name="Slide Image Placeholder 1"/>
+          <p:cNvSpPr>
+            <a:spLocks noGrp="1" noRot="1" noChangeAspect="1"/>
+          </p:cNvSpPr>
+          <p:nvPr>
+            <p:ph type="sldImg"/>
+          </p:nvPr>
+        </p:nvSpPr>
+        <p:spPr/>
+      </p:sp>
+      <p:sp>
+        <p:nvSpPr>
+          <p:cNvPr id="3" name="Notes Placeholder 2"/>
+          <p:cNvSpPr>
+            <a:spLocks noGrp="1"/>
+          </p:cNvSpPr>
+          <p:nvPr>
+            <p:ph type="body" idx="1"/>
+          </p:nvPr>
+        </p:nvSpPr>
+        <p:spPr/>
+        <p:txBody>
+          <a:bodyPr/>
+          <a:lstStyle/>
+          <a:p>
+            <a:r>
+              <a:rPr lang="fi-FI" dirty="0"/>
               <a:t>Puhelineroavaisuuksista mm vertexshaderin toiminta ja truetype</a:t>
             </a:r>
             <a:r>
@@ -827,7 +914,7 @@
           <a:p>
             <a:fld id="{89526FFA-F7FC-4389-A6FC-2493F8B7F012}" type="datetimeFigureOut">
               <a:rPr lang="en-US" smtClean="0"/>
-              <a:t>12/12/2017</a:t>
+              <a:t>12/13/2017</a:t>
             </a:fld>
             <a:endParaRPr lang="en-US"/>
           </a:p>
@@ -1094,7 +1181,7 @@
           <a:p>
             <a:fld id="{89526FFA-F7FC-4389-A6FC-2493F8B7F012}" type="datetimeFigureOut">
               <a:rPr lang="en-US" smtClean="0"/>
-              <a:t>12/12/2017</a:t>
+              <a:t>12/13/2017</a:t>
             </a:fld>
             <a:endParaRPr lang="en-US"/>
           </a:p>
@@ -1325,7 +1412,7 @@
           <a:p>
             <a:fld id="{89526FFA-F7FC-4389-A6FC-2493F8B7F012}" type="datetimeFigureOut">
               <a:rPr lang="en-US" smtClean="0"/>
-              <a:t>12/12/2017</a:t>
+              <a:t>12/13/2017</a:t>
             </a:fld>
             <a:endParaRPr lang="en-US"/>
           </a:p>
@@ -1635,7 +1722,7 @@
           <a:p>
             <a:fld id="{89526FFA-F7FC-4389-A6FC-2493F8B7F012}" type="datetimeFigureOut">
               <a:rPr lang="en-US" smtClean="0"/>
-              <a:t>12/12/2017</a:t>
+              <a:t>12/13/2017</a:t>
             </a:fld>
             <a:endParaRPr lang="en-US"/>
           </a:p>
@@ -2108,7 +2195,7 @@
           <a:p>
             <a:fld id="{89526FFA-F7FC-4389-A6FC-2493F8B7F012}" type="datetimeFigureOut">
               <a:rPr lang="en-US" smtClean="0"/>
-              <a:t>12/12/2017</a:t>
+              <a:t>12/13/2017</a:t>
             </a:fld>
             <a:endParaRPr lang="en-US"/>
           </a:p>
@@ -2655,7 +2742,7 @@
           <a:p>
             <a:fld id="{89526FFA-F7FC-4389-A6FC-2493F8B7F012}" type="datetimeFigureOut">
               <a:rPr lang="en-US" smtClean="0"/>
-              <a:t>12/12/2017</a:t>
+              <a:t>12/13/2017</a:t>
             </a:fld>
             <a:endParaRPr lang="en-US"/>
           </a:p>
@@ -3429,7 +3516,7 @@
           <a:p>
             <a:fld id="{89526FFA-F7FC-4389-A6FC-2493F8B7F012}" type="datetimeFigureOut">
               <a:rPr lang="en-US" smtClean="0"/>
-              <a:t>12/12/2017</a:t>
+              <a:t>12/13/2017</a:t>
             </a:fld>
             <a:endParaRPr lang="en-US"/>
           </a:p>
@@ -3604,7 +3691,7 @@
           <a:p>
             <a:fld id="{89526FFA-F7FC-4389-A6FC-2493F8B7F012}" type="datetimeFigureOut">
               <a:rPr lang="en-US" smtClean="0"/>
-              <a:t>12/12/2017</a:t>
+              <a:t>12/13/2017</a:t>
             </a:fld>
             <a:endParaRPr lang="en-US"/>
           </a:p>
@@ -3827,7 +3914,7 @@
           <a:p>
             <a:fld id="{89526FFA-F7FC-4389-A6FC-2493F8B7F012}" type="datetimeFigureOut">
               <a:rPr lang="en-US" smtClean="0"/>
-              <a:t>12/12/2017</a:t>
+              <a:t>12/13/2017</a:t>
             </a:fld>
             <a:endParaRPr lang="en-US"/>
           </a:p>
@@ -4007,7 +4094,7 @@
           <a:p>
             <a:fld id="{89526FFA-F7FC-4389-A6FC-2493F8B7F012}" type="datetimeFigureOut">
               <a:rPr lang="en-US" smtClean="0"/>
-              <a:t>12/12/2017</a:t>
+              <a:t>12/13/2017</a:t>
             </a:fld>
             <a:endParaRPr lang="en-US"/>
           </a:p>
@@ -4296,7 +4383,7 @@
           <a:p>
             <a:fld id="{89526FFA-F7FC-4389-A6FC-2493F8B7F012}" type="datetimeFigureOut">
               <a:rPr lang="en-US" smtClean="0"/>
-              <a:t>12/12/2017</a:t>
+              <a:t>12/13/2017</a:t>
             </a:fld>
             <a:endParaRPr lang="en-US"/>
           </a:p>
@@ -4538,7 +4625,7 @@
           <a:p>
             <a:fld id="{89526FFA-F7FC-4389-A6FC-2493F8B7F012}" type="datetimeFigureOut">
               <a:rPr lang="en-US" smtClean="0"/>
-              <a:t>12/12/2017</a:t>
+              <a:t>12/13/2017</a:t>
             </a:fld>
             <a:endParaRPr lang="en-US"/>
           </a:p>
@@ -4917,7 +5004,7 @@
           <a:p>
             <a:fld id="{89526FFA-F7FC-4389-A6FC-2493F8B7F012}" type="datetimeFigureOut">
               <a:rPr lang="en-US" smtClean="0"/>
-              <a:t>12/12/2017</a:t>
+              <a:t>12/13/2017</a:t>
             </a:fld>
             <a:endParaRPr lang="en-US"/>
           </a:p>
@@ -5035,7 +5122,7 @@
           <a:p>
             <a:fld id="{89526FFA-F7FC-4389-A6FC-2493F8B7F012}" type="datetimeFigureOut">
               <a:rPr lang="en-US" smtClean="0"/>
-              <a:t>12/12/2017</a:t>
+              <a:t>12/13/2017</a:t>
             </a:fld>
             <a:endParaRPr lang="en-US"/>
           </a:p>
@@ -5130,7 +5217,7 @@
           <a:p>
             <a:fld id="{89526FFA-F7FC-4389-A6FC-2493F8B7F012}" type="datetimeFigureOut">
               <a:rPr lang="en-US" smtClean="0"/>
-              <a:t>12/12/2017</a:t>
+              <a:t>12/13/2017</a:t>
             </a:fld>
             <a:endParaRPr lang="en-US"/>
           </a:p>
@@ -5379,7 +5466,7 @@
           <a:p>
             <a:fld id="{89526FFA-F7FC-4389-A6FC-2493F8B7F012}" type="datetimeFigureOut">
               <a:rPr lang="en-US" smtClean="0"/>
-              <a:t>12/12/2017</a:t>
+              <a:t>12/13/2017</a:t>
             </a:fld>
             <a:endParaRPr lang="en-US"/>
           </a:p>
@@ -5636,7 +5723,7 @@
           <a:p>
             <a:fld id="{89526FFA-F7FC-4389-A6FC-2493F8B7F012}" type="datetimeFigureOut">
               <a:rPr lang="en-US" smtClean="0"/>
-              <a:t>12/12/2017</a:t>
+              <a:t>12/13/2017</a:t>
             </a:fld>
             <a:endParaRPr lang="en-US"/>
           </a:p>
@@ -5879,7 +5966,7 @@
           <a:p>
             <a:fld id="{89526FFA-F7FC-4389-A6FC-2493F8B7F012}" type="datetimeFigureOut">
               <a:rPr lang="en-US" smtClean="0"/>
-              <a:t>12/12/2017</a:t>
+              <a:t>12/13/2017</a:t>
             </a:fld>
             <a:endParaRPr lang="en-US"/>
           </a:p>
@@ -6516,35 +6603,48 @@
               </a:rPr>
               <a:t>https://github.com/Jisti007/Mobile-Project-ideal-broccoli</a:t>
             </a:r>
+            <a:endParaRPr lang="fi-FI" dirty="0"/>
+          </a:p>
+          <a:p>
             <a:r>
               <a:rPr lang="fi-FI" dirty="0"/>
-              <a:t> </a:t>
-            </a:r>
-          </a:p>
-          <a:p>
-            <a:r>
-              <a:rPr lang="fi-FI" dirty="0"/>
-              <a:t>OpenGL resursseja</a:t>
-            </a:r>
-            <a:endParaRPr lang="fi-FI" dirty="0">
-              <a:hlinkClick r:id="rId3"/>
-            </a:endParaRPr>
-          </a:p>
-          <a:p>
-            <a:pPr lvl="1"/>
+              <a:t>Projektin Doxygen: </a:t>
+            </a:r>
             <a:r>
               <a:rPr lang="fi-FI" dirty="0">
                 <a:hlinkClick r:id="rId3"/>
               </a:rPr>
-              <a:t>https://www.khronos.org/opengl/wiki/Main_Page</a:t>
-            </a:r>
-            <a:endParaRPr lang="fi-FI" dirty="0"/>
+              <a:t>https://jisti007.github.io/Mobile-Project-ideal-broccoli/</a:t>
+            </a:r>
+            <a:r>
+              <a:rPr lang="fi-FI" dirty="0"/>
+              <a:t> </a:t>
+            </a:r>
+          </a:p>
+          <a:p>
+            <a:r>
+              <a:rPr lang="fi-FI" dirty="0"/>
+              <a:t>OpenGL resursseja</a:t>
+            </a:r>
+            <a:endParaRPr lang="fi-FI" dirty="0">
+              <a:hlinkClick r:id="rId4"/>
+            </a:endParaRPr>
           </a:p>
           <a:p>
             <a:pPr lvl="1"/>
             <a:r>
               <a:rPr lang="fi-FI" dirty="0">
                 <a:hlinkClick r:id="rId4"/>
+              </a:rPr>
+              <a:t>https://www.khronos.org/opengl/wiki/Main_Page</a:t>
+            </a:r>
+            <a:endParaRPr lang="fi-FI" dirty="0"/>
+          </a:p>
+          <a:p>
+            <a:pPr lvl="1"/>
+            <a:r>
+              <a:rPr lang="fi-FI" dirty="0">
+                <a:hlinkClick r:id="rId5"/>
               </a:rPr>
               <a:t>https://learnopengl.com/</a:t>
             </a:r>
@@ -6803,7 +6903,7 @@
           <a:p>
             <a:r>
               <a:rPr lang="fi-FI" dirty="0"/>
-              <a:t>Käytetyt kolmannen osapuolen kirjastot</a:t>
+              <a:t>Pelin idea</a:t>
             </a:r>
             <a:endParaRPr lang="en-US" dirty="0"/>
           </a:p>
@@ -6819,83 +6919,40 @@
             <p:ph idx="1"/>
           </p:nvPr>
         </p:nvSpPr>
-        <p:spPr>
-          <a:xfrm>
-            <a:off x="838200" y="1825624"/>
-            <a:ext cx="10710796" cy="4537598"/>
-          </a:xfrm>
-        </p:spPr>
-        <p:txBody>
-          <a:bodyPr/>
-          <a:lstStyle/>
-          <a:p>
-            <a:r>
-              <a:rPr lang="fi-FI" dirty="0" err="1"/>
-              <a:t>RapidXML</a:t>
-            </a:r>
+        <p:spPr/>
+        <p:txBody>
+          <a:bodyPr/>
+          <a:lstStyle/>
+          <a:p>
             <a:r>
               <a:rPr lang="fi-FI" dirty="0"/>
-              <a:t> </a:t>
-            </a:r>
-          </a:p>
-          <a:p>
-            <a:pPr lvl="1"/>
-            <a:r>
-              <a:rPr lang="fi-FI" dirty="0">
-                <a:hlinkClick r:id="rId2"/>
-              </a:rPr>
-              <a:t>http://rapidxml.sourceforge.net/</a:t>
-            </a:r>
+              <a:t>Ohjaat omaa kuningaskuntaasi</a:t>
+            </a:r>
+          </a:p>
+          <a:p>
             <a:r>
               <a:rPr lang="fi-FI" dirty="0"/>
-              <a:t> </a:t>
-            </a:r>
-          </a:p>
-          <a:p>
-            <a:r>
-              <a:rPr lang="en-US" dirty="0" err="1"/>
-              <a:t>stb_image</a:t>
-            </a:r>
-            <a:r>
-              <a:rPr lang="en-US" dirty="0"/>
-              <a:t>, </a:t>
-            </a:r>
-            <a:r>
-              <a:rPr lang="en-US" dirty="0" err="1"/>
-              <a:t>stb_rect_pack</a:t>
-            </a:r>
-            <a:r>
-              <a:rPr lang="en-US" dirty="0"/>
-              <a:t>, </a:t>
-            </a:r>
-            <a:r>
-              <a:rPr lang="en-US" dirty="0" err="1"/>
-              <a:t>stb_truetype</a:t>
-            </a:r>
-            <a:r>
-              <a:rPr lang="en-US" dirty="0"/>
-              <a:t> </a:t>
-            </a:r>
-          </a:p>
-          <a:p>
-            <a:pPr lvl="1"/>
-            <a:r>
-              <a:rPr lang="en-US" dirty="0">
-                <a:hlinkClick r:id="rId3"/>
-              </a:rPr>
-              <a:t>https://github.com/nothings/stb</a:t>
-            </a:r>
-            <a:r>
-              <a:rPr lang="en-US" dirty="0"/>
-              <a:t> </a:t>
-            </a:r>
+              <a:t>Palkkaa sotilaita, kaappaa resursseja ja päihitä vihollisesi</a:t>
+            </a:r>
+          </a:p>
+          <a:p>
+            <a:r>
+              <a:rPr lang="fi-FI" dirty="0"/>
+              <a:t>Satunnaisesti luotu kartta tarjoaa aina uuden haasteen</a:t>
+            </a:r>
+          </a:p>
+          <a:p>
+            <a:pPr marL="0" indent="0">
+              <a:buNone/>
+            </a:pPr>
+            <a:endParaRPr lang="en-US" dirty="0"/>
           </a:p>
         </p:txBody>
       </p:sp>
     </p:spTree>
     <p:extLst>
       <p:ext uri="{BB962C8B-B14F-4D97-AF65-F5344CB8AC3E}">
-        <p14:creationId xmlns:p14="http://schemas.microsoft.com/office/powerpoint/2010/main" val="747183190"/>
+        <p14:creationId xmlns:p14="http://schemas.microsoft.com/office/powerpoint/2010/main" val="2610491797"/>
       </p:ext>
     </p:extLst>
   </p:cSld>
@@ -6939,56 +6996,59 @@
           <a:p>
             <a:r>
               <a:rPr lang="fi-FI" dirty="0"/>
-              <a:t>Pelin idea</a:t>
+              <a:t>Mobile Application </a:t>
+            </a:r>
+            <a:r>
+              <a:rPr lang="fi-FI" dirty="0" err="1"/>
+              <a:t>Development</a:t>
+            </a:r>
+            <a:r>
+              <a:rPr lang="fi-FI" dirty="0"/>
+              <a:t>-demo</a:t>
             </a:r>
             <a:endParaRPr lang="en-US" dirty="0"/>
           </a:p>
         </p:txBody>
       </p:sp>
-      <p:sp>
-        <p:nvSpPr>
-          <p:cNvPr id="3" name="Content Placeholder 2"/>
-          <p:cNvSpPr>
-            <a:spLocks noGrp="1"/>
-          </p:cNvSpPr>
+      <p:pic>
+        <p:nvPicPr>
+          <p:cNvPr id="6" name="Content Placeholder 5">
+            <a:extLst>
+              <a:ext uri="{FF2B5EF4-FFF2-40B4-BE49-F238E27FC236}">
+                <a16:creationId xmlns:a16="http://schemas.microsoft.com/office/drawing/2014/main" id="{2B16BC8E-4AC7-402F-A022-488A5BAE4177}"/>
+              </a:ext>
+            </a:extLst>
+          </p:cNvPr>
+          <p:cNvPicPr>
+            <a:picLocks noGrp="1" noChangeAspect="1"/>
+          </p:cNvPicPr>
           <p:nvPr>
             <p:ph idx="1"/>
           </p:nvPr>
-        </p:nvSpPr>
-        <p:spPr/>
-        <p:txBody>
-          <a:bodyPr/>
-          <a:lstStyle/>
-          <a:p>
-            <a:r>
-              <a:rPr lang="fi-FI" dirty="0"/>
-              <a:t>Ohjaat omaa kuningaskuntaasi</a:t>
-            </a:r>
-          </a:p>
-          <a:p>
-            <a:r>
-              <a:rPr lang="fi-FI" dirty="0"/>
-              <a:t>Palkkaa sotilaita, kaappaa resursseja ja päihitä vihollisesi</a:t>
-            </a:r>
-          </a:p>
-          <a:p>
-            <a:r>
-              <a:rPr lang="fi-FI" dirty="0"/>
-              <a:t>Satunnaisesti luotu kartta tarjoaa aina uuden haasteen</a:t>
-            </a:r>
-          </a:p>
-          <a:p>
-            <a:pPr marL="0" indent="0">
-              <a:buNone/>
-            </a:pPr>
-            <a:endParaRPr lang="en-US" dirty="0"/>
-          </a:p>
-        </p:txBody>
-      </p:sp>
+        </p:nvPicPr>
+        <p:blipFill>
+          <a:blip r:embed="rId2">
+            <a:extLst>
+              <a:ext uri="{28A0092B-C50C-407E-A947-70E740481C1C}">
+                <a14:useLocalDpi xmlns:a14="http://schemas.microsoft.com/office/drawing/2010/main" val="0"/>
+              </a:ext>
+            </a:extLst>
+          </a:blip>
+          <a:stretch>
+            <a:fillRect/>
+          </a:stretch>
+        </p:blipFill>
+        <p:spPr>
+          <a:xfrm>
+            <a:off x="2522326" y="2193925"/>
+            <a:ext cx="7147347" cy="4024313"/>
+          </a:xfrm>
+        </p:spPr>
+      </p:pic>
     </p:spTree>
     <p:extLst>
       <p:ext uri="{BB962C8B-B14F-4D97-AF65-F5344CB8AC3E}">
-        <p14:creationId xmlns:p14="http://schemas.microsoft.com/office/powerpoint/2010/main" val="2610491797"/>
+        <p14:creationId xmlns:p14="http://schemas.microsoft.com/office/powerpoint/2010/main" val="555773907"/>
       </p:ext>
     </p:extLst>
   </p:cSld>
@@ -7032,75 +7092,51 @@
           <a:p>
             <a:r>
               <a:rPr lang="fi-FI" dirty="0"/>
-              <a:t>How it </a:t>
-            </a:r>
-            <a:r>
-              <a:rPr lang="fi-FI" dirty="0" err="1"/>
-              <a:t>works</a:t>
+              <a:t>Lopputulos</a:t>
             </a:r>
             <a:endParaRPr lang="en-US" dirty="0"/>
           </a:p>
         </p:txBody>
       </p:sp>
-      <p:sp>
-        <p:nvSpPr>
-          <p:cNvPr id="3" name="Content Placeholder 2"/>
-          <p:cNvSpPr>
-            <a:spLocks noGrp="1"/>
-          </p:cNvSpPr>
+      <p:pic>
+        <p:nvPicPr>
+          <p:cNvPr id="9" name="Content Placeholder 8">
+            <a:extLst>
+              <a:ext uri="{FF2B5EF4-FFF2-40B4-BE49-F238E27FC236}">
+                <a16:creationId xmlns:a16="http://schemas.microsoft.com/office/drawing/2014/main" id="{68509273-AEFA-4FDE-862C-04BD4DED763F}"/>
+              </a:ext>
+            </a:extLst>
+          </p:cNvPr>
+          <p:cNvPicPr>
+            <a:picLocks noGrp="1" noChangeAspect="1"/>
+          </p:cNvPicPr>
           <p:nvPr>
             <p:ph idx="1"/>
           </p:nvPr>
-        </p:nvSpPr>
-        <p:spPr/>
-        <p:txBody>
-          <a:bodyPr/>
-          <a:lstStyle/>
-          <a:p>
-            <a:r>
-              <a:rPr lang="fi-FI" dirty="0"/>
-              <a:t>Grafiikka piirretään </a:t>
-            </a:r>
-            <a:r>
-              <a:rPr lang="fi-FI" dirty="0" err="1"/>
-              <a:t>rendering</a:t>
-            </a:r>
-            <a:r>
-              <a:rPr lang="fi-FI" dirty="0"/>
-              <a:t> </a:t>
-            </a:r>
-            <a:r>
-              <a:rPr lang="fi-FI" dirty="0" err="1"/>
-              <a:t>pipelinen</a:t>
-            </a:r>
-            <a:r>
-              <a:rPr lang="fi-FI" dirty="0"/>
-              <a:t> avulla</a:t>
-            </a:r>
-          </a:p>
-          <a:p>
-            <a:r>
-              <a:rPr lang="fi-FI" dirty="0"/>
-              <a:t>Staattiset tiedot, esim. eri yksiköiden kyvyt ja voimatasot, haetaan XML-tiedostoista </a:t>
-            </a:r>
-            <a:r>
-              <a:rPr lang="fi-FI" dirty="0" err="1"/>
-              <a:t>AssetManagerin</a:t>
-            </a:r>
-            <a:r>
-              <a:rPr lang="fi-FI" dirty="0"/>
-              <a:t> avulla</a:t>
-            </a:r>
-          </a:p>
-          <a:p>
-            <a:endParaRPr lang="en-US" dirty="0"/>
-          </a:p>
-        </p:txBody>
-      </p:sp>
+        </p:nvPicPr>
+        <p:blipFill>
+          <a:blip r:embed="rId2" cstate="print">
+            <a:extLst>
+              <a:ext uri="{28A0092B-C50C-407E-A947-70E740481C1C}">
+                <a14:useLocalDpi xmlns:a14="http://schemas.microsoft.com/office/drawing/2010/main" val="0"/>
+              </a:ext>
+            </a:extLst>
+          </a:blip>
+          <a:stretch>
+            <a:fillRect/>
+          </a:stretch>
+        </p:blipFill>
+        <p:spPr>
+          <a:xfrm>
+            <a:off x="2518833" y="2193925"/>
+            <a:ext cx="7154334" cy="4024313"/>
+          </a:xfrm>
+        </p:spPr>
+      </p:pic>
     </p:spTree>
     <p:extLst>
       <p:ext uri="{BB962C8B-B14F-4D97-AF65-F5344CB8AC3E}">
-        <p14:creationId xmlns:p14="http://schemas.microsoft.com/office/powerpoint/2010/main" val="2641100791"/>
+        <p14:creationId xmlns:p14="http://schemas.microsoft.com/office/powerpoint/2010/main" val="2600390547"/>
       </p:ext>
     </p:extLst>
   </p:cSld>
@@ -7144,59 +7180,140 @@
           <a:p>
             <a:r>
               <a:rPr lang="fi-FI" dirty="0"/>
-              <a:t>Mobile Application </a:t>
+              <a:t>How it </a:t>
             </a:r>
             <a:r>
               <a:rPr lang="fi-FI" dirty="0" err="1"/>
-              <a:t>Development</a:t>
-            </a:r>
+              <a:t>works</a:t>
+            </a:r>
+            <a:endParaRPr lang="en-US" dirty="0"/>
+          </a:p>
+        </p:txBody>
+      </p:sp>
+      <p:sp>
+        <p:nvSpPr>
+          <p:cNvPr id="3" name="Content Placeholder 2"/>
+          <p:cNvSpPr>
+            <a:spLocks noGrp="1"/>
+          </p:cNvSpPr>
+          <p:nvPr>
+            <p:ph idx="1"/>
+          </p:nvPr>
+        </p:nvSpPr>
+        <p:spPr/>
+        <p:txBody>
+          <a:bodyPr/>
+          <a:lstStyle/>
+          <a:p>
             <a:r>
               <a:rPr lang="fi-FI" dirty="0"/>
-              <a:t>-demo</a:t>
+              <a:t>Grafiikka piirretään </a:t>
+            </a:r>
+            <a:r>
+              <a:rPr lang="fi-FI" dirty="0" err="1"/>
+              <a:t>rendering</a:t>
+            </a:r>
+            <a:r>
+              <a:rPr lang="fi-FI" dirty="0"/>
+              <a:t> </a:t>
+            </a:r>
+            <a:r>
+              <a:rPr lang="fi-FI" dirty="0" err="1"/>
+              <a:t>pipelinen</a:t>
+            </a:r>
+            <a:r>
+              <a:rPr lang="fi-FI" dirty="0"/>
+              <a:t> avulla</a:t>
+            </a:r>
+          </a:p>
+          <a:p>
+            <a:r>
+              <a:rPr lang="fi-FI" dirty="0"/>
+              <a:t>Staattiset tiedot, esim. eri yksiköiden kyvyt ja voimatasot, haetaan XML-tiedostoista AssetManagerin avulla</a:t>
+            </a:r>
+          </a:p>
+          <a:p>
+            <a:r>
+              <a:rPr lang="fi-FI" dirty="0"/>
+              <a:t>Peli toimii eri tiloilla, eli stateilla</a:t>
+            </a:r>
+          </a:p>
+          <a:p>
+            <a:pPr lvl="1"/>
+            <a:r>
+              <a:rPr lang="fi-FI" dirty="0"/>
+              <a:t>Staten vaihtumisella pystytään helposti erittelemään mitä tulisi tapahtua milloinkin ja saadaan helposti muutettua esim. UI:ta</a:t>
+            </a:r>
+          </a:p>
+          <a:p>
+            <a:r>
+              <a:rPr lang="en-US" dirty="0" err="1"/>
+              <a:t>Viime</a:t>
+            </a:r>
+            <a:r>
+              <a:rPr lang="en-US" dirty="0"/>
+              <a:t> </a:t>
+            </a:r>
+            <a:r>
+              <a:rPr lang="en-US" dirty="0" err="1"/>
+              <a:t>tarkistuksella</a:t>
+            </a:r>
+            <a:r>
+              <a:rPr lang="en-US" dirty="0"/>
+              <a:t> </a:t>
+            </a:r>
+            <a:r>
+              <a:rPr lang="en-US" dirty="0" err="1"/>
+              <a:t>projektissa</a:t>
+            </a:r>
+            <a:r>
+              <a:rPr lang="en-US" dirty="0"/>
+              <a:t> </a:t>
+            </a:r>
+            <a:r>
+              <a:rPr lang="en-US" dirty="0" err="1"/>
+              <a:t>oli</a:t>
+            </a:r>
+            <a:r>
+              <a:rPr lang="en-US" dirty="0"/>
+              <a:t> </a:t>
+            </a:r>
+            <a:r>
+              <a:rPr lang="en-US" dirty="0" err="1"/>
+              <a:t>yli</a:t>
+            </a:r>
+            <a:r>
+              <a:rPr lang="en-US" dirty="0"/>
+              <a:t> 7000 </a:t>
+            </a:r>
+            <a:r>
+              <a:rPr lang="en-US" dirty="0" err="1"/>
+              <a:t>riviä</a:t>
+            </a:r>
+            <a:r>
+              <a:rPr lang="en-US" dirty="0"/>
+              <a:t> </a:t>
+            </a:r>
+            <a:r>
+              <a:rPr lang="en-US" dirty="0" err="1"/>
+              <a:t>luotua</a:t>
+            </a:r>
+            <a:r>
+              <a:rPr lang="en-US" dirty="0"/>
+              <a:t> </a:t>
+            </a:r>
+            <a:r>
+              <a:rPr lang="en-US" dirty="0" err="1"/>
+              <a:t>koodia</a:t>
             </a:r>
             <a:endParaRPr lang="en-US" dirty="0"/>
           </a:p>
         </p:txBody>
       </p:sp>
-      <p:pic>
-        <p:nvPicPr>
-          <p:cNvPr id="6" name="Content Placeholder 5">
-            <a:extLst>
-              <a:ext uri="{FF2B5EF4-FFF2-40B4-BE49-F238E27FC236}">
-                <a16:creationId xmlns:a16="http://schemas.microsoft.com/office/drawing/2014/main" id="{2B16BC8E-4AC7-402F-A022-488A5BAE4177}"/>
-              </a:ext>
-            </a:extLst>
-          </p:cNvPr>
-          <p:cNvPicPr>
-            <a:picLocks noGrp="1" noChangeAspect="1"/>
-          </p:cNvPicPr>
-          <p:nvPr>
-            <p:ph idx="1"/>
-          </p:nvPr>
-        </p:nvPicPr>
-        <p:blipFill>
-          <a:blip r:embed="rId2">
-            <a:extLst>
-              <a:ext uri="{28A0092B-C50C-407E-A947-70E740481C1C}">
-                <a14:useLocalDpi xmlns:a14="http://schemas.microsoft.com/office/drawing/2010/main" val="0"/>
-              </a:ext>
-            </a:extLst>
-          </a:blip>
-          <a:stretch>
-            <a:fillRect/>
-          </a:stretch>
-        </p:blipFill>
-        <p:spPr>
-          <a:xfrm>
-            <a:off x="2522326" y="2193925"/>
-            <a:ext cx="7147347" cy="4024313"/>
-          </a:xfrm>
-        </p:spPr>
-      </p:pic>
     </p:spTree>
     <p:extLst>
       <p:ext uri="{BB962C8B-B14F-4D97-AF65-F5344CB8AC3E}">
-        <p14:creationId xmlns:p14="http://schemas.microsoft.com/office/powerpoint/2010/main" val="555773907"/>
+        <p14:creationId xmlns:p14="http://schemas.microsoft.com/office/powerpoint/2010/main" val="2641100791"/>
       </p:ext>
     </p:extLst>
   </p:cSld>
@@ -7240,51 +7357,111 @@
           <a:p>
             <a:r>
               <a:rPr lang="fi-FI" dirty="0"/>
-              <a:t>Lopputulos</a:t>
+              <a:t>Käytetyt kolmannen osapuolen kirjastot</a:t>
             </a:r>
             <a:endParaRPr lang="en-US" dirty="0"/>
           </a:p>
         </p:txBody>
       </p:sp>
-      <p:pic>
-        <p:nvPicPr>
-          <p:cNvPr id="9" name="Content Placeholder 8">
-            <a:extLst>
-              <a:ext uri="{FF2B5EF4-FFF2-40B4-BE49-F238E27FC236}">
-                <a16:creationId xmlns:a16="http://schemas.microsoft.com/office/drawing/2014/main" id="{68509273-AEFA-4FDE-862C-04BD4DED763F}"/>
-              </a:ext>
-            </a:extLst>
-          </p:cNvPr>
-          <p:cNvPicPr>
-            <a:picLocks noGrp="1" noChangeAspect="1"/>
-          </p:cNvPicPr>
+      <p:sp>
+        <p:nvSpPr>
+          <p:cNvPr id="3" name="Content Placeholder 2"/>
+          <p:cNvSpPr>
+            <a:spLocks noGrp="1"/>
+          </p:cNvSpPr>
           <p:nvPr>
             <p:ph idx="1"/>
           </p:nvPr>
-        </p:nvPicPr>
-        <p:blipFill>
-          <a:blip r:embed="rId2" cstate="print">
-            <a:extLst>
-              <a:ext uri="{28A0092B-C50C-407E-A947-70E740481C1C}">
-                <a14:useLocalDpi xmlns:a14="http://schemas.microsoft.com/office/drawing/2010/main" val="0"/>
-              </a:ext>
-            </a:extLst>
-          </a:blip>
-          <a:stretch>
-            <a:fillRect/>
-          </a:stretch>
-        </p:blipFill>
-        <p:spPr>
-          <a:xfrm>
-            <a:off x="2518833" y="2193925"/>
-            <a:ext cx="7154334" cy="4024313"/>
-          </a:xfrm>
-        </p:spPr>
-      </p:pic>
+        </p:nvSpPr>
+        <p:spPr>
+          <a:xfrm>
+            <a:off x="838200" y="1825624"/>
+            <a:ext cx="10710796" cy="4537598"/>
+          </a:xfrm>
+        </p:spPr>
+        <p:txBody>
+          <a:bodyPr/>
+          <a:lstStyle/>
+          <a:p>
+            <a:r>
+              <a:rPr lang="fi-FI" dirty="0"/>
+              <a:t>Glm</a:t>
+            </a:r>
+          </a:p>
+          <a:p>
+            <a:pPr lvl="1"/>
+            <a:r>
+              <a:rPr lang="fi-FI" dirty="0">
+                <a:hlinkClick r:id="rId2"/>
+              </a:rPr>
+              <a:t>https://glm.g-truc.net/</a:t>
+            </a:r>
+            <a:endParaRPr lang="fi-FI" dirty="0"/>
+          </a:p>
+          <a:p>
+            <a:r>
+              <a:rPr lang="fi-FI" dirty="0"/>
+              <a:t>RapidXML </a:t>
+            </a:r>
+          </a:p>
+          <a:p>
+            <a:pPr lvl="1"/>
+            <a:r>
+              <a:rPr lang="fi-FI" dirty="0">
+                <a:hlinkClick r:id="rId3"/>
+              </a:rPr>
+              <a:t>http://rapidxml.sourceforge.net/</a:t>
+            </a:r>
+            <a:r>
+              <a:rPr lang="fi-FI" dirty="0"/>
+              <a:t> </a:t>
+            </a:r>
+          </a:p>
+          <a:p>
+            <a:r>
+              <a:rPr lang="en-US" dirty="0" err="1"/>
+              <a:t>stb_image</a:t>
+            </a:r>
+            <a:r>
+              <a:rPr lang="en-US" dirty="0"/>
+              <a:t>, </a:t>
+            </a:r>
+            <a:r>
+              <a:rPr lang="en-US" dirty="0" err="1"/>
+              <a:t>stb_rect_pack</a:t>
+            </a:r>
+            <a:r>
+              <a:rPr lang="en-US" dirty="0"/>
+              <a:t>, </a:t>
+            </a:r>
+            <a:r>
+              <a:rPr lang="en-US" dirty="0" err="1"/>
+              <a:t>stb_truetype</a:t>
+            </a:r>
+            <a:r>
+              <a:rPr lang="en-US" dirty="0"/>
+              <a:t> </a:t>
+            </a:r>
+          </a:p>
+          <a:p>
+            <a:pPr lvl="1"/>
+            <a:r>
+              <a:rPr lang="en-US" dirty="0">
+                <a:hlinkClick r:id="rId4"/>
+              </a:rPr>
+              <a:t>https://github.com/nothings/stb</a:t>
+            </a:r>
+            <a:r>
+              <a:rPr lang="en-US" dirty="0"/>
+              <a:t> </a:t>
+            </a:r>
+          </a:p>
+        </p:txBody>
+      </p:sp>
     </p:spTree>
     <p:extLst>
       <p:ext uri="{BB962C8B-B14F-4D97-AF65-F5344CB8AC3E}">
-        <p14:creationId xmlns:p14="http://schemas.microsoft.com/office/powerpoint/2010/main" val="2600390547"/>
+        <p14:creationId xmlns:p14="http://schemas.microsoft.com/office/powerpoint/2010/main" val="747183190"/>
       </p:ext>
     </p:extLst>
   </p:cSld>

--- a/documentation/presentation/Project Onslaught.pptx
+++ b/documentation/presentation/Project Onslaught.pptx
@@ -6851,6 +6851,12 @@
             <a:r>
               <a:rPr lang="fi-FI" dirty="0"/>
               <a:t>Kehitysympäristönä Android Studio</a:t>
+            </a:r>
+          </a:p>
+          <a:p>
+            <a:r>
+              <a:rPr lang="fi-FI" dirty="0"/>
+              <a:t>Kirjattu ajankäyttö 102,5h per henkilö</a:t>
             </a:r>
             <a:endParaRPr lang="en-US" dirty="0"/>
           </a:p>

--- a/documentation/presentation/Project Onslaught.pptx
+++ b/documentation/presentation/Project Onslaught.pptx
@@ -7289,8 +7289,12 @@
               <a:t>yli</a:t>
             </a:r>
             <a:r>
-              <a:rPr lang="en-US" dirty="0"/>
-              <a:t> 7000 </a:t>
+              <a:rPr lang="en-US"/>
+              <a:t> </a:t>
+            </a:r>
+            <a:r>
+              <a:rPr lang="en-US" smtClean="0"/>
+              <a:t>6000 </a:t>
             </a:r>
             <a:r>
               <a:rPr lang="en-US" dirty="0" err="1"/>
